--- a/노코드 엔지니어링/프레이머로 블로그 만들기.pptx
+++ b/노코드 엔지니어링/프레이머로 블로그 만들기.pptx
@@ -13,6 +13,9 @@
     <p:sldId id="261" r:id="rId7"/>
     <p:sldId id="262" r:id="rId8"/>
     <p:sldId id="263" r:id="rId9"/>
+    <p:sldId id="264" r:id="rId10"/>
+    <p:sldId id="265" r:id="rId11"/>
+    <p:sldId id="266" r:id="rId12"/>
   </p:sldIdLst>
   <p:sldSz cx="12192000" cy="6858000"/>
   <p:notesSz cx="6858000" cy="9144000"/>
@@ -4015,6 +4018,793 @@
 </p:sld>
 </file>
 
+<file path=ppt/slides/slide10.xml><?xml version="1.0" encoding="utf-8"?>
+<p:sld xmlns:a="http://schemas.openxmlformats.org/drawingml/2006/main" xmlns:r="http://schemas.openxmlformats.org/officeDocument/2006/relationships" xmlns:p="http://schemas.openxmlformats.org/presentationml/2006/main">
+  <p:cSld>
+    <p:spTree>
+      <p:nvGrpSpPr>
+        <p:cNvPr id="1" name=""/>
+        <p:cNvGrpSpPr/>
+        <p:nvPr/>
+      </p:nvGrpSpPr>
+      <p:grpSpPr>
+        <a:xfrm>
+          <a:off x="0" y="0"/>
+          <a:ext cx="0" cy="0"/>
+          <a:chOff x="0" y="0"/>
+          <a:chExt cx="0" cy="0"/>
+        </a:xfrm>
+      </p:grpSpPr>
+      <p:sp>
+        <p:nvSpPr>
+          <p:cNvPr id="2" name="Title 1"/>
+          <p:cNvSpPr>
+            <a:spLocks noGrp="1"/>
+          </p:cNvSpPr>
+          <p:nvPr>
+            <p:ph type="title"/>
+          </p:nvPr>
+        </p:nvSpPr>
+        <p:spPr/>
+        <p:txBody>
+          <a:bodyPr/>
+          <a:lstStyle/>
+          <a:p>
+            <a:pPr lvl="0" indent="0" marL="0">
+              <a:buNone/>
+            </a:pPr>
+            <a:r>
+              <a:rPr/>
+              <a:t>에디터</a:t>
+            </a:r>
+          </a:p>
+        </p:txBody>
+      </p:sp>
+      <p:sp>
+        <p:nvSpPr>
+          <p:cNvPr id="3" name="Content Placeholder 2"/>
+          <p:cNvSpPr>
+            <a:spLocks noGrp="1"/>
+          </p:cNvSpPr>
+          <p:nvPr>
+            <p:ph idx="1"/>
+          </p:nvPr>
+        </p:nvSpPr>
+        <p:spPr/>
+        <p:txBody>
+          <a:bodyPr/>
+          <a:lstStyle/>
+          <a:p>
+            <a:pPr lvl="0" indent="0" marL="0">
+              <a:spcBef>
+                <a:spcPts val="3000"/>
+              </a:spcBef>
+              <a:buNone/>
+            </a:pPr>
+            <a:r>
+              <a:rPr b="1"/>
+              <a:t>캔버스</a:t>
+            </a:r>
+          </a:p>
+          <a:p>
+            <a:pPr lvl="0"/>
+            <a:r>
+              <a:rPr/>
+              <a:t>가로/세로로 거의 무한하게 늘어남</a:t>
+            </a:r>
+          </a:p>
+          <a:p>
+            <a:pPr lvl="0"/>
+            <a:r>
+              <a:rPr/>
+              <a:t>1 페이지 = 1 캔버스</a:t>
+            </a:r>
+          </a:p>
+          <a:p>
+            <a:pPr lvl="0" indent="0" marL="0">
+              <a:spcBef>
+                <a:spcPts val="3000"/>
+              </a:spcBef>
+              <a:buNone/>
+            </a:pPr>
+            <a:r>
+              <a:rPr b="1"/>
+              <a:t>페이지(Pages)</a:t>
+            </a:r>
+          </a:p>
+          <a:p>
+            <a:pPr lvl="0"/>
+            <a:r>
+              <a:rPr/>
+              <a:t>말 그대로 페이지</a:t>
+            </a:r>
+          </a:p>
+          <a:p>
+            <a:pPr lvl="0"/>
+            <a:r>
+              <a:rPr/>
+              <a:t>웹 / CMS / 캔버스</a:t>
+            </a:r>
+          </a:p>
+          <a:p>
+            <a:pPr lvl="1"/>
+            <a:r>
+              <a:rPr/>
+              <a:t>웹: Publish 했을 때 인터넷에 배포되어서 주소로 접근할 수 있는 페이지</a:t>
+            </a:r>
+          </a:p>
+          <a:p>
+            <a:pPr lvl="1"/>
+            <a:r>
+              <a:rPr/>
+              <a:t>CMS: CMS 컬렉션으로 자동 구성되는 웹 페이지</a:t>
+            </a:r>
+          </a:p>
+          <a:p>
+            <a:pPr lvl="1"/>
+            <a:r>
+              <a:rPr/>
+              <a:t>캔버스: 프로토타이핑을 위한 페이지, React.js 컴포넌트를 Hand off로 개발자에게 전달 가능</a:t>
+            </a:r>
+          </a:p>
+        </p:txBody>
+      </p:sp>
+    </p:spTree>
+  </p:cSld>
+  <p:timing>
+    <p:tnLst>
+      <p:par>
+        <p:cTn id="1" dur="indefinite" restart="never" nodeType="tmRoot">
+          <p:childTnLst>
+            <p:seq concurrent="1" nextAc="seek">
+              <p:cTn id="2" dur="indefinite" nodeType="mainSeq">
+                <p:childTnLst>
+                  <p:par>
+                    <p:cTn id="3" fill="hold">
+                      <p:stCondLst>
+                        <p:cond delay="indefinite"/>
+                      </p:stCondLst>
+                      <p:childTnLst>
+                        <p:par>
+                          <p:cTn id="4" fill="hold">
+                            <p:stCondLst>
+                              <p:cond delay="0"/>
+                            </p:stCondLst>
+                            <p:childTnLst>
+                              <p:par>
+                                <p:cTn id="5" presetID="1" presetClass="entr" presetSubtype="0" fill="hold" grpId="0" nodeType="clickEffect">
+                                  <p:stCondLst>
+                                    <p:cond delay="0"/>
+                                  </p:stCondLst>
+                                  <p:childTnLst>
+                                    <p:set>
+                                      <p:cBhvr>
+                                        <p:cTn id="6" dur="1" fill="hold">
+                                          <p:stCondLst>
+                                            <p:cond delay="0"/>
+                                          </p:stCondLst>
+                                        </p:cTn>
+                                        <p:tgtEl>
+                                          <p:spTgt spid="3">
+                                            <p:txEl>
+                                              <p:pRg st="1" end="1"/>
+                                            </p:txEl>
+                                          </p:spTgt>
+                                        </p:tgtEl>
+                                        <p:attrNameLst>
+                                          <p:attrName>style.visibility</p:attrName>
+                                        </p:attrNameLst>
+                                      </p:cBhvr>
+                                      <p:to>
+                                        <p:strVal val="visible"/>
+                                      </p:to>
+                                    </p:set>
+                                  </p:childTnLst>
+                                </p:cTn>
+                              </p:par>
+                            </p:childTnLst>
+                          </p:cTn>
+                        </p:par>
+                      </p:childTnLst>
+                    </p:cTn>
+                  </p:par>
+                  <p:par>
+                    <p:cTn id="7" fill="hold">
+                      <p:stCondLst>
+                        <p:cond delay="indefinite"/>
+                      </p:stCondLst>
+                      <p:childTnLst>
+                        <p:par>
+                          <p:cTn id="8" fill="hold">
+                            <p:stCondLst>
+                              <p:cond delay="0"/>
+                            </p:stCondLst>
+                            <p:childTnLst>
+                              <p:par>
+                                <p:cTn id="9" presetID="1" presetClass="entr" presetSubtype="0" fill="hold" grpId="0" nodeType="clickEffect">
+                                  <p:stCondLst>
+                                    <p:cond delay="0"/>
+                                  </p:stCondLst>
+                                  <p:childTnLst>
+                                    <p:set>
+                                      <p:cBhvr>
+                                        <p:cTn id="10" dur="1" fill="hold">
+                                          <p:stCondLst>
+                                            <p:cond delay="0"/>
+                                          </p:stCondLst>
+                                        </p:cTn>
+                                        <p:tgtEl>
+                                          <p:spTgt spid="3">
+                                            <p:txEl>
+                                              <p:pRg st="2" end="2"/>
+                                            </p:txEl>
+                                          </p:spTgt>
+                                        </p:tgtEl>
+                                        <p:attrNameLst>
+                                          <p:attrName>style.visibility</p:attrName>
+                                        </p:attrNameLst>
+                                      </p:cBhvr>
+                                      <p:to>
+                                        <p:strVal val="visible"/>
+                                      </p:to>
+                                    </p:set>
+                                  </p:childTnLst>
+                                </p:cTn>
+                              </p:par>
+                            </p:childTnLst>
+                          </p:cTn>
+                        </p:par>
+                      </p:childTnLst>
+                    </p:cTn>
+                  </p:par>
+                  <p:par>
+                    <p:cTn id="11" fill="hold">
+                      <p:stCondLst>
+                        <p:cond delay="indefinite"/>
+                      </p:stCondLst>
+                      <p:childTnLst>
+                        <p:par>
+                          <p:cTn id="12" fill="hold">
+                            <p:stCondLst>
+                              <p:cond delay="0"/>
+                            </p:stCondLst>
+                            <p:childTnLst>
+                              <p:par>
+                                <p:cTn id="13" presetID="1" presetClass="entr" presetSubtype="0" fill="hold" grpId="0" nodeType="clickEffect">
+                                  <p:stCondLst>
+                                    <p:cond delay="0"/>
+                                  </p:stCondLst>
+                                  <p:childTnLst>
+                                    <p:set>
+                                      <p:cBhvr>
+                                        <p:cTn id="14" dur="1" fill="hold">
+                                          <p:stCondLst>
+                                            <p:cond delay="0"/>
+                                          </p:stCondLst>
+                                        </p:cTn>
+                                        <p:tgtEl>
+                                          <p:spTgt spid="3">
+                                            <p:txEl>
+                                              <p:pRg st="4" end="4"/>
+                                            </p:txEl>
+                                          </p:spTgt>
+                                        </p:tgtEl>
+                                        <p:attrNameLst>
+                                          <p:attrName>style.visibility</p:attrName>
+                                        </p:attrNameLst>
+                                      </p:cBhvr>
+                                      <p:to>
+                                        <p:strVal val="visible"/>
+                                      </p:to>
+                                    </p:set>
+                                  </p:childTnLst>
+                                </p:cTn>
+                              </p:par>
+                            </p:childTnLst>
+                          </p:cTn>
+                        </p:par>
+                      </p:childTnLst>
+                    </p:cTn>
+                  </p:par>
+                  <p:par>
+                    <p:cTn id="15" fill="hold">
+                      <p:stCondLst>
+                        <p:cond delay="indefinite"/>
+                      </p:stCondLst>
+                      <p:childTnLst>
+                        <p:par>
+                          <p:cTn id="16" fill="hold">
+                            <p:stCondLst>
+                              <p:cond delay="0"/>
+                            </p:stCondLst>
+                            <p:childTnLst>
+                              <p:par>
+                                <p:cTn id="17" presetID="1" presetClass="entr" presetSubtype="0" fill="hold" grpId="0" nodeType="clickEffect">
+                                  <p:stCondLst>
+                                    <p:cond delay="0"/>
+                                  </p:stCondLst>
+                                  <p:childTnLst>
+                                    <p:set>
+                                      <p:cBhvr>
+                                        <p:cTn id="18" dur="1" fill="hold">
+                                          <p:stCondLst>
+                                            <p:cond delay="0"/>
+                                          </p:stCondLst>
+                                        </p:cTn>
+                                        <p:tgtEl>
+                                          <p:spTgt spid="3">
+                                            <p:txEl>
+                                              <p:pRg st="5" end="5"/>
+                                            </p:txEl>
+                                          </p:spTgt>
+                                        </p:tgtEl>
+                                        <p:attrNameLst>
+                                          <p:attrName>style.visibility</p:attrName>
+                                        </p:attrNameLst>
+                                      </p:cBhvr>
+                                      <p:to>
+                                        <p:strVal val="visible"/>
+                                      </p:to>
+                                    </p:set>
+                                  </p:childTnLst>
+                                </p:cTn>
+                              </p:par>
+                            </p:childTnLst>
+                          </p:cTn>
+                        </p:par>
+                      </p:childTnLst>
+                    </p:cTn>
+                  </p:par>
+                  <p:par>
+                    <p:cTn id="19" fill="hold">
+                      <p:stCondLst>
+                        <p:cond delay="indefinite"/>
+                      </p:stCondLst>
+                      <p:childTnLst>
+                        <p:par>
+                          <p:cTn id="20" fill="hold">
+                            <p:stCondLst>
+                              <p:cond delay="0"/>
+                            </p:stCondLst>
+                            <p:childTnLst>
+                              <p:par>
+                                <p:cTn id="21" presetID="1" presetClass="entr" presetSubtype="0" fill="hold" grpId="0" nodeType="clickEffect">
+                                  <p:stCondLst>
+                                    <p:cond delay="0"/>
+                                  </p:stCondLst>
+                                  <p:childTnLst>
+                                    <p:set>
+                                      <p:cBhvr>
+                                        <p:cTn id="22" dur="1" fill="hold">
+                                          <p:stCondLst>
+                                            <p:cond delay="0"/>
+                                          </p:stCondLst>
+                                        </p:cTn>
+                                        <p:tgtEl>
+                                          <p:spTgt spid="3">
+                                            <p:txEl>
+                                              <p:pRg st="6" end="6"/>
+                                            </p:txEl>
+                                          </p:spTgt>
+                                        </p:tgtEl>
+                                        <p:attrNameLst>
+                                          <p:attrName>style.visibility</p:attrName>
+                                        </p:attrNameLst>
+                                      </p:cBhvr>
+                                      <p:to>
+                                        <p:strVal val="visible"/>
+                                      </p:to>
+                                    </p:set>
+                                  </p:childTnLst>
+                                </p:cTn>
+                              </p:par>
+                            </p:childTnLst>
+                          </p:cTn>
+                        </p:par>
+                      </p:childTnLst>
+                    </p:cTn>
+                  </p:par>
+                  <p:par>
+                    <p:cTn id="23" fill="hold">
+                      <p:stCondLst>
+                        <p:cond delay="indefinite"/>
+                      </p:stCondLst>
+                      <p:childTnLst>
+                        <p:par>
+                          <p:cTn id="24" fill="hold">
+                            <p:stCondLst>
+                              <p:cond delay="0"/>
+                            </p:stCondLst>
+                            <p:childTnLst>
+                              <p:par>
+                                <p:cTn id="25" presetID="1" presetClass="entr" presetSubtype="0" fill="hold" grpId="0" nodeType="clickEffect">
+                                  <p:stCondLst>
+                                    <p:cond delay="0"/>
+                                  </p:stCondLst>
+                                  <p:childTnLst>
+                                    <p:set>
+                                      <p:cBhvr>
+                                        <p:cTn id="26" dur="1" fill="hold">
+                                          <p:stCondLst>
+                                            <p:cond delay="0"/>
+                                          </p:stCondLst>
+                                        </p:cTn>
+                                        <p:tgtEl>
+                                          <p:spTgt spid="3">
+                                            <p:txEl>
+                                              <p:pRg st="7" end="7"/>
+                                            </p:txEl>
+                                          </p:spTgt>
+                                        </p:tgtEl>
+                                        <p:attrNameLst>
+                                          <p:attrName>style.visibility</p:attrName>
+                                        </p:attrNameLst>
+                                      </p:cBhvr>
+                                      <p:to>
+                                        <p:strVal val="visible"/>
+                                      </p:to>
+                                    </p:set>
+                                  </p:childTnLst>
+                                </p:cTn>
+                              </p:par>
+                            </p:childTnLst>
+                          </p:cTn>
+                        </p:par>
+                      </p:childTnLst>
+                    </p:cTn>
+                  </p:par>
+                  <p:par>
+                    <p:cTn id="27" fill="hold">
+                      <p:stCondLst>
+                        <p:cond delay="indefinite"/>
+                      </p:stCondLst>
+                      <p:childTnLst>
+                        <p:par>
+                          <p:cTn id="28" fill="hold">
+                            <p:stCondLst>
+                              <p:cond delay="0"/>
+                            </p:stCondLst>
+                            <p:childTnLst>
+                              <p:par>
+                                <p:cTn id="29" presetID="1" presetClass="entr" presetSubtype="0" fill="hold" grpId="0" nodeType="clickEffect">
+                                  <p:stCondLst>
+                                    <p:cond delay="0"/>
+                                  </p:stCondLst>
+                                  <p:childTnLst>
+                                    <p:set>
+                                      <p:cBhvr>
+                                        <p:cTn id="30" dur="1" fill="hold">
+                                          <p:stCondLst>
+                                            <p:cond delay="0"/>
+                                          </p:stCondLst>
+                                        </p:cTn>
+                                        <p:tgtEl>
+                                          <p:spTgt spid="3">
+                                            <p:txEl>
+                                              <p:pRg st="8" end="8"/>
+                                            </p:txEl>
+                                          </p:spTgt>
+                                        </p:tgtEl>
+                                        <p:attrNameLst>
+                                          <p:attrName>style.visibility</p:attrName>
+                                        </p:attrNameLst>
+                                      </p:cBhvr>
+                                      <p:to>
+                                        <p:strVal val="visible"/>
+                                      </p:to>
+                                    </p:set>
+                                  </p:childTnLst>
+                                </p:cTn>
+                              </p:par>
+                            </p:childTnLst>
+                          </p:cTn>
+                        </p:par>
+                      </p:childTnLst>
+                    </p:cTn>
+                  </p:par>
+                </p:childTnLst>
+              </p:cTn>
+              <p:prevCondLst>
+                <p:cond evt="onPrev" delay="0">
+                  <p:tgtEl>
+                    <p:sldTgt/>
+                  </p:tgtEl>
+                </p:cond>
+              </p:prevCondLst>
+              <p:nextCondLst>
+                <p:cond evt="onNext" delay="0">
+                  <p:tgtEl>
+                    <p:sldTgt/>
+                  </p:tgtEl>
+                </p:cond>
+              </p:nextCondLst>
+            </p:seq>
+          </p:childTnLst>
+        </p:cTn>
+      </p:par>
+    </p:tnLst>
+    <p:bldLst>
+      <p:bldP spid="3" grpId="0" uiExpand="1" build="p"/>
+    </p:bldLst>
+  </p:timing>
+</p:sld>
+</file>
+
+<file path=ppt/slides/slide11.xml><?xml version="1.0" encoding="utf-8"?>
+<p:sld xmlns:a="http://schemas.openxmlformats.org/drawingml/2006/main" xmlns:r="http://schemas.openxmlformats.org/officeDocument/2006/relationships" xmlns:p="http://schemas.openxmlformats.org/presentationml/2006/main">
+  <p:cSld>
+    <p:spTree>
+      <p:nvGrpSpPr>
+        <p:cNvPr id="1" name=""/>
+        <p:cNvGrpSpPr/>
+        <p:nvPr/>
+      </p:nvGrpSpPr>
+      <p:grpSpPr>
+        <a:xfrm>
+          <a:off x="0" y="0"/>
+          <a:ext cx="0" cy="0"/>
+          <a:chOff x="0" y="0"/>
+          <a:chExt cx="0" cy="0"/>
+        </a:xfrm>
+      </p:grpSpPr>
+      <p:sp>
+        <p:nvSpPr>
+          <p:cNvPr id="3" name="Content Placeholder 2"/>
+          <p:cNvSpPr>
+            <a:spLocks noGrp="1"/>
+          </p:cNvSpPr>
+          <p:nvPr>
+            <p:ph idx="1"/>
+          </p:nvPr>
+        </p:nvSpPr>
+        <p:spPr/>
+        <p:txBody>
+          <a:bodyPr/>
+          <a:lstStyle/>
+          <a:p>
+            <a:pPr lvl="0" indent="0" marL="0">
+              <a:spcBef>
+                <a:spcPts val="3000"/>
+              </a:spcBef>
+              <a:buNone/>
+            </a:pPr>
+            <a:r>
+              <a:rPr b="1"/>
+              <a:t>레이어(Layers)</a:t>
+            </a:r>
+          </a:p>
+          <a:p>
+            <a:pPr lvl="0"/>
+            <a:r>
+              <a:rPr/>
+              <a:t>캔버스 상의 하나의 요소(Elements)</a:t>
+            </a:r>
+          </a:p>
+          <a:p>
+            <a:pPr lvl="0" indent="0" marL="0">
+              <a:spcBef>
+                <a:spcPts val="3000"/>
+              </a:spcBef>
+              <a:buNone/>
+            </a:pPr>
+            <a:r>
+              <a:rPr b="1"/>
+              <a:t>브레이크포인트(Breakpoint)</a:t>
+            </a:r>
+          </a:p>
+          <a:p>
+            <a:pPr lvl="0"/>
+            <a:r>
+              <a:rPr/>
+              <a:t>실제로 웹에 보여지게 되는 프레임</a:t>
+            </a:r>
+          </a:p>
+          <a:p>
+            <a:pPr lvl="0" indent="0" marL="0">
+              <a:spcBef>
+                <a:spcPts val="3000"/>
+              </a:spcBef>
+              <a:buNone/>
+            </a:pPr>
+            <a:r>
+              <a:rPr b="1"/>
+              <a:t>에셋(Assets)</a:t>
+            </a:r>
+          </a:p>
+          <a:p>
+            <a:pPr lvl="0"/>
+            <a:r>
+              <a:rPr/>
+              <a:t>반복해서 사용하게 되는 페이지의 구성 요소(Components)</a:t>
+            </a:r>
+          </a:p>
+        </p:txBody>
+      </p:sp>
+    </p:spTree>
+  </p:cSld>
+  <p:timing>
+    <p:tnLst>
+      <p:par>
+        <p:cTn id="1" dur="indefinite" restart="never" nodeType="tmRoot">
+          <p:childTnLst>
+            <p:seq concurrent="1" nextAc="seek">
+              <p:cTn id="2" dur="indefinite" nodeType="mainSeq">
+                <p:childTnLst>
+                  <p:par>
+                    <p:cTn id="3" fill="hold">
+                      <p:stCondLst>
+                        <p:cond delay="indefinite"/>
+                      </p:stCondLst>
+                      <p:childTnLst>
+                        <p:par>
+                          <p:cTn id="4" fill="hold">
+                            <p:stCondLst>
+                              <p:cond delay="0"/>
+                            </p:stCondLst>
+                            <p:childTnLst>
+                              <p:par>
+                                <p:cTn id="5" presetID="1" presetClass="entr" presetSubtype="0" fill="hold" grpId="0" nodeType="clickEffect">
+                                  <p:stCondLst>
+                                    <p:cond delay="0"/>
+                                  </p:stCondLst>
+                                  <p:childTnLst>
+                                    <p:set>
+                                      <p:cBhvr>
+                                        <p:cTn id="6" dur="1" fill="hold">
+                                          <p:stCondLst>
+                                            <p:cond delay="0"/>
+                                          </p:stCondLst>
+                                        </p:cTn>
+                                        <p:tgtEl>
+                                          <p:spTgt spid="3">
+                                            <p:txEl>
+                                              <p:pRg st="1" end="1"/>
+                                            </p:txEl>
+                                          </p:spTgt>
+                                        </p:tgtEl>
+                                        <p:attrNameLst>
+                                          <p:attrName>style.visibility</p:attrName>
+                                        </p:attrNameLst>
+                                      </p:cBhvr>
+                                      <p:to>
+                                        <p:strVal val="visible"/>
+                                      </p:to>
+                                    </p:set>
+                                  </p:childTnLst>
+                                </p:cTn>
+                              </p:par>
+                            </p:childTnLst>
+                          </p:cTn>
+                        </p:par>
+                      </p:childTnLst>
+                    </p:cTn>
+                  </p:par>
+                  <p:par>
+                    <p:cTn id="7" fill="hold">
+                      <p:stCondLst>
+                        <p:cond delay="indefinite"/>
+                      </p:stCondLst>
+                      <p:childTnLst>
+                        <p:par>
+                          <p:cTn id="8" fill="hold">
+                            <p:stCondLst>
+                              <p:cond delay="0"/>
+                            </p:stCondLst>
+                            <p:childTnLst>
+                              <p:par>
+                                <p:cTn id="9" presetID="1" presetClass="entr" presetSubtype="0" fill="hold" grpId="0" nodeType="clickEffect">
+                                  <p:stCondLst>
+                                    <p:cond delay="0"/>
+                                  </p:stCondLst>
+                                  <p:childTnLst>
+                                    <p:set>
+                                      <p:cBhvr>
+                                        <p:cTn id="10" dur="1" fill="hold">
+                                          <p:stCondLst>
+                                            <p:cond delay="0"/>
+                                          </p:stCondLst>
+                                        </p:cTn>
+                                        <p:tgtEl>
+                                          <p:spTgt spid="3">
+                                            <p:txEl>
+                                              <p:pRg st="3" end="3"/>
+                                            </p:txEl>
+                                          </p:spTgt>
+                                        </p:tgtEl>
+                                        <p:attrNameLst>
+                                          <p:attrName>style.visibility</p:attrName>
+                                        </p:attrNameLst>
+                                      </p:cBhvr>
+                                      <p:to>
+                                        <p:strVal val="visible"/>
+                                      </p:to>
+                                    </p:set>
+                                  </p:childTnLst>
+                                </p:cTn>
+                              </p:par>
+                            </p:childTnLst>
+                          </p:cTn>
+                        </p:par>
+                      </p:childTnLst>
+                    </p:cTn>
+                  </p:par>
+                  <p:par>
+                    <p:cTn id="11" fill="hold">
+                      <p:stCondLst>
+                        <p:cond delay="indefinite"/>
+                      </p:stCondLst>
+                      <p:childTnLst>
+                        <p:par>
+                          <p:cTn id="12" fill="hold">
+                            <p:stCondLst>
+                              <p:cond delay="0"/>
+                            </p:stCondLst>
+                            <p:childTnLst>
+                              <p:par>
+                                <p:cTn id="13" presetID="1" presetClass="entr" presetSubtype="0" fill="hold" grpId="0" nodeType="clickEffect">
+                                  <p:stCondLst>
+                                    <p:cond delay="0"/>
+                                  </p:stCondLst>
+                                  <p:childTnLst>
+                                    <p:set>
+                                      <p:cBhvr>
+                                        <p:cTn id="14" dur="1" fill="hold">
+                                          <p:stCondLst>
+                                            <p:cond delay="0"/>
+                                          </p:stCondLst>
+                                        </p:cTn>
+                                        <p:tgtEl>
+                                          <p:spTgt spid="3">
+                                            <p:txEl>
+                                              <p:pRg st="5" end="5"/>
+                                            </p:txEl>
+                                          </p:spTgt>
+                                        </p:tgtEl>
+                                        <p:attrNameLst>
+                                          <p:attrName>style.visibility</p:attrName>
+                                        </p:attrNameLst>
+                                      </p:cBhvr>
+                                      <p:to>
+                                        <p:strVal val="visible"/>
+                                      </p:to>
+                                    </p:set>
+                                  </p:childTnLst>
+                                </p:cTn>
+                              </p:par>
+                            </p:childTnLst>
+                          </p:cTn>
+                        </p:par>
+                      </p:childTnLst>
+                    </p:cTn>
+                  </p:par>
+                </p:childTnLst>
+              </p:cTn>
+              <p:prevCondLst>
+                <p:cond evt="onPrev" delay="0">
+                  <p:tgtEl>
+                    <p:sldTgt/>
+                  </p:tgtEl>
+                </p:cond>
+              </p:prevCondLst>
+              <p:nextCondLst>
+                <p:cond evt="onNext" delay="0">
+                  <p:tgtEl>
+                    <p:sldTgt/>
+                  </p:tgtEl>
+                </p:cond>
+              </p:nextCondLst>
+            </p:seq>
+          </p:childTnLst>
+        </p:cTn>
+      </p:par>
+    </p:tnLst>
+    <p:bldLst>
+      <p:bldP spid="3" grpId="0" uiExpand="1" build="p"/>
+    </p:bldLst>
+  </p:timing>
+</p:sld>
+</file>
+
 <file path=ppt/slides/slide2.xml><?xml version="1.0" encoding="utf-8"?>
 <p:sld xmlns:a="http://schemas.openxmlformats.org/drawingml/2006/main" xmlns:r="http://schemas.openxmlformats.org/officeDocument/2006/relationships" xmlns:p="http://schemas.openxmlformats.org/presentationml/2006/main">
   <p:cSld>
@@ -4546,6 +5336,15 @@
             <a:r>
               <a:rPr/>
               <a:t>토스는 Deux 라는 이름의 별도 도구를 만들고 있다는 소문</a:t>
+            </a:r>
+          </a:p>
+          <a:p>
+            <a:pPr lvl="1"/>
+            <a:r>
+              <a:rPr>
+                <a:hlinkClick r:id="rId2"/>
+              </a:rPr>
+              <a:t>지금, 툴이 아닌 틀을 바꿔야할 때</a:t>
             </a:r>
           </a:p>
         </p:txBody>
@@ -5030,6 +5829,55 @@
                                           <p:spTgt spid="3">
                                             <p:txEl>
                                               <p:pRg st="9" end="9"/>
+                                            </p:txEl>
+                                          </p:spTgt>
+                                        </p:tgtEl>
+                                        <p:attrNameLst>
+                                          <p:attrName>style.visibility</p:attrName>
+                                        </p:attrNameLst>
+                                      </p:cBhvr>
+                                      <p:to>
+                                        <p:strVal val="visible"/>
+                                      </p:to>
+                                    </p:set>
+                                  </p:childTnLst>
+                                </p:cTn>
+                              </p:par>
+                            </p:childTnLst>
+                          </p:cTn>
+                        </p:par>
+                      </p:childTnLst>
+                    </p:cTn>
+                  </p:par>
+                  <p:par>
+                    <p:cTn id="43" fill="hold">
+                      <p:stCondLst>
+                        <p:cond delay="indefinite"/>
+                      </p:stCondLst>
+                      <p:childTnLst>
+                        <p:par>
+                          <p:cTn id="44" fill="hold">
+                            <p:stCondLst>
+                              <p:cond delay="0"/>
+                            </p:stCondLst>
+                            <p:childTnLst>
+                              <p:par>
+                                <p:cTn id="45" presetID="1" presetClass="entr" presetSubtype="0" fill="hold" grpId="0" nodeType="clickEffect">
+                                  <p:stCondLst>
+                                    <p:cond delay="0"/>
+                                  </p:stCondLst>
+                                  <p:childTnLst>
+                                    <p:set>
+                                      <p:cBhvr>
+                                        <p:cTn id="46" dur="1" fill="hold">
+                                          <p:stCondLst>
+                                            <p:cond delay="0"/>
+                                          </p:stCondLst>
+                                        </p:cTn>
+                                        <p:tgtEl>
+                                          <p:spTgt spid="3">
+                                            <p:txEl>
+                                              <p:pRg st="10" end="10"/>
                                             </p:txEl>
                                           </p:spTgt>
                                         </p:tgtEl>
@@ -7966,6 +8814,270 @@
 </p:sld>
 </file>
 
+<file path=ppt/slides/slide9.xml><?xml version="1.0" encoding="utf-8"?>
+<p:sld xmlns:a="http://schemas.openxmlformats.org/drawingml/2006/main" xmlns:r="http://schemas.openxmlformats.org/officeDocument/2006/relationships" xmlns:p="http://schemas.openxmlformats.org/presentationml/2006/main">
+  <p:cSld>
+    <p:spTree>
+      <p:nvGrpSpPr>
+        <p:cNvPr id="1" name=""/>
+        <p:cNvGrpSpPr/>
+        <p:nvPr/>
+      </p:nvGrpSpPr>
+      <p:grpSpPr>
+        <a:xfrm>
+          <a:off x="0" y="0"/>
+          <a:ext cx="0" cy="0"/>
+          <a:chOff x="0" y="0"/>
+          <a:chExt cx="0" cy="0"/>
+        </a:xfrm>
+      </p:grpSpPr>
+      <p:sp>
+        <p:nvSpPr>
+          <p:cNvPr id="2" name="Title 1"/>
+          <p:cNvSpPr>
+            <a:spLocks noGrp="1"/>
+          </p:cNvSpPr>
+          <p:nvPr>
+            <p:ph type="title"/>
+          </p:nvPr>
+        </p:nvSpPr>
+        <p:spPr/>
+        <p:txBody>
+          <a:bodyPr/>
+          <a:lstStyle/>
+          <a:p>
+            <a:pPr lvl="0" indent="0" marL="0">
+              <a:buNone/>
+            </a:pPr>
+            <a:r>
+              <a:rPr/>
+              <a:t>팀</a:t>
+            </a:r>
+          </a:p>
+        </p:txBody>
+      </p:sp>
+      <p:sp>
+        <p:nvSpPr>
+          <p:cNvPr id="3" name="Content Placeholder 2"/>
+          <p:cNvSpPr>
+            <a:spLocks noGrp="1"/>
+          </p:cNvSpPr>
+          <p:nvPr>
+            <p:ph idx="1"/>
+          </p:nvPr>
+        </p:nvSpPr>
+        <p:spPr/>
+        <p:txBody>
+          <a:bodyPr/>
+          <a:lstStyle/>
+          <a:p>
+            <a:pPr lvl="0"/>
+            <a:r>
+              <a:rPr/>
+              <a:t>모든 프레이머 문서(프로젝트)는 팀에 귀속됨.</a:t>
+            </a:r>
+          </a:p>
+          <a:p>
+            <a:pPr lvl="0"/>
+            <a:r>
+              <a:rPr/>
+              <a:t>다른 사람들과의 협업을 위해서는 결제가 필수</a:t>
+            </a:r>
+          </a:p>
+          <a:p>
+            <a:pPr lvl="0"/>
+            <a:r>
+              <a:rPr/>
+              <a:t>특이하게도 프레이머 문서는 삭제가 불가능</a:t>
+            </a:r>
+          </a:p>
+        </p:txBody>
+      </p:sp>
+    </p:spTree>
+  </p:cSld>
+  <p:timing>
+    <p:tnLst>
+      <p:par>
+        <p:cTn id="1" dur="indefinite" restart="never" nodeType="tmRoot">
+          <p:childTnLst>
+            <p:seq concurrent="1" nextAc="seek">
+              <p:cTn id="2" dur="indefinite" nodeType="mainSeq">
+                <p:childTnLst>
+                  <p:par>
+                    <p:cTn id="3" fill="hold">
+                      <p:stCondLst>
+                        <p:cond delay="indefinite"/>
+                      </p:stCondLst>
+                      <p:childTnLst>
+                        <p:par>
+                          <p:cTn id="4" fill="hold">
+                            <p:stCondLst>
+                              <p:cond delay="0"/>
+                            </p:stCondLst>
+                            <p:childTnLst>
+                              <p:par>
+                                <p:cTn id="5" presetID="1" presetClass="entr" presetSubtype="0" fill="hold" grpId="0" nodeType="clickEffect">
+                                  <p:stCondLst>
+                                    <p:cond delay="0"/>
+                                  </p:stCondLst>
+                                  <p:childTnLst>
+                                    <p:set>
+                                      <p:cBhvr>
+                                        <p:cTn id="6" dur="1" fill="hold">
+                                          <p:stCondLst>
+                                            <p:cond delay="0"/>
+                                          </p:stCondLst>
+                                        </p:cTn>
+                                        <p:tgtEl>
+                                          <p:spTgt spid="3">
+                                            <p:txEl>
+                                              <p:pRg st="0" end="0"/>
+                                            </p:txEl>
+                                          </p:spTgt>
+                                        </p:tgtEl>
+                                        <p:attrNameLst>
+                                          <p:attrName>style.visibility</p:attrName>
+                                        </p:attrNameLst>
+                                      </p:cBhvr>
+                                      <p:to>
+                                        <p:strVal val="visible"/>
+                                      </p:to>
+                                    </p:set>
+                                  </p:childTnLst>
+                                </p:cTn>
+                              </p:par>
+                            </p:childTnLst>
+                          </p:cTn>
+                        </p:par>
+                      </p:childTnLst>
+                    </p:cTn>
+                  </p:par>
+                  <p:par>
+                    <p:cTn id="7" fill="hold">
+                      <p:stCondLst>
+                        <p:cond delay="indefinite"/>
+                      </p:stCondLst>
+                      <p:childTnLst>
+                        <p:par>
+                          <p:cTn id="8" fill="hold">
+                            <p:stCondLst>
+                              <p:cond delay="0"/>
+                            </p:stCondLst>
+                            <p:childTnLst>
+                              <p:par>
+                                <p:cTn id="9" presetID="1" presetClass="entr" presetSubtype="0" fill="hold" grpId="0" nodeType="clickEffect">
+                                  <p:stCondLst>
+                                    <p:cond delay="0"/>
+                                  </p:stCondLst>
+                                  <p:childTnLst>
+                                    <p:set>
+                                      <p:cBhvr>
+                                        <p:cTn id="10" dur="1" fill="hold">
+                                          <p:stCondLst>
+                                            <p:cond delay="0"/>
+                                          </p:stCondLst>
+                                        </p:cTn>
+                                        <p:tgtEl>
+                                          <p:spTgt spid="3">
+                                            <p:txEl>
+                                              <p:pRg st="1" end="1"/>
+                                            </p:txEl>
+                                          </p:spTgt>
+                                        </p:tgtEl>
+                                        <p:attrNameLst>
+                                          <p:attrName>style.visibility</p:attrName>
+                                        </p:attrNameLst>
+                                      </p:cBhvr>
+                                      <p:to>
+                                        <p:strVal val="visible"/>
+                                      </p:to>
+                                    </p:set>
+                                  </p:childTnLst>
+                                </p:cTn>
+                              </p:par>
+                            </p:childTnLst>
+                          </p:cTn>
+                        </p:par>
+                      </p:childTnLst>
+                    </p:cTn>
+                  </p:par>
+                  <p:par>
+                    <p:cTn id="11" fill="hold">
+                      <p:stCondLst>
+                        <p:cond delay="indefinite"/>
+                      </p:stCondLst>
+                      <p:childTnLst>
+                        <p:par>
+                          <p:cTn id="12" fill="hold">
+                            <p:stCondLst>
+                              <p:cond delay="0"/>
+                            </p:stCondLst>
+                            <p:childTnLst>
+                              <p:par>
+                                <p:cTn id="13" presetID="1" presetClass="entr" presetSubtype="0" fill="hold" grpId="0" nodeType="clickEffect">
+                                  <p:stCondLst>
+                                    <p:cond delay="0"/>
+                                  </p:stCondLst>
+                                  <p:childTnLst>
+                                    <p:set>
+                                      <p:cBhvr>
+                                        <p:cTn id="14" dur="1" fill="hold">
+                                          <p:stCondLst>
+                                            <p:cond delay="0"/>
+                                          </p:stCondLst>
+                                        </p:cTn>
+                                        <p:tgtEl>
+                                          <p:spTgt spid="3">
+                                            <p:txEl>
+                                              <p:pRg st="2" end="2"/>
+                                            </p:txEl>
+                                          </p:spTgt>
+                                        </p:tgtEl>
+                                        <p:attrNameLst>
+                                          <p:attrName>style.visibility</p:attrName>
+                                        </p:attrNameLst>
+                                      </p:cBhvr>
+                                      <p:to>
+                                        <p:strVal val="visible"/>
+                                      </p:to>
+                                    </p:set>
+                                  </p:childTnLst>
+                                </p:cTn>
+                              </p:par>
+                            </p:childTnLst>
+                          </p:cTn>
+                        </p:par>
+                      </p:childTnLst>
+                    </p:cTn>
+                  </p:par>
+                </p:childTnLst>
+              </p:cTn>
+              <p:prevCondLst>
+                <p:cond evt="onPrev" delay="0">
+                  <p:tgtEl>
+                    <p:sldTgt/>
+                  </p:tgtEl>
+                </p:cond>
+              </p:prevCondLst>
+              <p:nextCondLst>
+                <p:cond evt="onNext" delay="0">
+                  <p:tgtEl>
+                    <p:sldTgt/>
+                  </p:tgtEl>
+                </p:cond>
+              </p:nextCondLst>
+            </p:seq>
+          </p:childTnLst>
+        </p:cTn>
+      </p:par>
+    </p:tnLst>
+    <p:bldLst>
+      <p:bldP spid="3" grpId="0" uiExpand="1" build="p"/>
+    </p:bldLst>
+  </p:timing>
+</p:sld>
+</file>
+
 <file path=ppt/theme/theme1.xml><?xml version="1.0" encoding="utf-8"?>
 <a:theme xmlns:a="http://schemas.openxmlformats.org/drawingml/2006/main" name="Gallery">
   <a:themeElements>

--- a/노코드 엔지니어링/프레이머로 블로그 만들기.pptx
+++ b/노코드 엔지니어링/프레이머로 블로그 만들기.pptx
@@ -16,6 +16,13 @@
     <p:sldId id="264" r:id="rId10"/>
     <p:sldId id="265" r:id="rId11"/>
     <p:sldId id="266" r:id="rId12"/>
+    <p:sldId id="267" r:id="rId13"/>
+    <p:sldId id="268" r:id="rId14"/>
+    <p:sldId id="269" r:id="rId15"/>
+    <p:sldId id="270" r:id="rId16"/>
+    <p:sldId id="271" r:id="rId17"/>
+    <p:sldId id="272" r:id="rId18"/>
+    <p:sldId id="273" r:id="rId19"/>
   </p:sldIdLst>
   <p:sldSz cx="12192000" cy="6858000"/>
   <p:notesSz cx="6858000" cy="9144000"/>
@@ -4055,7 +4062,7 @@
             </a:pPr>
             <a:r>
               <a:rPr/>
-              <a:t>에디터</a:t>
+              <a:t>프레임(Frames)</a:t>
             </a:r>
           </a:p>
         </p:txBody>
@@ -4075,6 +4082,48 @@
           <a:bodyPr/>
           <a:lstStyle/>
           <a:p>
+            <a:pPr lvl="0"/>
+            <a:r>
+              <a:rPr/>
+              <a:t>프레임은 피그마와 거의 동일하므로, 피그마를 참고하면 좋음.</a:t>
+            </a:r>
+          </a:p>
+          <a:p>
+            <a:pPr lvl="0"/>
+            <a:r>
+              <a:rPr/>
+              <a:t>피그마와 다르면서도 좀 더 개발에 가까운 도구이므로, 개발로부터 근거를 찾으면 이해하기 쉬움.</a:t>
+            </a:r>
+          </a:p>
+          <a:p>
+            <a:pPr lvl="0"/>
+            <a:r>
+              <a:rPr/>
+              <a:t>특히 Overflow를 다루는 부분은 CSS의 div 태그를 다루는 것과 상당히 유사</a:t>
+            </a:r>
+          </a:p>
+          <a:p>
+            <a:pPr lvl="1"/>
+            <a:r>
+              <a:rPr/>
+              <a:t>Hidden</a:t>
+            </a:r>
+          </a:p>
+          <a:p>
+            <a:pPr lvl="1"/>
+            <a:r>
+              <a:rPr/>
+              <a:t>Visible</a:t>
+            </a:r>
+          </a:p>
+          <a:p>
+            <a:pPr lvl="1"/>
+            <a:r>
+              <a:rPr/>
+              <a:t>Scroll</a:t>
+            </a:r>
+          </a:p>
+          <a:p>
             <a:pPr lvl="0" indent="0" marL="0">
               <a:spcBef>
                 <a:spcPts val="3000"/>
@@ -4083,824 +4132,49 @@
             </a:pPr>
             <a:r>
               <a:rPr b="1"/>
-              <a:t>캔버스</a:t>
+              <a:t>Pin</a:t>
             </a:r>
           </a:p>
           <a:p>
             <a:pPr lvl="0"/>
             <a:r>
               <a:rPr/>
-              <a:t>가로/세로로 거의 무한하게 늘어남</a:t>
+              <a:t>자식 요소를 어딘가에 고정시켜두는 거</a:t>
             </a:r>
           </a:p>
           <a:p>
             <a:pPr lvl="0"/>
             <a:r>
               <a:rPr/>
-              <a:t>1 페이지 = 1 캔버스</a:t>
-            </a:r>
-          </a:p>
-          <a:p>
-            <a:pPr lvl="0" indent="0" marL="0">
-              <a:spcBef>
-                <a:spcPts val="3000"/>
-              </a:spcBef>
-              <a:buNone/>
-            </a:pPr>
-            <a:r>
-              <a:rPr b="1"/>
-              <a:t>페이지(Pages)</a:t>
+              <a:t>Absolute</a:t>
+            </a:r>
+          </a:p>
+          <a:p>
+            <a:pPr lvl="1"/>
+            <a:r>
+              <a:rPr/>
+              <a:t>부모 위치/크기에 따른 절대적 위치를 고수</a:t>
             </a:r>
           </a:p>
           <a:p>
             <a:pPr lvl="0"/>
             <a:r>
               <a:rPr/>
-              <a:t>말 그대로 페이지</a:t>
-            </a:r>
-          </a:p>
-          <a:p>
-            <a:pPr lvl="0"/>
-            <a:r>
-              <a:rPr/>
-              <a:t>웹 / CMS / 캔버스</a:t>
+              <a:t>Fixed</a:t>
             </a:r>
           </a:p>
           <a:p>
             <a:pPr lvl="1"/>
             <a:r>
               <a:rPr/>
-              <a:t>웹: Publish 했을 때 인터넷에 배포되어서 주소로 접근할 수 있는 페이지</a:t>
+              <a:t>스크롤 위치에 연연하지 않고, 그 위치에 고정된다.</a:t>
             </a:r>
           </a:p>
           <a:p>
             <a:pPr lvl="1"/>
             <a:r>
               <a:rPr/>
-              <a:t>CMS: CMS 컬렉션으로 자동 구성되는 웹 페이지</a:t>
-            </a:r>
-          </a:p>
-          <a:p>
-            <a:pPr lvl="1"/>
-            <a:r>
-              <a:rPr/>
-              <a:t>캔버스: 프로토타이핑을 위한 페이지, React.js 컴포넌트를 Hand off로 개발자에게 전달 가능</a:t>
-            </a:r>
-          </a:p>
-        </p:txBody>
-      </p:sp>
-    </p:spTree>
-  </p:cSld>
-  <p:timing>
-    <p:tnLst>
-      <p:par>
-        <p:cTn id="1" dur="indefinite" restart="never" nodeType="tmRoot">
-          <p:childTnLst>
-            <p:seq concurrent="1" nextAc="seek">
-              <p:cTn id="2" dur="indefinite" nodeType="mainSeq">
-                <p:childTnLst>
-                  <p:par>
-                    <p:cTn id="3" fill="hold">
-                      <p:stCondLst>
-                        <p:cond delay="indefinite"/>
-                      </p:stCondLst>
-                      <p:childTnLst>
-                        <p:par>
-                          <p:cTn id="4" fill="hold">
-                            <p:stCondLst>
-                              <p:cond delay="0"/>
-                            </p:stCondLst>
-                            <p:childTnLst>
-                              <p:par>
-                                <p:cTn id="5" presetID="1" presetClass="entr" presetSubtype="0" fill="hold" grpId="0" nodeType="clickEffect">
-                                  <p:stCondLst>
-                                    <p:cond delay="0"/>
-                                  </p:stCondLst>
-                                  <p:childTnLst>
-                                    <p:set>
-                                      <p:cBhvr>
-                                        <p:cTn id="6" dur="1" fill="hold">
-                                          <p:stCondLst>
-                                            <p:cond delay="0"/>
-                                          </p:stCondLst>
-                                        </p:cTn>
-                                        <p:tgtEl>
-                                          <p:spTgt spid="3">
-                                            <p:txEl>
-                                              <p:pRg st="1" end="1"/>
-                                            </p:txEl>
-                                          </p:spTgt>
-                                        </p:tgtEl>
-                                        <p:attrNameLst>
-                                          <p:attrName>style.visibility</p:attrName>
-                                        </p:attrNameLst>
-                                      </p:cBhvr>
-                                      <p:to>
-                                        <p:strVal val="visible"/>
-                                      </p:to>
-                                    </p:set>
-                                  </p:childTnLst>
-                                </p:cTn>
-                              </p:par>
-                            </p:childTnLst>
-                          </p:cTn>
-                        </p:par>
-                      </p:childTnLst>
-                    </p:cTn>
-                  </p:par>
-                  <p:par>
-                    <p:cTn id="7" fill="hold">
-                      <p:stCondLst>
-                        <p:cond delay="indefinite"/>
-                      </p:stCondLst>
-                      <p:childTnLst>
-                        <p:par>
-                          <p:cTn id="8" fill="hold">
-                            <p:stCondLst>
-                              <p:cond delay="0"/>
-                            </p:stCondLst>
-                            <p:childTnLst>
-                              <p:par>
-                                <p:cTn id="9" presetID="1" presetClass="entr" presetSubtype="0" fill="hold" grpId="0" nodeType="clickEffect">
-                                  <p:stCondLst>
-                                    <p:cond delay="0"/>
-                                  </p:stCondLst>
-                                  <p:childTnLst>
-                                    <p:set>
-                                      <p:cBhvr>
-                                        <p:cTn id="10" dur="1" fill="hold">
-                                          <p:stCondLst>
-                                            <p:cond delay="0"/>
-                                          </p:stCondLst>
-                                        </p:cTn>
-                                        <p:tgtEl>
-                                          <p:spTgt spid="3">
-                                            <p:txEl>
-                                              <p:pRg st="2" end="2"/>
-                                            </p:txEl>
-                                          </p:spTgt>
-                                        </p:tgtEl>
-                                        <p:attrNameLst>
-                                          <p:attrName>style.visibility</p:attrName>
-                                        </p:attrNameLst>
-                                      </p:cBhvr>
-                                      <p:to>
-                                        <p:strVal val="visible"/>
-                                      </p:to>
-                                    </p:set>
-                                  </p:childTnLst>
-                                </p:cTn>
-                              </p:par>
-                            </p:childTnLst>
-                          </p:cTn>
-                        </p:par>
-                      </p:childTnLst>
-                    </p:cTn>
-                  </p:par>
-                  <p:par>
-                    <p:cTn id="11" fill="hold">
-                      <p:stCondLst>
-                        <p:cond delay="indefinite"/>
-                      </p:stCondLst>
-                      <p:childTnLst>
-                        <p:par>
-                          <p:cTn id="12" fill="hold">
-                            <p:stCondLst>
-                              <p:cond delay="0"/>
-                            </p:stCondLst>
-                            <p:childTnLst>
-                              <p:par>
-                                <p:cTn id="13" presetID="1" presetClass="entr" presetSubtype="0" fill="hold" grpId="0" nodeType="clickEffect">
-                                  <p:stCondLst>
-                                    <p:cond delay="0"/>
-                                  </p:stCondLst>
-                                  <p:childTnLst>
-                                    <p:set>
-                                      <p:cBhvr>
-                                        <p:cTn id="14" dur="1" fill="hold">
-                                          <p:stCondLst>
-                                            <p:cond delay="0"/>
-                                          </p:stCondLst>
-                                        </p:cTn>
-                                        <p:tgtEl>
-                                          <p:spTgt spid="3">
-                                            <p:txEl>
-                                              <p:pRg st="4" end="4"/>
-                                            </p:txEl>
-                                          </p:spTgt>
-                                        </p:tgtEl>
-                                        <p:attrNameLst>
-                                          <p:attrName>style.visibility</p:attrName>
-                                        </p:attrNameLst>
-                                      </p:cBhvr>
-                                      <p:to>
-                                        <p:strVal val="visible"/>
-                                      </p:to>
-                                    </p:set>
-                                  </p:childTnLst>
-                                </p:cTn>
-                              </p:par>
-                            </p:childTnLst>
-                          </p:cTn>
-                        </p:par>
-                      </p:childTnLst>
-                    </p:cTn>
-                  </p:par>
-                  <p:par>
-                    <p:cTn id="15" fill="hold">
-                      <p:stCondLst>
-                        <p:cond delay="indefinite"/>
-                      </p:stCondLst>
-                      <p:childTnLst>
-                        <p:par>
-                          <p:cTn id="16" fill="hold">
-                            <p:stCondLst>
-                              <p:cond delay="0"/>
-                            </p:stCondLst>
-                            <p:childTnLst>
-                              <p:par>
-                                <p:cTn id="17" presetID="1" presetClass="entr" presetSubtype="0" fill="hold" grpId="0" nodeType="clickEffect">
-                                  <p:stCondLst>
-                                    <p:cond delay="0"/>
-                                  </p:stCondLst>
-                                  <p:childTnLst>
-                                    <p:set>
-                                      <p:cBhvr>
-                                        <p:cTn id="18" dur="1" fill="hold">
-                                          <p:stCondLst>
-                                            <p:cond delay="0"/>
-                                          </p:stCondLst>
-                                        </p:cTn>
-                                        <p:tgtEl>
-                                          <p:spTgt spid="3">
-                                            <p:txEl>
-                                              <p:pRg st="5" end="5"/>
-                                            </p:txEl>
-                                          </p:spTgt>
-                                        </p:tgtEl>
-                                        <p:attrNameLst>
-                                          <p:attrName>style.visibility</p:attrName>
-                                        </p:attrNameLst>
-                                      </p:cBhvr>
-                                      <p:to>
-                                        <p:strVal val="visible"/>
-                                      </p:to>
-                                    </p:set>
-                                  </p:childTnLst>
-                                </p:cTn>
-                              </p:par>
-                            </p:childTnLst>
-                          </p:cTn>
-                        </p:par>
-                      </p:childTnLst>
-                    </p:cTn>
-                  </p:par>
-                  <p:par>
-                    <p:cTn id="19" fill="hold">
-                      <p:stCondLst>
-                        <p:cond delay="indefinite"/>
-                      </p:stCondLst>
-                      <p:childTnLst>
-                        <p:par>
-                          <p:cTn id="20" fill="hold">
-                            <p:stCondLst>
-                              <p:cond delay="0"/>
-                            </p:stCondLst>
-                            <p:childTnLst>
-                              <p:par>
-                                <p:cTn id="21" presetID="1" presetClass="entr" presetSubtype="0" fill="hold" grpId="0" nodeType="clickEffect">
-                                  <p:stCondLst>
-                                    <p:cond delay="0"/>
-                                  </p:stCondLst>
-                                  <p:childTnLst>
-                                    <p:set>
-                                      <p:cBhvr>
-                                        <p:cTn id="22" dur="1" fill="hold">
-                                          <p:stCondLst>
-                                            <p:cond delay="0"/>
-                                          </p:stCondLst>
-                                        </p:cTn>
-                                        <p:tgtEl>
-                                          <p:spTgt spid="3">
-                                            <p:txEl>
-                                              <p:pRg st="6" end="6"/>
-                                            </p:txEl>
-                                          </p:spTgt>
-                                        </p:tgtEl>
-                                        <p:attrNameLst>
-                                          <p:attrName>style.visibility</p:attrName>
-                                        </p:attrNameLst>
-                                      </p:cBhvr>
-                                      <p:to>
-                                        <p:strVal val="visible"/>
-                                      </p:to>
-                                    </p:set>
-                                  </p:childTnLst>
-                                </p:cTn>
-                              </p:par>
-                            </p:childTnLst>
-                          </p:cTn>
-                        </p:par>
-                      </p:childTnLst>
-                    </p:cTn>
-                  </p:par>
-                  <p:par>
-                    <p:cTn id="23" fill="hold">
-                      <p:stCondLst>
-                        <p:cond delay="indefinite"/>
-                      </p:stCondLst>
-                      <p:childTnLst>
-                        <p:par>
-                          <p:cTn id="24" fill="hold">
-                            <p:stCondLst>
-                              <p:cond delay="0"/>
-                            </p:stCondLst>
-                            <p:childTnLst>
-                              <p:par>
-                                <p:cTn id="25" presetID="1" presetClass="entr" presetSubtype="0" fill="hold" grpId="0" nodeType="clickEffect">
-                                  <p:stCondLst>
-                                    <p:cond delay="0"/>
-                                  </p:stCondLst>
-                                  <p:childTnLst>
-                                    <p:set>
-                                      <p:cBhvr>
-                                        <p:cTn id="26" dur="1" fill="hold">
-                                          <p:stCondLst>
-                                            <p:cond delay="0"/>
-                                          </p:stCondLst>
-                                        </p:cTn>
-                                        <p:tgtEl>
-                                          <p:spTgt spid="3">
-                                            <p:txEl>
-                                              <p:pRg st="7" end="7"/>
-                                            </p:txEl>
-                                          </p:spTgt>
-                                        </p:tgtEl>
-                                        <p:attrNameLst>
-                                          <p:attrName>style.visibility</p:attrName>
-                                        </p:attrNameLst>
-                                      </p:cBhvr>
-                                      <p:to>
-                                        <p:strVal val="visible"/>
-                                      </p:to>
-                                    </p:set>
-                                  </p:childTnLst>
-                                </p:cTn>
-                              </p:par>
-                            </p:childTnLst>
-                          </p:cTn>
-                        </p:par>
-                      </p:childTnLst>
-                    </p:cTn>
-                  </p:par>
-                  <p:par>
-                    <p:cTn id="27" fill="hold">
-                      <p:stCondLst>
-                        <p:cond delay="indefinite"/>
-                      </p:stCondLst>
-                      <p:childTnLst>
-                        <p:par>
-                          <p:cTn id="28" fill="hold">
-                            <p:stCondLst>
-                              <p:cond delay="0"/>
-                            </p:stCondLst>
-                            <p:childTnLst>
-                              <p:par>
-                                <p:cTn id="29" presetID="1" presetClass="entr" presetSubtype="0" fill="hold" grpId="0" nodeType="clickEffect">
-                                  <p:stCondLst>
-                                    <p:cond delay="0"/>
-                                  </p:stCondLst>
-                                  <p:childTnLst>
-                                    <p:set>
-                                      <p:cBhvr>
-                                        <p:cTn id="30" dur="1" fill="hold">
-                                          <p:stCondLst>
-                                            <p:cond delay="0"/>
-                                          </p:stCondLst>
-                                        </p:cTn>
-                                        <p:tgtEl>
-                                          <p:spTgt spid="3">
-                                            <p:txEl>
-                                              <p:pRg st="8" end="8"/>
-                                            </p:txEl>
-                                          </p:spTgt>
-                                        </p:tgtEl>
-                                        <p:attrNameLst>
-                                          <p:attrName>style.visibility</p:attrName>
-                                        </p:attrNameLst>
-                                      </p:cBhvr>
-                                      <p:to>
-                                        <p:strVal val="visible"/>
-                                      </p:to>
-                                    </p:set>
-                                  </p:childTnLst>
-                                </p:cTn>
-                              </p:par>
-                            </p:childTnLst>
-                          </p:cTn>
-                        </p:par>
-                      </p:childTnLst>
-                    </p:cTn>
-                  </p:par>
-                </p:childTnLst>
-              </p:cTn>
-              <p:prevCondLst>
-                <p:cond evt="onPrev" delay="0">
-                  <p:tgtEl>
-                    <p:sldTgt/>
-                  </p:tgtEl>
-                </p:cond>
-              </p:prevCondLst>
-              <p:nextCondLst>
-                <p:cond evt="onNext" delay="0">
-                  <p:tgtEl>
-                    <p:sldTgt/>
-                  </p:tgtEl>
-                </p:cond>
-              </p:nextCondLst>
-            </p:seq>
-          </p:childTnLst>
-        </p:cTn>
-      </p:par>
-    </p:tnLst>
-    <p:bldLst>
-      <p:bldP spid="3" grpId="0" uiExpand="1" build="p"/>
-    </p:bldLst>
-  </p:timing>
-</p:sld>
-</file>
-
-<file path=ppt/slides/slide11.xml><?xml version="1.0" encoding="utf-8"?>
-<p:sld xmlns:a="http://schemas.openxmlformats.org/drawingml/2006/main" xmlns:r="http://schemas.openxmlformats.org/officeDocument/2006/relationships" xmlns:p="http://schemas.openxmlformats.org/presentationml/2006/main">
-  <p:cSld>
-    <p:spTree>
-      <p:nvGrpSpPr>
-        <p:cNvPr id="1" name=""/>
-        <p:cNvGrpSpPr/>
-        <p:nvPr/>
-      </p:nvGrpSpPr>
-      <p:grpSpPr>
-        <a:xfrm>
-          <a:off x="0" y="0"/>
-          <a:ext cx="0" cy="0"/>
-          <a:chOff x="0" y="0"/>
-          <a:chExt cx="0" cy="0"/>
-        </a:xfrm>
-      </p:grpSpPr>
-      <p:sp>
-        <p:nvSpPr>
-          <p:cNvPr id="3" name="Content Placeholder 2"/>
-          <p:cNvSpPr>
-            <a:spLocks noGrp="1"/>
-          </p:cNvSpPr>
-          <p:nvPr>
-            <p:ph idx="1"/>
-          </p:nvPr>
-        </p:nvSpPr>
-        <p:spPr/>
-        <p:txBody>
-          <a:bodyPr/>
-          <a:lstStyle/>
-          <a:p>
-            <a:pPr lvl="0" indent="0" marL="0">
-              <a:spcBef>
-                <a:spcPts val="3000"/>
-              </a:spcBef>
-              <a:buNone/>
-            </a:pPr>
-            <a:r>
-              <a:rPr b="1"/>
-              <a:t>레이어(Layers)</a:t>
-            </a:r>
-          </a:p>
-          <a:p>
-            <a:pPr lvl="0"/>
-            <a:r>
-              <a:rPr/>
-              <a:t>캔버스 상의 하나의 요소(Elements)</a:t>
-            </a:r>
-          </a:p>
-          <a:p>
-            <a:pPr lvl="0" indent="0" marL="0">
-              <a:spcBef>
-                <a:spcPts val="3000"/>
-              </a:spcBef>
-              <a:buNone/>
-            </a:pPr>
-            <a:r>
-              <a:rPr b="1"/>
-              <a:t>브레이크포인트(Breakpoint)</a:t>
-            </a:r>
-          </a:p>
-          <a:p>
-            <a:pPr lvl="0"/>
-            <a:r>
-              <a:rPr/>
-              <a:t>실제로 웹에 보여지게 되는 프레임</a:t>
-            </a:r>
-          </a:p>
-          <a:p>
-            <a:pPr lvl="0" indent="0" marL="0">
-              <a:spcBef>
-                <a:spcPts val="3000"/>
-              </a:spcBef>
-              <a:buNone/>
-            </a:pPr>
-            <a:r>
-              <a:rPr b="1"/>
-              <a:t>에셋(Assets)</a:t>
-            </a:r>
-          </a:p>
-          <a:p>
-            <a:pPr lvl="0"/>
-            <a:r>
-              <a:rPr/>
-              <a:t>반복해서 사용하게 되는 페이지의 구성 요소(Components)</a:t>
-            </a:r>
-          </a:p>
-        </p:txBody>
-      </p:sp>
-    </p:spTree>
-  </p:cSld>
-  <p:timing>
-    <p:tnLst>
-      <p:par>
-        <p:cTn id="1" dur="indefinite" restart="never" nodeType="tmRoot">
-          <p:childTnLst>
-            <p:seq concurrent="1" nextAc="seek">
-              <p:cTn id="2" dur="indefinite" nodeType="mainSeq">
-                <p:childTnLst>
-                  <p:par>
-                    <p:cTn id="3" fill="hold">
-                      <p:stCondLst>
-                        <p:cond delay="indefinite"/>
-                      </p:stCondLst>
-                      <p:childTnLst>
-                        <p:par>
-                          <p:cTn id="4" fill="hold">
-                            <p:stCondLst>
-                              <p:cond delay="0"/>
-                            </p:stCondLst>
-                            <p:childTnLst>
-                              <p:par>
-                                <p:cTn id="5" presetID="1" presetClass="entr" presetSubtype="0" fill="hold" grpId="0" nodeType="clickEffect">
-                                  <p:stCondLst>
-                                    <p:cond delay="0"/>
-                                  </p:stCondLst>
-                                  <p:childTnLst>
-                                    <p:set>
-                                      <p:cBhvr>
-                                        <p:cTn id="6" dur="1" fill="hold">
-                                          <p:stCondLst>
-                                            <p:cond delay="0"/>
-                                          </p:stCondLst>
-                                        </p:cTn>
-                                        <p:tgtEl>
-                                          <p:spTgt spid="3">
-                                            <p:txEl>
-                                              <p:pRg st="1" end="1"/>
-                                            </p:txEl>
-                                          </p:spTgt>
-                                        </p:tgtEl>
-                                        <p:attrNameLst>
-                                          <p:attrName>style.visibility</p:attrName>
-                                        </p:attrNameLst>
-                                      </p:cBhvr>
-                                      <p:to>
-                                        <p:strVal val="visible"/>
-                                      </p:to>
-                                    </p:set>
-                                  </p:childTnLst>
-                                </p:cTn>
-                              </p:par>
-                            </p:childTnLst>
-                          </p:cTn>
-                        </p:par>
-                      </p:childTnLst>
-                    </p:cTn>
-                  </p:par>
-                  <p:par>
-                    <p:cTn id="7" fill="hold">
-                      <p:stCondLst>
-                        <p:cond delay="indefinite"/>
-                      </p:stCondLst>
-                      <p:childTnLst>
-                        <p:par>
-                          <p:cTn id="8" fill="hold">
-                            <p:stCondLst>
-                              <p:cond delay="0"/>
-                            </p:stCondLst>
-                            <p:childTnLst>
-                              <p:par>
-                                <p:cTn id="9" presetID="1" presetClass="entr" presetSubtype="0" fill="hold" grpId="0" nodeType="clickEffect">
-                                  <p:stCondLst>
-                                    <p:cond delay="0"/>
-                                  </p:stCondLst>
-                                  <p:childTnLst>
-                                    <p:set>
-                                      <p:cBhvr>
-                                        <p:cTn id="10" dur="1" fill="hold">
-                                          <p:stCondLst>
-                                            <p:cond delay="0"/>
-                                          </p:stCondLst>
-                                        </p:cTn>
-                                        <p:tgtEl>
-                                          <p:spTgt spid="3">
-                                            <p:txEl>
-                                              <p:pRg st="3" end="3"/>
-                                            </p:txEl>
-                                          </p:spTgt>
-                                        </p:tgtEl>
-                                        <p:attrNameLst>
-                                          <p:attrName>style.visibility</p:attrName>
-                                        </p:attrNameLst>
-                                      </p:cBhvr>
-                                      <p:to>
-                                        <p:strVal val="visible"/>
-                                      </p:to>
-                                    </p:set>
-                                  </p:childTnLst>
-                                </p:cTn>
-                              </p:par>
-                            </p:childTnLst>
-                          </p:cTn>
-                        </p:par>
-                      </p:childTnLst>
-                    </p:cTn>
-                  </p:par>
-                  <p:par>
-                    <p:cTn id="11" fill="hold">
-                      <p:stCondLst>
-                        <p:cond delay="indefinite"/>
-                      </p:stCondLst>
-                      <p:childTnLst>
-                        <p:par>
-                          <p:cTn id="12" fill="hold">
-                            <p:stCondLst>
-                              <p:cond delay="0"/>
-                            </p:stCondLst>
-                            <p:childTnLst>
-                              <p:par>
-                                <p:cTn id="13" presetID="1" presetClass="entr" presetSubtype="0" fill="hold" grpId="0" nodeType="clickEffect">
-                                  <p:stCondLst>
-                                    <p:cond delay="0"/>
-                                  </p:stCondLst>
-                                  <p:childTnLst>
-                                    <p:set>
-                                      <p:cBhvr>
-                                        <p:cTn id="14" dur="1" fill="hold">
-                                          <p:stCondLst>
-                                            <p:cond delay="0"/>
-                                          </p:stCondLst>
-                                        </p:cTn>
-                                        <p:tgtEl>
-                                          <p:spTgt spid="3">
-                                            <p:txEl>
-                                              <p:pRg st="5" end="5"/>
-                                            </p:txEl>
-                                          </p:spTgt>
-                                        </p:tgtEl>
-                                        <p:attrNameLst>
-                                          <p:attrName>style.visibility</p:attrName>
-                                        </p:attrNameLst>
-                                      </p:cBhvr>
-                                      <p:to>
-                                        <p:strVal val="visible"/>
-                                      </p:to>
-                                    </p:set>
-                                  </p:childTnLst>
-                                </p:cTn>
-                              </p:par>
-                            </p:childTnLst>
-                          </p:cTn>
-                        </p:par>
-                      </p:childTnLst>
-                    </p:cTn>
-                  </p:par>
-                </p:childTnLst>
-              </p:cTn>
-              <p:prevCondLst>
-                <p:cond evt="onPrev" delay="0">
-                  <p:tgtEl>
-                    <p:sldTgt/>
-                  </p:tgtEl>
-                </p:cond>
-              </p:prevCondLst>
-              <p:nextCondLst>
-                <p:cond evt="onNext" delay="0">
-                  <p:tgtEl>
-                    <p:sldTgt/>
-                  </p:tgtEl>
-                </p:cond>
-              </p:nextCondLst>
-            </p:seq>
-          </p:childTnLst>
-        </p:cTn>
-      </p:par>
-    </p:tnLst>
-    <p:bldLst>
-      <p:bldP spid="3" grpId="0" uiExpand="1" build="p"/>
-    </p:bldLst>
-  </p:timing>
-</p:sld>
-</file>
-
-<file path=ppt/slides/slide2.xml><?xml version="1.0" encoding="utf-8"?>
-<p:sld xmlns:a="http://schemas.openxmlformats.org/drawingml/2006/main" xmlns:r="http://schemas.openxmlformats.org/officeDocument/2006/relationships" xmlns:p="http://schemas.openxmlformats.org/presentationml/2006/main">
-  <p:cSld>
-    <p:spTree>
-      <p:nvGrpSpPr>
-        <p:cNvPr id="1" name=""/>
-        <p:cNvGrpSpPr/>
-        <p:nvPr/>
-      </p:nvGrpSpPr>
-      <p:grpSpPr>
-        <a:xfrm>
-          <a:off x="0" y="0"/>
-          <a:ext cx="0" cy="0"/>
-          <a:chOff x="0" y="0"/>
-          <a:chExt cx="0" cy="0"/>
-        </a:xfrm>
-      </p:grpSpPr>
-      <p:sp>
-        <p:nvSpPr>
-          <p:cNvPr id="2" name="Title 1"/>
-          <p:cNvSpPr>
-            <a:spLocks noGrp="1"/>
-          </p:cNvSpPr>
-          <p:nvPr>
-            <p:ph type="title"/>
-          </p:nvPr>
-        </p:nvSpPr>
-        <p:spPr/>
-        <p:txBody>
-          <a:bodyPr/>
-          <a:lstStyle/>
-          <a:p>
-            <a:pPr lvl="0" indent="0" marL="0">
-              <a:buNone/>
-            </a:pPr>
-            <a:r>
-              <a:rPr/>
-              <a:t>프레이머</a:t>
-            </a:r>
-          </a:p>
-        </p:txBody>
-      </p:sp>
-      <p:sp>
-        <p:nvSpPr>
-          <p:cNvPr id="3" name="Content Placeholder 2"/>
-          <p:cNvSpPr>
-            <a:spLocks noGrp="1"/>
-          </p:cNvSpPr>
-          <p:nvPr>
-            <p:ph idx="1"/>
-          </p:nvPr>
-        </p:nvSpPr>
-        <p:spPr/>
-        <p:txBody>
-          <a:bodyPr/>
-          <a:lstStyle/>
-          <a:p>
-            <a:pPr lvl="0"/>
-            <a:r>
-              <a:rPr/>
-              <a:t>Framer.js</a:t>
-            </a:r>
-          </a:p>
-          <a:p>
-            <a:pPr lvl="1"/>
-            <a:r>
-              <a:rPr/>
-              <a:t>Framer Studio (Coffee Script)</a:t>
-            </a:r>
-          </a:p>
-          <a:p>
-            <a:pPr lvl="1"/>
-            <a:r>
-              <a:rPr/>
-              <a:t>Framer Classic</a:t>
-            </a:r>
-          </a:p>
-          <a:p>
-            <a:pPr lvl="1"/>
-            <a:r>
-              <a:rPr/>
-              <a:t>Framer Web</a:t>
-            </a:r>
-          </a:p>
-          <a:p>
-            <a:pPr lvl="0"/>
-            <a:r>
-              <a:rPr/>
-              <a:t>피그마와 같은 프로토타이핑 도구였음</a:t>
-            </a:r>
-          </a:p>
-          <a:p>
-            <a:pPr lvl="0"/>
-            <a:r>
-              <a:rPr/>
-              <a:t>React.js 기반 컴포넌트를 사용하는 프로토타이핑 도구</a:t>
+              <a:t>광고 배너</a:t>
             </a:r>
           </a:p>
         </p:txBody>
@@ -5189,6 +4463,4338 @@
                                           <p:spTgt spid="3">
                                             <p:txEl>
                                               <p:pRg st="5" end="5"/>
+                                            </p:txEl>
+                                          </p:spTgt>
+                                        </p:tgtEl>
+                                        <p:attrNameLst>
+                                          <p:attrName>style.visibility</p:attrName>
+                                        </p:attrNameLst>
+                                      </p:cBhvr>
+                                      <p:to>
+                                        <p:strVal val="visible"/>
+                                      </p:to>
+                                    </p:set>
+                                  </p:childTnLst>
+                                </p:cTn>
+                              </p:par>
+                            </p:childTnLst>
+                          </p:cTn>
+                        </p:par>
+                      </p:childTnLst>
+                    </p:cTn>
+                  </p:par>
+                  <p:par>
+                    <p:cTn id="27" fill="hold">
+                      <p:stCondLst>
+                        <p:cond delay="indefinite"/>
+                      </p:stCondLst>
+                      <p:childTnLst>
+                        <p:par>
+                          <p:cTn id="28" fill="hold">
+                            <p:stCondLst>
+                              <p:cond delay="0"/>
+                            </p:stCondLst>
+                            <p:childTnLst>
+                              <p:par>
+                                <p:cTn id="29" presetID="1" presetClass="entr" presetSubtype="0" fill="hold" grpId="0" nodeType="clickEffect">
+                                  <p:stCondLst>
+                                    <p:cond delay="0"/>
+                                  </p:stCondLst>
+                                  <p:childTnLst>
+                                    <p:set>
+                                      <p:cBhvr>
+                                        <p:cTn id="30" dur="1" fill="hold">
+                                          <p:stCondLst>
+                                            <p:cond delay="0"/>
+                                          </p:stCondLst>
+                                        </p:cTn>
+                                        <p:tgtEl>
+                                          <p:spTgt spid="3">
+                                            <p:txEl>
+                                              <p:pRg st="7" end="7"/>
+                                            </p:txEl>
+                                          </p:spTgt>
+                                        </p:tgtEl>
+                                        <p:attrNameLst>
+                                          <p:attrName>style.visibility</p:attrName>
+                                        </p:attrNameLst>
+                                      </p:cBhvr>
+                                      <p:to>
+                                        <p:strVal val="visible"/>
+                                      </p:to>
+                                    </p:set>
+                                  </p:childTnLst>
+                                </p:cTn>
+                              </p:par>
+                            </p:childTnLst>
+                          </p:cTn>
+                        </p:par>
+                      </p:childTnLst>
+                    </p:cTn>
+                  </p:par>
+                  <p:par>
+                    <p:cTn id="31" fill="hold">
+                      <p:stCondLst>
+                        <p:cond delay="indefinite"/>
+                      </p:stCondLst>
+                      <p:childTnLst>
+                        <p:par>
+                          <p:cTn id="32" fill="hold">
+                            <p:stCondLst>
+                              <p:cond delay="0"/>
+                            </p:stCondLst>
+                            <p:childTnLst>
+                              <p:par>
+                                <p:cTn id="33" presetID="1" presetClass="entr" presetSubtype="0" fill="hold" grpId="0" nodeType="clickEffect">
+                                  <p:stCondLst>
+                                    <p:cond delay="0"/>
+                                  </p:stCondLst>
+                                  <p:childTnLst>
+                                    <p:set>
+                                      <p:cBhvr>
+                                        <p:cTn id="34" dur="1" fill="hold">
+                                          <p:stCondLst>
+                                            <p:cond delay="0"/>
+                                          </p:stCondLst>
+                                        </p:cTn>
+                                        <p:tgtEl>
+                                          <p:spTgt spid="3">
+                                            <p:txEl>
+                                              <p:pRg st="8" end="8"/>
+                                            </p:txEl>
+                                          </p:spTgt>
+                                        </p:tgtEl>
+                                        <p:attrNameLst>
+                                          <p:attrName>style.visibility</p:attrName>
+                                        </p:attrNameLst>
+                                      </p:cBhvr>
+                                      <p:to>
+                                        <p:strVal val="visible"/>
+                                      </p:to>
+                                    </p:set>
+                                  </p:childTnLst>
+                                </p:cTn>
+                              </p:par>
+                            </p:childTnLst>
+                          </p:cTn>
+                        </p:par>
+                      </p:childTnLst>
+                    </p:cTn>
+                  </p:par>
+                  <p:par>
+                    <p:cTn id="35" fill="hold">
+                      <p:stCondLst>
+                        <p:cond delay="indefinite"/>
+                      </p:stCondLst>
+                      <p:childTnLst>
+                        <p:par>
+                          <p:cTn id="36" fill="hold">
+                            <p:stCondLst>
+                              <p:cond delay="0"/>
+                            </p:stCondLst>
+                            <p:childTnLst>
+                              <p:par>
+                                <p:cTn id="37" presetID="1" presetClass="entr" presetSubtype="0" fill="hold" grpId="0" nodeType="clickEffect">
+                                  <p:stCondLst>
+                                    <p:cond delay="0"/>
+                                  </p:stCondLst>
+                                  <p:childTnLst>
+                                    <p:set>
+                                      <p:cBhvr>
+                                        <p:cTn id="38" dur="1" fill="hold">
+                                          <p:stCondLst>
+                                            <p:cond delay="0"/>
+                                          </p:stCondLst>
+                                        </p:cTn>
+                                        <p:tgtEl>
+                                          <p:spTgt spid="3">
+                                            <p:txEl>
+                                              <p:pRg st="9" end="9"/>
+                                            </p:txEl>
+                                          </p:spTgt>
+                                        </p:tgtEl>
+                                        <p:attrNameLst>
+                                          <p:attrName>style.visibility</p:attrName>
+                                        </p:attrNameLst>
+                                      </p:cBhvr>
+                                      <p:to>
+                                        <p:strVal val="visible"/>
+                                      </p:to>
+                                    </p:set>
+                                  </p:childTnLst>
+                                </p:cTn>
+                              </p:par>
+                            </p:childTnLst>
+                          </p:cTn>
+                        </p:par>
+                      </p:childTnLst>
+                    </p:cTn>
+                  </p:par>
+                  <p:par>
+                    <p:cTn id="39" fill="hold">
+                      <p:stCondLst>
+                        <p:cond delay="indefinite"/>
+                      </p:stCondLst>
+                      <p:childTnLst>
+                        <p:par>
+                          <p:cTn id="40" fill="hold">
+                            <p:stCondLst>
+                              <p:cond delay="0"/>
+                            </p:stCondLst>
+                            <p:childTnLst>
+                              <p:par>
+                                <p:cTn id="41" presetID="1" presetClass="entr" presetSubtype="0" fill="hold" grpId="0" nodeType="clickEffect">
+                                  <p:stCondLst>
+                                    <p:cond delay="0"/>
+                                  </p:stCondLst>
+                                  <p:childTnLst>
+                                    <p:set>
+                                      <p:cBhvr>
+                                        <p:cTn id="42" dur="1" fill="hold">
+                                          <p:stCondLst>
+                                            <p:cond delay="0"/>
+                                          </p:stCondLst>
+                                        </p:cTn>
+                                        <p:tgtEl>
+                                          <p:spTgt spid="3">
+                                            <p:txEl>
+                                              <p:pRg st="10" end="10"/>
+                                            </p:txEl>
+                                          </p:spTgt>
+                                        </p:tgtEl>
+                                        <p:attrNameLst>
+                                          <p:attrName>style.visibility</p:attrName>
+                                        </p:attrNameLst>
+                                      </p:cBhvr>
+                                      <p:to>
+                                        <p:strVal val="visible"/>
+                                      </p:to>
+                                    </p:set>
+                                  </p:childTnLst>
+                                </p:cTn>
+                              </p:par>
+                            </p:childTnLst>
+                          </p:cTn>
+                        </p:par>
+                      </p:childTnLst>
+                    </p:cTn>
+                  </p:par>
+                  <p:par>
+                    <p:cTn id="43" fill="hold">
+                      <p:stCondLst>
+                        <p:cond delay="indefinite"/>
+                      </p:stCondLst>
+                      <p:childTnLst>
+                        <p:par>
+                          <p:cTn id="44" fill="hold">
+                            <p:stCondLst>
+                              <p:cond delay="0"/>
+                            </p:stCondLst>
+                            <p:childTnLst>
+                              <p:par>
+                                <p:cTn id="45" presetID="1" presetClass="entr" presetSubtype="0" fill="hold" grpId="0" nodeType="clickEffect">
+                                  <p:stCondLst>
+                                    <p:cond delay="0"/>
+                                  </p:stCondLst>
+                                  <p:childTnLst>
+                                    <p:set>
+                                      <p:cBhvr>
+                                        <p:cTn id="46" dur="1" fill="hold">
+                                          <p:stCondLst>
+                                            <p:cond delay="0"/>
+                                          </p:stCondLst>
+                                        </p:cTn>
+                                        <p:tgtEl>
+                                          <p:spTgt spid="3">
+                                            <p:txEl>
+                                              <p:pRg st="11" end="11"/>
+                                            </p:txEl>
+                                          </p:spTgt>
+                                        </p:tgtEl>
+                                        <p:attrNameLst>
+                                          <p:attrName>style.visibility</p:attrName>
+                                        </p:attrNameLst>
+                                      </p:cBhvr>
+                                      <p:to>
+                                        <p:strVal val="visible"/>
+                                      </p:to>
+                                    </p:set>
+                                  </p:childTnLst>
+                                </p:cTn>
+                              </p:par>
+                            </p:childTnLst>
+                          </p:cTn>
+                        </p:par>
+                      </p:childTnLst>
+                    </p:cTn>
+                  </p:par>
+                  <p:par>
+                    <p:cTn id="47" fill="hold">
+                      <p:stCondLst>
+                        <p:cond delay="indefinite"/>
+                      </p:stCondLst>
+                      <p:childTnLst>
+                        <p:par>
+                          <p:cTn id="48" fill="hold">
+                            <p:stCondLst>
+                              <p:cond delay="0"/>
+                            </p:stCondLst>
+                            <p:childTnLst>
+                              <p:par>
+                                <p:cTn id="49" presetID="1" presetClass="entr" presetSubtype="0" fill="hold" grpId="0" nodeType="clickEffect">
+                                  <p:stCondLst>
+                                    <p:cond delay="0"/>
+                                  </p:stCondLst>
+                                  <p:childTnLst>
+                                    <p:set>
+                                      <p:cBhvr>
+                                        <p:cTn id="50" dur="1" fill="hold">
+                                          <p:stCondLst>
+                                            <p:cond delay="0"/>
+                                          </p:stCondLst>
+                                        </p:cTn>
+                                        <p:tgtEl>
+                                          <p:spTgt spid="3">
+                                            <p:txEl>
+                                              <p:pRg st="12" end="12"/>
+                                            </p:txEl>
+                                          </p:spTgt>
+                                        </p:tgtEl>
+                                        <p:attrNameLst>
+                                          <p:attrName>style.visibility</p:attrName>
+                                        </p:attrNameLst>
+                                      </p:cBhvr>
+                                      <p:to>
+                                        <p:strVal val="visible"/>
+                                      </p:to>
+                                    </p:set>
+                                  </p:childTnLst>
+                                </p:cTn>
+                              </p:par>
+                            </p:childTnLst>
+                          </p:cTn>
+                        </p:par>
+                      </p:childTnLst>
+                    </p:cTn>
+                  </p:par>
+                </p:childTnLst>
+              </p:cTn>
+              <p:prevCondLst>
+                <p:cond evt="onPrev" delay="0">
+                  <p:tgtEl>
+                    <p:sldTgt/>
+                  </p:tgtEl>
+                </p:cond>
+              </p:prevCondLst>
+              <p:nextCondLst>
+                <p:cond evt="onNext" delay="0">
+                  <p:tgtEl>
+                    <p:sldTgt/>
+                  </p:tgtEl>
+                </p:cond>
+              </p:nextCondLst>
+            </p:seq>
+          </p:childTnLst>
+        </p:cTn>
+      </p:par>
+    </p:tnLst>
+    <p:bldLst>
+      <p:bldP spid="3" grpId="0" uiExpand="1" build="p"/>
+    </p:bldLst>
+  </p:timing>
+</p:sld>
+</file>
+
+<file path=ppt/slides/slide11.xml><?xml version="1.0" encoding="utf-8"?>
+<p:sld xmlns:a="http://schemas.openxmlformats.org/drawingml/2006/main" xmlns:r="http://schemas.openxmlformats.org/officeDocument/2006/relationships" xmlns:p="http://schemas.openxmlformats.org/presentationml/2006/main">
+  <p:cSld>
+    <p:spTree>
+      <p:nvGrpSpPr>
+        <p:cNvPr id="1" name=""/>
+        <p:cNvGrpSpPr/>
+        <p:nvPr/>
+      </p:nvGrpSpPr>
+      <p:grpSpPr>
+        <a:xfrm>
+          <a:off x="0" y="0"/>
+          <a:ext cx="0" cy="0"/>
+          <a:chOff x="0" y="0"/>
+          <a:chExt cx="0" cy="0"/>
+        </a:xfrm>
+      </p:grpSpPr>
+      <p:sp>
+        <p:nvSpPr>
+          <p:cNvPr id="2" name="Title 1"/>
+          <p:cNvSpPr>
+            <a:spLocks noGrp="1"/>
+          </p:cNvSpPr>
+          <p:nvPr>
+            <p:ph type="title"/>
+          </p:nvPr>
+        </p:nvSpPr>
+        <p:spPr/>
+        <p:txBody>
+          <a:bodyPr/>
+          <a:lstStyle/>
+          <a:p>
+            <a:pPr lvl="0" indent="0" marL="0">
+              <a:buNone/>
+            </a:pPr>
+            <a:r>
+              <a:rPr/>
+              <a:t>Layout (Stack)</a:t>
+            </a:r>
+          </a:p>
+        </p:txBody>
+      </p:sp>
+      <p:sp>
+        <p:nvSpPr>
+          <p:cNvPr id="3" name="Content Placeholder 2"/>
+          <p:cNvSpPr>
+            <a:spLocks noGrp="1"/>
+          </p:cNvSpPr>
+          <p:nvPr>
+            <p:ph idx="1"/>
+          </p:nvPr>
+        </p:nvSpPr>
+        <p:spPr/>
+        <p:txBody>
+          <a:bodyPr/>
+          <a:lstStyle/>
+          <a:p>
+            <a:pPr lvl="0"/>
+            <a:r>
+              <a:rPr/>
+              <a:t>피그마의 Auto Layout에 해당</a:t>
+            </a:r>
+          </a:p>
+          <a:p>
+            <a:pPr lvl="0"/>
+            <a:r>
+              <a:rPr/>
+              <a:t>Row / Column / Grid 로 나뉘고</a:t>
+            </a:r>
+          </a:p>
+          <a:p>
+            <a:pPr lvl="0"/>
+            <a:r>
+              <a:rPr/>
+              <a:t>Fit / Fill Layout</a:t>
+            </a:r>
+          </a:p>
+          <a:p>
+            <a:pPr lvl="1"/>
+            <a:r>
+              <a:rPr/>
+              <a:t>부모가 자식 크기에 맞추거나</a:t>
+            </a:r>
+          </a:p>
+          <a:p>
+            <a:pPr lvl="1"/>
+            <a:r>
+              <a:rPr/>
+              <a:t>자식이 부모 크기에 맞추거나</a:t>
+            </a:r>
+          </a:p>
+          <a:p>
+            <a:pPr lvl="1"/>
+            <a:r>
+              <a:rPr/>
+              <a:t>둘 다 상관없든가.</a:t>
+            </a:r>
+          </a:p>
+          <a:p>
+            <a:pPr lvl="0"/>
+            <a:r>
+              <a:rPr/>
+              <a:t>Fraction</a:t>
+            </a:r>
+          </a:p>
+          <a:p>
+            <a:pPr lvl="1"/>
+            <a:r>
+              <a:rPr/>
+              <a:t>자식을 배치하는 경우, 자식이 차지하는 부모 컨테이너 영역에서의 비율.</a:t>
+            </a:r>
+          </a:p>
+          <a:p>
+            <a:pPr lvl="1"/>
+            <a:r>
+              <a:rPr/>
+              <a:t>이 비율에 따라 자식이 부모의 영역을 나눠갖게 됨</a:t>
+            </a:r>
+          </a:p>
+        </p:txBody>
+      </p:sp>
+    </p:spTree>
+  </p:cSld>
+  <p:timing>
+    <p:tnLst>
+      <p:par>
+        <p:cTn id="1" dur="indefinite" restart="never" nodeType="tmRoot">
+          <p:childTnLst>
+            <p:seq concurrent="1" nextAc="seek">
+              <p:cTn id="2" dur="indefinite" nodeType="mainSeq">
+                <p:childTnLst>
+                  <p:par>
+                    <p:cTn id="3" fill="hold">
+                      <p:stCondLst>
+                        <p:cond delay="indefinite"/>
+                      </p:stCondLst>
+                      <p:childTnLst>
+                        <p:par>
+                          <p:cTn id="4" fill="hold">
+                            <p:stCondLst>
+                              <p:cond delay="0"/>
+                            </p:stCondLst>
+                            <p:childTnLst>
+                              <p:par>
+                                <p:cTn id="5" presetID="1" presetClass="entr" presetSubtype="0" fill="hold" grpId="0" nodeType="clickEffect">
+                                  <p:stCondLst>
+                                    <p:cond delay="0"/>
+                                  </p:stCondLst>
+                                  <p:childTnLst>
+                                    <p:set>
+                                      <p:cBhvr>
+                                        <p:cTn id="6" dur="1" fill="hold">
+                                          <p:stCondLst>
+                                            <p:cond delay="0"/>
+                                          </p:stCondLst>
+                                        </p:cTn>
+                                        <p:tgtEl>
+                                          <p:spTgt spid="3">
+                                            <p:txEl>
+                                              <p:pRg st="0" end="0"/>
+                                            </p:txEl>
+                                          </p:spTgt>
+                                        </p:tgtEl>
+                                        <p:attrNameLst>
+                                          <p:attrName>style.visibility</p:attrName>
+                                        </p:attrNameLst>
+                                      </p:cBhvr>
+                                      <p:to>
+                                        <p:strVal val="visible"/>
+                                      </p:to>
+                                    </p:set>
+                                  </p:childTnLst>
+                                </p:cTn>
+                              </p:par>
+                            </p:childTnLst>
+                          </p:cTn>
+                        </p:par>
+                      </p:childTnLst>
+                    </p:cTn>
+                  </p:par>
+                  <p:par>
+                    <p:cTn id="7" fill="hold">
+                      <p:stCondLst>
+                        <p:cond delay="indefinite"/>
+                      </p:stCondLst>
+                      <p:childTnLst>
+                        <p:par>
+                          <p:cTn id="8" fill="hold">
+                            <p:stCondLst>
+                              <p:cond delay="0"/>
+                            </p:stCondLst>
+                            <p:childTnLst>
+                              <p:par>
+                                <p:cTn id="9" presetID="1" presetClass="entr" presetSubtype="0" fill="hold" grpId="0" nodeType="clickEffect">
+                                  <p:stCondLst>
+                                    <p:cond delay="0"/>
+                                  </p:stCondLst>
+                                  <p:childTnLst>
+                                    <p:set>
+                                      <p:cBhvr>
+                                        <p:cTn id="10" dur="1" fill="hold">
+                                          <p:stCondLst>
+                                            <p:cond delay="0"/>
+                                          </p:stCondLst>
+                                        </p:cTn>
+                                        <p:tgtEl>
+                                          <p:spTgt spid="3">
+                                            <p:txEl>
+                                              <p:pRg st="1" end="1"/>
+                                            </p:txEl>
+                                          </p:spTgt>
+                                        </p:tgtEl>
+                                        <p:attrNameLst>
+                                          <p:attrName>style.visibility</p:attrName>
+                                        </p:attrNameLst>
+                                      </p:cBhvr>
+                                      <p:to>
+                                        <p:strVal val="visible"/>
+                                      </p:to>
+                                    </p:set>
+                                  </p:childTnLst>
+                                </p:cTn>
+                              </p:par>
+                            </p:childTnLst>
+                          </p:cTn>
+                        </p:par>
+                      </p:childTnLst>
+                    </p:cTn>
+                  </p:par>
+                  <p:par>
+                    <p:cTn id="11" fill="hold">
+                      <p:stCondLst>
+                        <p:cond delay="indefinite"/>
+                      </p:stCondLst>
+                      <p:childTnLst>
+                        <p:par>
+                          <p:cTn id="12" fill="hold">
+                            <p:stCondLst>
+                              <p:cond delay="0"/>
+                            </p:stCondLst>
+                            <p:childTnLst>
+                              <p:par>
+                                <p:cTn id="13" presetID="1" presetClass="entr" presetSubtype="0" fill="hold" grpId="0" nodeType="clickEffect">
+                                  <p:stCondLst>
+                                    <p:cond delay="0"/>
+                                  </p:stCondLst>
+                                  <p:childTnLst>
+                                    <p:set>
+                                      <p:cBhvr>
+                                        <p:cTn id="14" dur="1" fill="hold">
+                                          <p:stCondLst>
+                                            <p:cond delay="0"/>
+                                          </p:stCondLst>
+                                        </p:cTn>
+                                        <p:tgtEl>
+                                          <p:spTgt spid="3">
+                                            <p:txEl>
+                                              <p:pRg st="2" end="2"/>
+                                            </p:txEl>
+                                          </p:spTgt>
+                                        </p:tgtEl>
+                                        <p:attrNameLst>
+                                          <p:attrName>style.visibility</p:attrName>
+                                        </p:attrNameLst>
+                                      </p:cBhvr>
+                                      <p:to>
+                                        <p:strVal val="visible"/>
+                                      </p:to>
+                                    </p:set>
+                                  </p:childTnLst>
+                                </p:cTn>
+                              </p:par>
+                            </p:childTnLst>
+                          </p:cTn>
+                        </p:par>
+                      </p:childTnLst>
+                    </p:cTn>
+                  </p:par>
+                  <p:par>
+                    <p:cTn id="15" fill="hold">
+                      <p:stCondLst>
+                        <p:cond delay="indefinite"/>
+                      </p:stCondLst>
+                      <p:childTnLst>
+                        <p:par>
+                          <p:cTn id="16" fill="hold">
+                            <p:stCondLst>
+                              <p:cond delay="0"/>
+                            </p:stCondLst>
+                            <p:childTnLst>
+                              <p:par>
+                                <p:cTn id="17" presetID="1" presetClass="entr" presetSubtype="0" fill="hold" grpId="0" nodeType="clickEffect">
+                                  <p:stCondLst>
+                                    <p:cond delay="0"/>
+                                  </p:stCondLst>
+                                  <p:childTnLst>
+                                    <p:set>
+                                      <p:cBhvr>
+                                        <p:cTn id="18" dur="1" fill="hold">
+                                          <p:stCondLst>
+                                            <p:cond delay="0"/>
+                                          </p:stCondLst>
+                                        </p:cTn>
+                                        <p:tgtEl>
+                                          <p:spTgt spid="3">
+                                            <p:txEl>
+                                              <p:pRg st="3" end="3"/>
+                                            </p:txEl>
+                                          </p:spTgt>
+                                        </p:tgtEl>
+                                        <p:attrNameLst>
+                                          <p:attrName>style.visibility</p:attrName>
+                                        </p:attrNameLst>
+                                      </p:cBhvr>
+                                      <p:to>
+                                        <p:strVal val="visible"/>
+                                      </p:to>
+                                    </p:set>
+                                  </p:childTnLst>
+                                </p:cTn>
+                              </p:par>
+                            </p:childTnLst>
+                          </p:cTn>
+                        </p:par>
+                      </p:childTnLst>
+                    </p:cTn>
+                  </p:par>
+                  <p:par>
+                    <p:cTn id="19" fill="hold">
+                      <p:stCondLst>
+                        <p:cond delay="indefinite"/>
+                      </p:stCondLst>
+                      <p:childTnLst>
+                        <p:par>
+                          <p:cTn id="20" fill="hold">
+                            <p:stCondLst>
+                              <p:cond delay="0"/>
+                            </p:stCondLst>
+                            <p:childTnLst>
+                              <p:par>
+                                <p:cTn id="21" presetID="1" presetClass="entr" presetSubtype="0" fill="hold" grpId="0" nodeType="clickEffect">
+                                  <p:stCondLst>
+                                    <p:cond delay="0"/>
+                                  </p:stCondLst>
+                                  <p:childTnLst>
+                                    <p:set>
+                                      <p:cBhvr>
+                                        <p:cTn id="22" dur="1" fill="hold">
+                                          <p:stCondLst>
+                                            <p:cond delay="0"/>
+                                          </p:stCondLst>
+                                        </p:cTn>
+                                        <p:tgtEl>
+                                          <p:spTgt spid="3">
+                                            <p:txEl>
+                                              <p:pRg st="4" end="4"/>
+                                            </p:txEl>
+                                          </p:spTgt>
+                                        </p:tgtEl>
+                                        <p:attrNameLst>
+                                          <p:attrName>style.visibility</p:attrName>
+                                        </p:attrNameLst>
+                                      </p:cBhvr>
+                                      <p:to>
+                                        <p:strVal val="visible"/>
+                                      </p:to>
+                                    </p:set>
+                                  </p:childTnLst>
+                                </p:cTn>
+                              </p:par>
+                            </p:childTnLst>
+                          </p:cTn>
+                        </p:par>
+                      </p:childTnLst>
+                    </p:cTn>
+                  </p:par>
+                  <p:par>
+                    <p:cTn id="23" fill="hold">
+                      <p:stCondLst>
+                        <p:cond delay="indefinite"/>
+                      </p:stCondLst>
+                      <p:childTnLst>
+                        <p:par>
+                          <p:cTn id="24" fill="hold">
+                            <p:stCondLst>
+                              <p:cond delay="0"/>
+                            </p:stCondLst>
+                            <p:childTnLst>
+                              <p:par>
+                                <p:cTn id="25" presetID="1" presetClass="entr" presetSubtype="0" fill="hold" grpId="0" nodeType="clickEffect">
+                                  <p:stCondLst>
+                                    <p:cond delay="0"/>
+                                  </p:stCondLst>
+                                  <p:childTnLst>
+                                    <p:set>
+                                      <p:cBhvr>
+                                        <p:cTn id="26" dur="1" fill="hold">
+                                          <p:stCondLst>
+                                            <p:cond delay="0"/>
+                                          </p:stCondLst>
+                                        </p:cTn>
+                                        <p:tgtEl>
+                                          <p:spTgt spid="3">
+                                            <p:txEl>
+                                              <p:pRg st="5" end="5"/>
+                                            </p:txEl>
+                                          </p:spTgt>
+                                        </p:tgtEl>
+                                        <p:attrNameLst>
+                                          <p:attrName>style.visibility</p:attrName>
+                                        </p:attrNameLst>
+                                      </p:cBhvr>
+                                      <p:to>
+                                        <p:strVal val="visible"/>
+                                      </p:to>
+                                    </p:set>
+                                  </p:childTnLst>
+                                </p:cTn>
+                              </p:par>
+                            </p:childTnLst>
+                          </p:cTn>
+                        </p:par>
+                      </p:childTnLst>
+                    </p:cTn>
+                  </p:par>
+                  <p:par>
+                    <p:cTn id="27" fill="hold">
+                      <p:stCondLst>
+                        <p:cond delay="indefinite"/>
+                      </p:stCondLst>
+                      <p:childTnLst>
+                        <p:par>
+                          <p:cTn id="28" fill="hold">
+                            <p:stCondLst>
+                              <p:cond delay="0"/>
+                            </p:stCondLst>
+                            <p:childTnLst>
+                              <p:par>
+                                <p:cTn id="29" presetID="1" presetClass="entr" presetSubtype="0" fill="hold" grpId="0" nodeType="clickEffect">
+                                  <p:stCondLst>
+                                    <p:cond delay="0"/>
+                                  </p:stCondLst>
+                                  <p:childTnLst>
+                                    <p:set>
+                                      <p:cBhvr>
+                                        <p:cTn id="30" dur="1" fill="hold">
+                                          <p:stCondLst>
+                                            <p:cond delay="0"/>
+                                          </p:stCondLst>
+                                        </p:cTn>
+                                        <p:tgtEl>
+                                          <p:spTgt spid="3">
+                                            <p:txEl>
+                                              <p:pRg st="6" end="6"/>
+                                            </p:txEl>
+                                          </p:spTgt>
+                                        </p:tgtEl>
+                                        <p:attrNameLst>
+                                          <p:attrName>style.visibility</p:attrName>
+                                        </p:attrNameLst>
+                                      </p:cBhvr>
+                                      <p:to>
+                                        <p:strVal val="visible"/>
+                                      </p:to>
+                                    </p:set>
+                                  </p:childTnLst>
+                                </p:cTn>
+                              </p:par>
+                            </p:childTnLst>
+                          </p:cTn>
+                        </p:par>
+                      </p:childTnLst>
+                    </p:cTn>
+                  </p:par>
+                  <p:par>
+                    <p:cTn id="31" fill="hold">
+                      <p:stCondLst>
+                        <p:cond delay="indefinite"/>
+                      </p:stCondLst>
+                      <p:childTnLst>
+                        <p:par>
+                          <p:cTn id="32" fill="hold">
+                            <p:stCondLst>
+                              <p:cond delay="0"/>
+                            </p:stCondLst>
+                            <p:childTnLst>
+                              <p:par>
+                                <p:cTn id="33" presetID="1" presetClass="entr" presetSubtype="0" fill="hold" grpId="0" nodeType="clickEffect">
+                                  <p:stCondLst>
+                                    <p:cond delay="0"/>
+                                  </p:stCondLst>
+                                  <p:childTnLst>
+                                    <p:set>
+                                      <p:cBhvr>
+                                        <p:cTn id="34" dur="1" fill="hold">
+                                          <p:stCondLst>
+                                            <p:cond delay="0"/>
+                                          </p:stCondLst>
+                                        </p:cTn>
+                                        <p:tgtEl>
+                                          <p:spTgt spid="3">
+                                            <p:txEl>
+                                              <p:pRg st="7" end="7"/>
+                                            </p:txEl>
+                                          </p:spTgt>
+                                        </p:tgtEl>
+                                        <p:attrNameLst>
+                                          <p:attrName>style.visibility</p:attrName>
+                                        </p:attrNameLst>
+                                      </p:cBhvr>
+                                      <p:to>
+                                        <p:strVal val="visible"/>
+                                      </p:to>
+                                    </p:set>
+                                  </p:childTnLst>
+                                </p:cTn>
+                              </p:par>
+                            </p:childTnLst>
+                          </p:cTn>
+                        </p:par>
+                      </p:childTnLst>
+                    </p:cTn>
+                  </p:par>
+                  <p:par>
+                    <p:cTn id="35" fill="hold">
+                      <p:stCondLst>
+                        <p:cond delay="indefinite"/>
+                      </p:stCondLst>
+                      <p:childTnLst>
+                        <p:par>
+                          <p:cTn id="36" fill="hold">
+                            <p:stCondLst>
+                              <p:cond delay="0"/>
+                            </p:stCondLst>
+                            <p:childTnLst>
+                              <p:par>
+                                <p:cTn id="37" presetID="1" presetClass="entr" presetSubtype="0" fill="hold" grpId="0" nodeType="clickEffect">
+                                  <p:stCondLst>
+                                    <p:cond delay="0"/>
+                                  </p:stCondLst>
+                                  <p:childTnLst>
+                                    <p:set>
+                                      <p:cBhvr>
+                                        <p:cTn id="38" dur="1" fill="hold">
+                                          <p:stCondLst>
+                                            <p:cond delay="0"/>
+                                          </p:stCondLst>
+                                        </p:cTn>
+                                        <p:tgtEl>
+                                          <p:spTgt spid="3">
+                                            <p:txEl>
+                                              <p:pRg st="8" end="8"/>
+                                            </p:txEl>
+                                          </p:spTgt>
+                                        </p:tgtEl>
+                                        <p:attrNameLst>
+                                          <p:attrName>style.visibility</p:attrName>
+                                        </p:attrNameLst>
+                                      </p:cBhvr>
+                                      <p:to>
+                                        <p:strVal val="visible"/>
+                                      </p:to>
+                                    </p:set>
+                                  </p:childTnLst>
+                                </p:cTn>
+                              </p:par>
+                            </p:childTnLst>
+                          </p:cTn>
+                        </p:par>
+                      </p:childTnLst>
+                    </p:cTn>
+                  </p:par>
+                </p:childTnLst>
+              </p:cTn>
+              <p:prevCondLst>
+                <p:cond evt="onPrev" delay="0">
+                  <p:tgtEl>
+                    <p:sldTgt/>
+                  </p:tgtEl>
+                </p:cond>
+              </p:prevCondLst>
+              <p:nextCondLst>
+                <p:cond evt="onNext" delay="0">
+                  <p:tgtEl>
+                    <p:sldTgt/>
+                  </p:tgtEl>
+                </p:cond>
+              </p:nextCondLst>
+            </p:seq>
+          </p:childTnLst>
+        </p:cTn>
+      </p:par>
+    </p:tnLst>
+    <p:bldLst>
+      <p:bldP spid="3" grpId="0" uiExpand="1" build="p"/>
+    </p:bldLst>
+  </p:timing>
+</p:sld>
+</file>
+
+<file path=ppt/slides/slide12.xml><?xml version="1.0" encoding="utf-8"?>
+<p:sld xmlns:a="http://schemas.openxmlformats.org/drawingml/2006/main" xmlns:r="http://schemas.openxmlformats.org/officeDocument/2006/relationships" xmlns:p="http://schemas.openxmlformats.org/presentationml/2006/main">
+  <p:cSld>
+    <p:spTree>
+      <p:nvGrpSpPr>
+        <p:cNvPr id="1" name=""/>
+        <p:cNvGrpSpPr/>
+        <p:nvPr/>
+      </p:nvGrpSpPr>
+      <p:grpSpPr>
+        <a:xfrm>
+          <a:off x="0" y="0"/>
+          <a:ext cx="0" cy="0"/>
+          <a:chOff x="0" y="0"/>
+          <a:chExt cx="0" cy="0"/>
+        </a:xfrm>
+      </p:grpSpPr>
+      <p:sp>
+        <p:nvSpPr>
+          <p:cNvPr id="2" name="Title 1"/>
+          <p:cNvSpPr>
+            <a:spLocks noGrp="1"/>
+          </p:cNvSpPr>
+          <p:nvPr>
+            <p:ph type="title"/>
+          </p:nvPr>
+        </p:nvSpPr>
+        <p:spPr/>
+        <p:txBody>
+          <a:bodyPr/>
+          <a:lstStyle/>
+          <a:p>
+            <a:pPr lvl="0" indent="0" marL="0">
+              <a:buNone/>
+            </a:pPr>
+            <a:r>
+              <a:rPr/>
+              <a:t>프레이머의 단위</a:t>
+            </a:r>
+          </a:p>
+        </p:txBody>
+      </p:sp>
+      <p:sp>
+        <p:nvSpPr>
+          <p:cNvPr id="3" name="Content Placeholder 2"/>
+          <p:cNvSpPr>
+            <a:spLocks noGrp="1"/>
+          </p:cNvSpPr>
+          <p:nvPr>
+            <p:ph idx="1"/>
+          </p:nvPr>
+        </p:nvSpPr>
+        <p:spPr/>
+        <p:txBody>
+          <a:bodyPr/>
+          <a:lstStyle/>
+          <a:p>
+            <a:pPr lvl="0"/>
+            <a:r>
+              <a:rPr/>
+              <a:t>길이의 단위</a:t>
+            </a:r>
+          </a:p>
+          <a:p>
+            <a:pPr lvl="1"/>
+            <a:r>
+              <a:rPr/>
+              <a:t>Pixel</a:t>
+            </a:r>
+          </a:p>
+          <a:p>
+            <a:pPr lvl="1"/>
+            <a:r>
+              <a:rPr/>
+              <a:t>em</a:t>
+            </a:r>
+          </a:p>
+          <a:p>
+            <a:pPr lvl="1"/>
+            <a:r>
+              <a:rPr/>
+              <a:t>% (relative)</a:t>
+            </a:r>
+          </a:p>
+          <a:p>
+            <a:pPr lvl="0"/>
+            <a:r>
+              <a:rPr/>
+              <a:t>Resizing</a:t>
+            </a:r>
+          </a:p>
+          <a:p>
+            <a:pPr lvl="1"/>
+            <a:r>
+              <a:rPr/>
+              <a:t>Fixed: 피그마와 동일. px 단위로 고정값 입력</a:t>
+            </a:r>
+          </a:p>
+          <a:p>
+            <a:pPr lvl="1"/>
+            <a:r>
+              <a:rPr/>
+              <a:t>Relative: 부모 크기의 %</a:t>
+            </a:r>
+          </a:p>
+          <a:p>
+            <a:pPr lvl="1"/>
+            <a:r>
+              <a:rPr/>
+              <a:t>Fill: 피그마의 Fill Container에 해당</a:t>
+            </a:r>
+          </a:p>
+        </p:txBody>
+      </p:sp>
+    </p:spTree>
+  </p:cSld>
+  <p:timing>
+    <p:tnLst>
+      <p:par>
+        <p:cTn id="1" dur="indefinite" restart="never" nodeType="tmRoot">
+          <p:childTnLst>
+            <p:seq concurrent="1" nextAc="seek">
+              <p:cTn id="2" dur="indefinite" nodeType="mainSeq">
+                <p:childTnLst>
+                  <p:par>
+                    <p:cTn id="3" fill="hold">
+                      <p:stCondLst>
+                        <p:cond delay="indefinite"/>
+                      </p:stCondLst>
+                      <p:childTnLst>
+                        <p:par>
+                          <p:cTn id="4" fill="hold">
+                            <p:stCondLst>
+                              <p:cond delay="0"/>
+                            </p:stCondLst>
+                            <p:childTnLst>
+                              <p:par>
+                                <p:cTn id="5" presetID="1" presetClass="entr" presetSubtype="0" fill="hold" grpId="0" nodeType="clickEffect">
+                                  <p:stCondLst>
+                                    <p:cond delay="0"/>
+                                  </p:stCondLst>
+                                  <p:childTnLst>
+                                    <p:set>
+                                      <p:cBhvr>
+                                        <p:cTn id="6" dur="1" fill="hold">
+                                          <p:stCondLst>
+                                            <p:cond delay="0"/>
+                                          </p:stCondLst>
+                                        </p:cTn>
+                                        <p:tgtEl>
+                                          <p:spTgt spid="3">
+                                            <p:txEl>
+                                              <p:pRg st="0" end="0"/>
+                                            </p:txEl>
+                                          </p:spTgt>
+                                        </p:tgtEl>
+                                        <p:attrNameLst>
+                                          <p:attrName>style.visibility</p:attrName>
+                                        </p:attrNameLst>
+                                      </p:cBhvr>
+                                      <p:to>
+                                        <p:strVal val="visible"/>
+                                      </p:to>
+                                    </p:set>
+                                  </p:childTnLst>
+                                </p:cTn>
+                              </p:par>
+                            </p:childTnLst>
+                          </p:cTn>
+                        </p:par>
+                      </p:childTnLst>
+                    </p:cTn>
+                  </p:par>
+                  <p:par>
+                    <p:cTn id="7" fill="hold">
+                      <p:stCondLst>
+                        <p:cond delay="indefinite"/>
+                      </p:stCondLst>
+                      <p:childTnLst>
+                        <p:par>
+                          <p:cTn id="8" fill="hold">
+                            <p:stCondLst>
+                              <p:cond delay="0"/>
+                            </p:stCondLst>
+                            <p:childTnLst>
+                              <p:par>
+                                <p:cTn id="9" presetID="1" presetClass="entr" presetSubtype="0" fill="hold" grpId="0" nodeType="clickEffect">
+                                  <p:stCondLst>
+                                    <p:cond delay="0"/>
+                                  </p:stCondLst>
+                                  <p:childTnLst>
+                                    <p:set>
+                                      <p:cBhvr>
+                                        <p:cTn id="10" dur="1" fill="hold">
+                                          <p:stCondLst>
+                                            <p:cond delay="0"/>
+                                          </p:stCondLst>
+                                        </p:cTn>
+                                        <p:tgtEl>
+                                          <p:spTgt spid="3">
+                                            <p:txEl>
+                                              <p:pRg st="1" end="1"/>
+                                            </p:txEl>
+                                          </p:spTgt>
+                                        </p:tgtEl>
+                                        <p:attrNameLst>
+                                          <p:attrName>style.visibility</p:attrName>
+                                        </p:attrNameLst>
+                                      </p:cBhvr>
+                                      <p:to>
+                                        <p:strVal val="visible"/>
+                                      </p:to>
+                                    </p:set>
+                                  </p:childTnLst>
+                                </p:cTn>
+                              </p:par>
+                            </p:childTnLst>
+                          </p:cTn>
+                        </p:par>
+                      </p:childTnLst>
+                    </p:cTn>
+                  </p:par>
+                  <p:par>
+                    <p:cTn id="11" fill="hold">
+                      <p:stCondLst>
+                        <p:cond delay="indefinite"/>
+                      </p:stCondLst>
+                      <p:childTnLst>
+                        <p:par>
+                          <p:cTn id="12" fill="hold">
+                            <p:stCondLst>
+                              <p:cond delay="0"/>
+                            </p:stCondLst>
+                            <p:childTnLst>
+                              <p:par>
+                                <p:cTn id="13" presetID="1" presetClass="entr" presetSubtype="0" fill="hold" grpId="0" nodeType="clickEffect">
+                                  <p:stCondLst>
+                                    <p:cond delay="0"/>
+                                  </p:stCondLst>
+                                  <p:childTnLst>
+                                    <p:set>
+                                      <p:cBhvr>
+                                        <p:cTn id="14" dur="1" fill="hold">
+                                          <p:stCondLst>
+                                            <p:cond delay="0"/>
+                                          </p:stCondLst>
+                                        </p:cTn>
+                                        <p:tgtEl>
+                                          <p:spTgt spid="3">
+                                            <p:txEl>
+                                              <p:pRg st="2" end="2"/>
+                                            </p:txEl>
+                                          </p:spTgt>
+                                        </p:tgtEl>
+                                        <p:attrNameLst>
+                                          <p:attrName>style.visibility</p:attrName>
+                                        </p:attrNameLst>
+                                      </p:cBhvr>
+                                      <p:to>
+                                        <p:strVal val="visible"/>
+                                      </p:to>
+                                    </p:set>
+                                  </p:childTnLst>
+                                </p:cTn>
+                              </p:par>
+                            </p:childTnLst>
+                          </p:cTn>
+                        </p:par>
+                      </p:childTnLst>
+                    </p:cTn>
+                  </p:par>
+                  <p:par>
+                    <p:cTn id="15" fill="hold">
+                      <p:stCondLst>
+                        <p:cond delay="indefinite"/>
+                      </p:stCondLst>
+                      <p:childTnLst>
+                        <p:par>
+                          <p:cTn id="16" fill="hold">
+                            <p:stCondLst>
+                              <p:cond delay="0"/>
+                            </p:stCondLst>
+                            <p:childTnLst>
+                              <p:par>
+                                <p:cTn id="17" presetID="1" presetClass="entr" presetSubtype="0" fill="hold" grpId="0" nodeType="clickEffect">
+                                  <p:stCondLst>
+                                    <p:cond delay="0"/>
+                                  </p:stCondLst>
+                                  <p:childTnLst>
+                                    <p:set>
+                                      <p:cBhvr>
+                                        <p:cTn id="18" dur="1" fill="hold">
+                                          <p:stCondLst>
+                                            <p:cond delay="0"/>
+                                          </p:stCondLst>
+                                        </p:cTn>
+                                        <p:tgtEl>
+                                          <p:spTgt spid="3">
+                                            <p:txEl>
+                                              <p:pRg st="3" end="3"/>
+                                            </p:txEl>
+                                          </p:spTgt>
+                                        </p:tgtEl>
+                                        <p:attrNameLst>
+                                          <p:attrName>style.visibility</p:attrName>
+                                        </p:attrNameLst>
+                                      </p:cBhvr>
+                                      <p:to>
+                                        <p:strVal val="visible"/>
+                                      </p:to>
+                                    </p:set>
+                                  </p:childTnLst>
+                                </p:cTn>
+                              </p:par>
+                            </p:childTnLst>
+                          </p:cTn>
+                        </p:par>
+                      </p:childTnLst>
+                    </p:cTn>
+                  </p:par>
+                  <p:par>
+                    <p:cTn id="19" fill="hold">
+                      <p:stCondLst>
+                        <p:cond delay="indefinite"/>
+                      </p:stCondLst>
+                      <p:childTnLst>
+                        <p:par>
+                          <p:cTn id="20" fill="hold">
+                            <p:stCondLst>
+                              <p:cond delay="0"/>
+                            </p:stCondLst>
+                            <p:childTnLst>
+                              <p:par>
+                                <p:cTn id="21" presetID="1" presetClass="entr" presetSubtype="0" fill="hold" grpId="0" nodeType="clickEffect">
+                                  <p:stCondLst>
+                                    <p:cond delay="0"/>
+                                  </p:stCondLst>
+                                  <p:childTnLst>
+                                    <p:set>
+                                      <p:cBhvr>
+                                        <p:cTn id="22" dur="1" fill="hold">
+                                          <p:stCondLst>
+                                            <p:cond delay="0"/>
+                                          </p:stCondLst>
+                                        </p:cTn>
+                                        <p:tgtEl>
+                                          <p:spTgt spid="3">
+                                            <p:txEl>
+                                              <p:pRg st="4" end="4"/>
+                                            </p:txEl>
+                                          </p:spTgt>
+                                        </p:tgtEl>
+                                        <p:attrNameLst>
+                                          <p:attrName>style.visibility</p:attrName>
+                                        </p:attrNameLst>
+                                      </p:cBhvr>
+                                      <p:to>
+                                        <p:strVal val="visible"/>
+                                      </p:to>
+                                    </p:set>
+                                  </p:childTnLst>
+                                </p:cTn>
+                              </p:par>
+                            </p:childTnLst>
+                          </p:cTn>
+                        </p:par>
+                      </p:childTnLst>
+                    </p:cTn>
+                  </p:par>
+                  <p:par>
+                    <p:cTn id="23" fill="hold">
+                      <p:stCondLst>
+                        <p:cond delay="indefinite"/>
+                      </p:stCondLst>
+                      <p:childTnLst>
+                        <p:par>
+                          <p:cTn id="24" fill="hold">
+                            <p:stCondLst>
+                              <p:cond delay="0"/>
+                            </p:stCondLst>
+                            <p:childTnLst>
+                              <p:par>
+                                <p:cTn id="25" presetID="1" presetClass="entr" presetSubtype="0" fill="hold" grpId="0" nodeType="clickEffect">
+                                  <p:stCondLst>
+                                    <p:cond delay="0"/>
+                                  </p:stCondLst>
+                                  <p:childTnLst>
+                                    <p:set>
+                                      <p:cBhvr>
+                                        <p:cTn id="26" dur="1" fill="hold">
+                                          <p:stCondLst>
+                                            <p:cond delay="0"/>
+                                          </p:stCondLst>
+                                        </p:cTn>
+                                        <p:tgtEl>
+                                          <p:spTgt spid="3">
+                                            <p:txEl>
+                                              <p:pRg st="5" end="5"/>
+                                            </p:txEl>
+                                          </p:spTgt>
+                                        </p:tgtEl>
+                                        <p:attrNameLst>
+                                          <p:attrName>style.visibility</p:attrName>
+                                        </p:attrNameLst>
+                                      </p:cBhvr>
+                                      <p:to>
+                                        <p:strVal val="visible"/>
+                                      </p:to>
+                                    </p:set>
+                                  </p:childTnLst>
+                                </p:cTn>
+                              </p:par>
+                            </p:childTnLst>
+                          </p:cTn>
+                        </p:par>
+                      </p:childTnLst>
+                    </p:cTn>
+                  </p:par>
+                  <p:par>
+                    <p:cTn id="27" fill="hold">
+                      <p:stCondLst>
+                        <p:cond delay="indefinite"/>
+                      </p:stCondLst>
+                      <p:childTnLst>
+                        <p:par>
+                          <p:cTn id="28" fill="hold">
+                            <p:stCondLst>
+                              <p:cond delay="0"/>
+                            </p:stCondLst>
+                            <p:childTnLst>
+                              <p:par>
+                                <p:cTn id="29" presetID="1" presetClass="entr" presetSubtype="0" fill="hold" grpId="0" nodeType="clickEffect">
+                                  <p:stCondLst>
+                                    <p:cond delay="0"/>
+                                  </p:stCondLst>
+                                  <p:childTnLst>
+                                    <p:set>
+                                      <p:cBhvr>
+                                        <p:cTn id="30" dur="1" fill="hold">
+                                          <p:stCondLst>
+                                            <p:cond delay="0"/>
+                                          </p:stCondLst>
+                                        </p:cTn>
+                                        <p:tgtEl>
+                                          <p:spTgt spid="3">
+                                            <p:txEl>
+                                              <p:pRg st="6" end="6"/>
+                                            </p:txEl>
+                                          </p:spTgt>
+                                        </p:tgtEl>
+                                        <p:attrNameLst>
+                                          <p:attrName>style.visibility</p:attrName>
+                                        </p:attrNameLst>
+                                      </p:cBhvr>
+                                      <p:to>
+                                        <p:strVal val="visible"/>
+                                      </p:to>
+                                    </p:set>
+                                  </p:childTnLst>
+                                </p:cTn>
+                              </p:par>
+                            </p:childTnLst>
+                          </p:cTn>
+                        </p:par>
+                      </p:childTnLst>
+                    </p:cTn>
+                  </p:par>
+                  <p:par>
+                    <p:cTn id="31" fill="hold">
+                      <p:stCondLst>
+                        <p:cond delay="indefinite"/>
+                      </p:stCondLst>
+                      <p:childTnLst>
+                        <p:par>
+                          <p:cTn id="32" fill="hold">
+                            <p:stCondLst>
+                              <p:cond delay="0"/>
+                            </p:stCondLst>
+                            <p:childTnLst>
+                              <p:par>
+                                <p:cTn id="33" presetID="1" presetClass="entr" presetSubtype="0" fill="hold" grpId="0" nodeType="clickEffect">
+                                  <p:stCondLst>
+                                    <p:cond delay="0"/>
+                                  </p:stCondLst>
+                                  <p:childTnLst>
+                                    <p:set>
+                                      <p:cBhvr>
+                                        <p:cTn id="34" dur="1" fill="hold">
+                                          <p:stCondLst>
+                                            <p:cond delay="0"/>
+                                          </p:stCondLst>
+                                        </p:cTn>
+                                        <p:tgtEl>
+                                          <p:spTgt spid="3">
+                                            <p:txEl>
+                                              <p:pRg st="7" end="7"/>
+                                            </p:txEl>
+                                          </p:spTgt>
+                                        </p:tgtEl>
+                                        <p:attrNameLst>
+                                          <p:attrName>style.visibility</p:attrName>
+                                        </p:attrNameLst>
+                                      </p:cBhvr>
+                                      <p:to>
+                                        <p:strVal val="visible"/>
+                                      </p:to>
+                                    </p:set>
+                                  </p:childTnLst>
+                                </p:cTn>
+                              </p:par>
+                            </p:childTnLst>
+                          </p:cTn>
+                        </p:par>
+                      </p:childTnLst>
+                    </p:cTn>
+                  </p:par>
+                </p:childTnLst>
+              </p:cTn>
+              <p:prevCondLst>
+                <p:cond evt="onPrev" delay="0">
+                  <p:tgtEl>
+                    <p:sldTgt/>
+                  </p:tgtEl>
+                </p:cond>
+              </p:prevCondLst>
+              <p:nextCondLst>
+                <p:cond evt="onNext" delay="0">
+                  <p:tgtEl>
+                    <p:sldTgt/>
+                  </p:tgtEl>
+                </p:cond>
+              </p:nextCondLst>
+            </p:seq>
+          </p:childTnLst>
+        </p:cTn>
+      </p:par>
+    </p:tnLst>
+    <p:bldLst>
+      <p:bldP spid="3" grpId="0" uiExpand="1" build="p"/>
+    </p:bldLst>
+  </p:timing>
+</p:sld>
+</file>
+
+<file path=ppt/slides/slide13.xml><?xml version="1.0" encoding="utf-8"?>
+<p:sld xmlns:a="http://schemas.openxmlformats.org/drawingml/2006/main" xmlns:r="http://schemas.openxmlformats.org/officeDocument/2006/relationships" xmlns:p="http://schemas.openxmlformats.org/presentationml/2006/main">
+  <p:cSld>
+    <p:spTree>
+      <p:nvGrpSpPr>
+        <p:cNvPr id="1" name=""/>
+        <p:cNvGrpSpPr/>
+        <p:nvPr/>
+      </p:nvGrpSpPr>
+      <p:grpSpPr>
+        <a:xfrm>
+          <a:off x="0" y="0"/>
+          <a:ext cx="0" cy="0"/>
+          <a:chOff x="0" y="0"/>
+          <a:chExt cx="0" cy="0"/>
+        </a:xfrm>
+      </p:grpSpPr>
+      <p:sp>
+        <p:nvSpPr>
+          <p:cNvPr id="3" name="Content Placeholder 2"/>
+          <p:cNvSpPr>
+            <a:spLocks noGrp="1"/>
+          </p:cNvSpPr>
+          <p:nvPr>
+            <p:ph idx="1"/>
+          </p:nvPr>
+        </p:nvSpPr>
+        <p:spPr/>
+        <p:txBody>
+          <a:bodyPr/>
+          <a:lstStyle/>
+          <a:p>
+            <a:pPr lvl="0" indent="0" marL="0">
+              <a:spcBef>
+                <a:spcPts val="3000"/>
+              </a:spcBef>
+              <a:buNone/>
+            </a:pPr>
+            <a:r>
+              <a:rPr b="1"/>
+              <a:t>Viewport Height(vh)</a:t>
+            </a:r>
+          </a:p>
+          <a:p>
+            <a:pPr lvl="0"/>
+            <a:r>
+              <a:rPr/>
+              <a:t>Viewport란 브라우저 창의 표시 영역을 말함.</a:t>
+            </a:r>
+          </a:p>
+          <a:p>
+            <a:pPr lvl="0"/>
+            <a:r>
+              <a:rPr/>
+              <a:t>vw는 사용할 수 없으나, 텍스트를 부모 컨테이너에 Relative한 크기로 만들 수 있음.</a:t>
+            </a:r>
+          </a:p>
+          <a:p>
+            <a:pPr lvl="0" indent="0" marL="0">
+              <a:spcBef>
+                <a:spcPts val="3000"/>
+              </a:spcBef>
+              <a:buNone/>
+            </a:pPr>
+            <a:r>
+              <a:rPr b="1"/>
+              <a:t>Fraction</a:t>
+            </a:r>
+          </a:p>
+          <a:p>
+            <a:pPr lvl="0"/>
+            <a:r>
+              <a:rPr/>
+              <a:t>몫</a:t>
+            </a:r>
+          </a:p>
+          <a:p>
+            <a:pPr lvl="0"/>
+            <a:r>
+              <a:rPr/>
+              <a:t>자식요소들이 Fill 속성을 가질 때 각 자식들이 얼마나 영역을 차지할 지에 대한 비율을 표시함.</a:t>
+            </a:r>
+          </a:p>
+          <a:p>
+            <a:pPr lvl="0"/>
+            <a:r>
+              <a:rPr/>
+              <a:t>자식의 크기는 </a:t>
+            </a:r>
+            <a:r>
+              <a:rPr>
+                <a:latin typeface="Courier"/>
+              </a:rPr>
+              <a:t>해당 자식의 Fraction / 전체 자식의 Fraction의 합</a:t>
+            </a:r>
+          </a:p>
+        </p:txBody>
+      </p:sp>
+    </p:spTree>
+  </p:cSld>
+  <p:timing>
+    <p:tnLst>
+      <p:par>
+        <p:cTn id="1" dur="indefinite" restart="never" nodeType="tmRoot">
+          <p:childTnLst>
+            <p:seq concurrent="1" nextAc="seek">
+              <p:cTn id="2" dur="indefinite" nodeType="mainSeq">
+                <p:childTnLst>
+                  <p:par>
+                    <p:cTn id="3" fill="hold">
+                      <p:stCondLst>
+                        <p:cond delay="indefinite"/>
+                      </p:stCondLst>
+                      <p:childTnLst>
+                        <p:par>
+                          <p:cTn id="4" fill="hold">
+                            <p:stCondLst>
+                              <p:cond delay="0"/>
+                            </p:stCondLst>
+                            <p:childTnLst>
+                              <p:par>
+                                <p:cTn id="5" presetID="1" presetClass="entr" presetSubtype="0" fill="hold" grpId="0" nodeType="clickEffect">
+                                  <p:stCondLst>
+                                    <p:cond delay="0"/>
+                                  </p:stCondLst>
+                                  <p:childTnLst>
+                                    <p:set>
+                                      <p:cBhvr>
+                                        <p:cTn id="6" dur="1" fill="hold">
+                                          <p:stCondLst>
+                                            <p:cond delay="0"/>
+                                          </p:stCondLst>
+                                        </p:cTn>
+                                        <p:tgtEl>
+                                          <p:spTgt spid="3">
+                                            <p:txEl>
+                                              <p:pRg st="1" end="1"/>
+                                            </p:txEl>
+                                          </p:spTgt>
+                                        </p:tgtEl>
+                                        <p:attrNameLst>
+                                          <p:attrName>style.visibility</p:attrName>
+                                        </p:attrNameLst>
+                                      </p:cBhvr>
+                                      <p:to>
+                                        <p:strVal val="visible"/>
+                                      </p:to>
+                                    </p:set>
+                                  </p:childTnLst>
+                                </p:cTn>
+                              </p:par>
+                            </p:childTnLst>
+                          </p:cTn>
+                        </p:par>
+                      </p:childTnLst>
+                    </p:cTn>
+                  </p:par>
+                  <p:par>
+                    <p:cTn id="7" fill="hold">
+                      <p:stCondLst>
+                        <p:cond delay="indefinite"/>
+                      </p:stCondLst>
+                      <p:childTnLst>
+                        <p:par>
+                          <p:cTn id="8" fill="hold">
+                            <p:stCondLst>
+                              <p:cond delay="0"/>
+                            </p:stCondLst>
+                            <p:childTnLst>
+                              <p:par>
+                                <p:cTn id="9" presetID="1" presetClass="entr" presetSubtype="0" fill="hold" grpId="0" nodeType="clickEffect">
+                                  <p:stCondLst>
+                                    <p:cond delay="0"/>
+                                  </p:stCondLst>
+                                  <p:childTnLst>
+                                    <p:set>
+                                      <p:cBhvr>
+                                        <p:cTn id="10" dur="1" fill="hold">
+                                          <p:stCondLst>
+                                            <p:cond delay="0"/>
+                                          </p:stCondLst>
+                                        </p:cTn>
+                                        <p:tgtEl>
+                                          <p:spTgt spid="3">
+                                            <p:txEl>
+                                              <p:pRg st="2" end="2"/>
+                                            </p:txEl>
+                                          </p:spTgt>
+                                        </p:tgtEl>
+                                        <p:attrNameLst>
+                                          <p:attrName>style.visibility</p:attrName>
+                                        </p:attrNameLst>
+                                      </p:cBhvr>
+                                      <p:to>
+                                        <p:strVal val="visible"/>
+                                      </p:to>
+                                    </p:set>
+                                  </p:childTnLst>
+                                </p:cTn>
+                              </p:par>
+                            </p:childTnLst>
+                          </p:cTn>
+                        </p:par>
+                      </p:childTnLst>
+                    </p:cTn>
+                  </p:par>
+                  <p:par>
+                    <p:cTn id="11" fill="hold">
+                      <p:stCondLst>
+                        <p:cond delay="indefinite"/>
+                      </p:stCondLst>
+                      <p:childTnLst>
+                        <p:par>
+                          <p:cTn id="12" fill="hold">
+                            <p:stCondLst>
+                              <p:cond delay="0"/>
+                            </p:stCondLst>
+                            <p:childTnLst>
+                              <p:par>
+                                <p:cTn id="13" presetID="1" presetClass="entr" presetSubtype="0" fill="hold" grpId="0" nodeType="clickEffect">
+                                  <p:stCondLst>
+                                    <p:cond delay="0"/>
+                                  </p:stCondLst>
+                                  <p:childTnLst>
+                                    <p:set>
+                                      <p:cBhvr>
+                                        <p:cTn id="14" dur="1" fill="hold">
+                                          <p:stCondLst>
+                                            <p:cond delay="0"/>
+                                          </p:stCondLst>
+                                        </p:cTn>
+                                        <p:tgtEl>
+                                          <p:spTgt spid="3">
+                                            <p:txEl>
+                                              <p:pRg st="4" end="4"/>
+                                            </p:txEl>
+                                          </p:spTgt>
+                                        </p:tgtEl>
+                                        <p:attrNameLst>
+                                          <p:attrName>style.visibility</p:attrName>
+                                        </p:attrNameLst>
+                                      </p:cBhvr>
+                                      <p:to>
+                                        <p:strVal val="visible"/>
+                                      </p:to>
+                                    </p:set>
+                                  </p:childTnLst>
+                                </p:cTn>
+                              </p:par>
+                            </p:childTnLst>
+                          </p:cTn>
+                        </p:par>
+                      </p:childTnLst>
+                    </p:cTn>
+                  </p:par>
+                  <p:par>
+                    <p:cTn id="15" fill="hold">
+                      <p:stCondLst>
+                        <p:cond delay="indefinite"/>
+                      </p:stCondLst>
+                      <p:childTnLst>
+                        <p:par>
+                          <p:cTn id="16" fill="hold">
+                            <p:stCondLst>
+                              <p:cond delay="0"/>
+                            </p:stCondLst>
+                            <p:childTnLst>
+                              <p:par>
+                                <p:cTn id="17" presetID="1" presetClass="entr" presetSubtype="0" fill="hold" grpId="0" nodeType="clickEffect">
+                                  <p:stCondLst>
+                                    <p:cond delay="0"/>
+                                  </p:stCondLst>
+                                  <p:childTnLst>
+                                    <p:set>
+                                      <p:cBhvr>
+                                        <p:cTn id="18" dur="1" fill="hold">
+                                          <p:stCondLst>
+                                            <p:cond delay="0"/>
+                                          </p:stCondLst>
+                                        </p:cTn>
+                                        <p:tgtEl>
+                                          <p:spTgt spid="3">
+                                            <p:txEl>
+                                              <p:pRg st="5" end="5"/>
+                                            </p:txEl>
+                                          </p:spTgt>
+                                        </p:tgtEl>
+                                        <p:attrNameLst>
+                                          <p:attrName>style.visibility</p:attrName>
+                                        </p:attrNameLst>
+                                      </p:cBhvr>
+                                      <p:to>
+                                        <p:strVal val="visible"/>
+                                      </p:to>
+                                    </p:set>
+                                  </p:childTnLst>
+                                </p:cTn>
+                              </p:par>
+                            </p:childTnLst>
+                          </p:cTn>
+                        </p:par>
+                      </p:childTnLst>
+                    </p:cTn>
+                  </p:par>
+                  <p:par>
+                    <p:cTn id="19" fill="hold">
+                      <p:stCondLst>
+                        <p:cond delay="indefinite"/>
+                      </p:stCondLst>
+                      <p:childTnLst>
+                        <p:par>
+                          <p:cTn id="20" fill="hold">
+                            <p:stCondLst>
+                              <p:cond delay="0"/>
+                            </p:stCondLst>
+                            <p:childTnLst>
+                              <p:par>
+                                <p:cTn id="21" presetID="1" presetClass="entr" presetSubtype="0" fill="hold" grpId="0" nodeType="clickEffect">
+                                  <p:stCondLst>
+                                    <p:cond delay="0"/>
+                                  </p:stCondLst>
+                                  <p:childTnLst>
+                                    <p:set>
+                                      <p:cBhvr>
+                                        <p:cTn id="22" dur="1" fill="hold">
+                                          <p:stCondLst>
+                                            <p:cond delay="0"/>
+                                          </p:stCondLst>
+                                        </p:cTn>
+                                        <p:tgtEl>
+                                          <p:spTgt spid="3">
+                                            <p:txEl>
+                                              <p:pRg st="6" end="6"/>
+                                            </p:txEl>
+                                          </p:spTgt>
+                                        </p:tgtEl>
+                                        <p:attrNameLst>
+                                          <p:attrName>style.visibility</p:attrName>
+                                        </p:attrNameLst>
+                                      </p:cBhvr>
+                                      <p:to>
+                                        <p:strVal val="visible"/>
+                                      </p:to>
+                                    </p:set>
+                                  </p:childTnLst>
+                                </p:cTn>
+                              </p:par>
+                            </p:childTnLst>
+                          </p:cTn>
+                        </p:par>
+                      </p:childTnLst>
+                    </p:cTn>
+                  </p:par>
+                </p:childTnLst>
+              </p:cTn>
+              <p:prevCondLst>
+                <p:cond evt="onPrev" delay="0">
+                  <p:tgtEl>
+                    <p:sldTgt/>
+                  </p:tgtEl>
+                </p:cond>
+              </p:prevCondLst>
+              <p:nextCondLst>
+                <p:cond evt="onNext" delay="0">
+                  <p:tgtEl>
+                    <p:sldTgt/>
+                  </p:tgtEl>
+                </p:cond>
+              </p:nextCondLst>
+            </p:seq>
+          </p:childTnLst>
+        </p:cTn>
+      </p:par>
+    </p:tnLst>
+    <p:bldLst>
+      <p:bldP spid="3" grpId="0" uiExpand="1" build="p"/>
+    </p:bldLst>
+  </p:timing>
+</p:sld>
+</file>
+
+<file path=ppt/slides/slide14.xml><?xml version="1.0" encoding="utf-8"?>
+<p:sld xmlns:a="http://schemas.openxmlformats.org/drawingml/2006/main" xmlns:r="http://schemas.openxmlformats.org/officeDocument/2006/relationships" xmlns:p="http://schemas.openxmlformats.org/presentationml/2006/main">
+  <p:cSld>
+    <p:spTree>
+      <p:nvGrpSpPr>
+        <p:cNvPr id="1" name=""/>
+        <p:cNvGrpSpPr/>
+        <p:nvPr/>
+      </p:nvGrpSpPr>
+      <p:grpSpPr>
+        <a:xfrm>
+          <a:off x="0" y="0"/>
+          <a:ext cx="0" cy="0"/>
+          <a:chOff x="0" y="0"/>
+          <a:chExt cx="0" cy="0"/>
+        </a:xfrm>
+      </p:grpSpPr>
+      <p:sp>
+        <p:nvSpPr>
+          <p:cNvPr id="2" name="Title 1"/>
+          <p:cNvSpPr>
+            <a:spLocks noGrp="1"/>
+          </p:cNvSpPr>
+          <p:nvPr>
+            <p:ph type="title"/>
+          </p:nvPr>
+        </p:nvSpPr>
+        <p:spPr/>
+        <p:txBody>
+          <a:bodyPr/>
+          <a:lstStyle/>
+          <a:p>
+            <a:pPr lvl="0" indent="0" marL="0">
+              <a:buNone/>
+            </a:pPr>
+            <a:r>
+              <a:rPr/>
+              <a:t>Breakpoint</a:t>
+            </a:r>
+          </a:p>
+        </p:txBody>
+      </p:sp>
+      <p:sp>
+        <p:nvSpPr>
+          <p:cNvPr id="3" name="Content Placeholder 2"/>
+          <p:cNvSpPr>
+            <a:spLocks noGrp="1"/>
+          </p:cNvSpPr>
+          <p:nvPr>
+            <p:ph idx="1"/>
+          </p:nvPr>
+        </p:nvSpPr>
+        <p:spPr/>
+        <p:txBody>
+          <a:bodyPr/>
+          <a:lstStyle/>
+          <a:p>
+            <a:pPr lvl="0" indent="0" marL="0">
+              <a:spcBef>
+                <a:spcPts val="3000"/>
+              </a:spcBef>
+              <a:buNone/>
+            </a:pPr>
+            <a:r>
+              <a:rPr b="1"/>
+              <a:t>붕괴지점</a:t>
+            </a:r>
+          </a:p>
+          <a:p>
+            <a:pPr lvl="0"/>
+            <a:r>
+              <a:rPr/>
+              <a:t>화면 크기가 다른 여러 디바이스에서 동일한 콘텐츠를 보여주기 위한 하나의 페이지, 즉 반응형 레이아웃을 만들 때 각 타겟 디바이스의 기준점</a:t>
+            </a:r>
+          </a:p>
+          <a:p>
+            <a:pPr lvl="0"/>
+            <a:r>
+              <a:rPr/>
+              <a:t>해당 포인트의 가로 너비(width)로 정의된다.</a:t>
+            </a:r>
+            <a:br/>
+          </a:p>
+          <a:p>
+            <a:pPr lvl="0"/>
+            <a:r>
+              <a:rPr/>
+              <a:t>프레이머에서는 Desktop BP가 메인 컴포넌트처럼 작동하여</a:t>
+            </a:r>
+          </a:p>
+          <a:p>
+            <a:pPr lvl="1"/>
+            <a:r>
+              <a:rPr/>
+              <a:t>인스턴스에 해당하는 하위 BP가 Desktop BP의 변경사항을 상속</a:t>
+            </a:r>
+          </a:p>
+        </p:txBody>
+      </p:sp>
+    </p:spTree>
+  </p:cSld>
+  <p:timing>
+    <p:tnLst>
+      <p:par>
+        <p:cTn id="1" dur="indefinite" restart="never" nodeType="tmRoot">
+          <p:childTnLst>
+            <p:seq concurrent="1" nextAc="seek">
+              <p:cTn id="2" dur="indefinite" nodeType="mainSeq">
+                <p:childTnLst>
+                  <p:par>
+                    <p:cTn id="3" fill="hold">
+                      <p:stCondLst>
+                        <p:cond delay="indefinite"/>
+                      </p:stCondLst>
+                      <p:childTnLst>
+                        <p:par>
+                          <p:cTn id="4" fill="hold">
+                            <p:stCondLst>
+                              <p:cond delay="0"/>
+                            </p:stCondLst>
+                            <p:childTnLst>
+                              <p:par>
+                                <p:cTn id="5" presetID="1" presetClass="entr" presetSubtype="0" fill="hold" grpId="0" nodeType="clickEffect">
+                                  <p:stCondLst>
+                                    <p:cond delay="0"/>
+                                  </p:stCondLst>
+                                  <p:childTnLst>
+                                    <p:set>
+                                      <p:cBhvr>
+                                        <p:cTn id="6" dur="1" fill="hold">
+                                          <p:stCondLst>
+                                            <p:cond delay="0"/>
+                                          </p:stCondLst>
+                                        </p:cTn>
+                                        <p:tgtEl>
+                                          <p:spTgt spid="3">
+                                            <p:txEl>
+                                              <p:pRg st="1" end="1"/>
+                                            </p:txEl>
+                                          </p:spTgt>
+                                        </p:tgtEl>
+                                        <p:attrNameLst>
+                                          <p:attrName>style.visibility</p:attrName>
+                                        </p:attrNameLst>
+                                      </p:cBhvr>
+                                      <p:to>
+                                        <p:strVal val="visible"/>
+                                      </p:to>
+                                    </p:set>
+                                  </p:childTnLst>
+                                </p:cTn>
+                              </p:par>
+                            </p:childTnLst>
+                          </p:cTn>
+                        </p:par>
+                      </p:childTnLst>
+                    </p:cTn>
+                  </p:par>
+                  <p:par>
+                    <p:cTn id="7" fill="hold">
+                      <p:stCondLst>
+                        <p:cond delay="indefinite"/>
+                      </p:stCondLst>
+                      <p:childTnLst>
+                        <p:par>
+                          <p:cTn id="8" fill="hold">
+                            <p:stCondLst>
+                              <p:cond delay="0"/>
+                            </p:stCondLst>
+                            <p:childTnLst>
+                              <p:par>
+                                <p:cTn id="9" presetID="1" presetClass="entr" presetSubtype="0" fill="hold" grpId="0" nodeType="clickEffect">
+                                  <p:stCondLst>
+                                    <p:cond delay="0"/>
+                                  </p:stCondLst>
+                                  <p:childTnLst>
+                                    <p:set>
+                                      <p:cBhvr>
+                                        <p:cTn id="10" dur="1" fill="hold">
+                                          <p:stCondLst>
+                                            <p:cond delay="0"/>
+                                          </p:stCondLst>
+                                        </p:cTn>
+                                        <p:tgtEl>
+                                          <p:spTgt spid="3">
+                                            <p:txEl>
+                                              <p:pRg st="2" end="2"/>
+                                            </p:txEl>
+                                          </p:spTgt>
+                                        </p:tgtEl>
+                                        <p:attrNameLst>
+                                          <p:attrName>style.visibility</p:attrName>
+                                        </p:attrNameLst>
+                                      </p:cBhvr>
+                                      <p:to>
+                                        <p:strVal val="visible"/>
+                                      </p:to>
+                                    </p:set>
+                                  </p:childTnLst>
+                                </p:cTn>
+                              </p:par>
+                            </p:childTnLst>
+                          </p:cTn>
+                        </p:par>
+                      </p:childTnLst>
+                    </p:cTn>
+                  </p:par>
+                  <p:par>
+                    <p:cTn id="11" fill="hold">
+                      <p:stCondLst>
+                        <p:cond delay="indefinite"/>
+                      </p:stCondLst>
+                      <p:childTnLst>
+                        <p:par>
+                          <p:cTn id="12" fill="hold">
+                            <p:stCondLst>
+                              <p:cond delay="0"/>
+                            </p:stCondLst>
+                            <p:childTnLst>
+                              <p:par>
+                                <p:cTn id="13" presetID="1" presetClass="entr" presetSubtype="0" fill="hold" grpId="0" nodeType="clickEffect">
+                                  <p:stCondLst>
+                                    <p:cond delay="0"/>
+                                  </p:stCondLst>
+                                  <p:childTnLst>
+                                    <p:set>
+                                      <p:cBhvr>
+                                        <p:cTn id="14" dur="1" fill="hold">
+                                          <p:stCondLst>
+                                            <p:cond delay="0"/>
+                                          </p:stCondLst>
+                                        </p:cTn>
+                                        <p:tgtEl>
+                                          <p:spTgt spid="3">
+                                            <p:txEl>
+                                              <p:pRg st="3" end="3"/>
+                                            </p:txEl>
+                                          </p:spTgt>
+                                        </p:tgtEl>
+                                        <p:attrNameLst>
+                                          <p:attrName>style.visibility</p:attrName>
+                                        </p:attrNameLst>
+                                      </p:cBhvr>
+                                      <p:to>
+                                        <p:strVal val="visible"/>
+                                      </p:to>
+                                    </p:set>
+                                  </p:childTnLst>
+                                </p:cTn>
+                              </p:par>
+                            </p:childTnLst>
+                          </p:cTn>
+                        </p:par>
+                      </p:childTnLst>
+                    </p:cTn>
+                  </p:par>
+                  <p:par>
+                    <p:cTn id="15" fill="hold">
+                      <p:stCondLst>
+                        <p:cond delay="indefinite"/>
+                      </p:stCondLst>
+                      <p:childTnLst>
+                        <p:par>
+                          <p:cTn id="16" fill="hold">
+                            <p:stCondLst>
+                              <p:cond delay="0"/>
+                            </p:stCondLst>
+                            <p:childTnLst>
+                              <p:par>
+                                <p:cTn id="17" presetID="1" presetClass="entr" presetSubtype="0" fill="hold" grpId="0" nodeType="clickEffect">
+                                  <p:stCondLst>
+                                    <p:cond delay="0"/>
+                                  </p:stCondLst>
+                                  <p:childTnLst>
+                                    <p:set>
+                                      <p:cBhvr>
+                                        <p:cTn id="18" dur="1" fill="hold">
+                                          <p:stCondLst>
+                                            <p:cond delay="0"/>
+                                          </p:stCondLst>
+                                        </p:cTn>
+                                        <p:tgtEl>
+                                          <p:spTgt spid="3">
+                                            <p:txEl>
+                                              <p:pRg st="4" end="4"/>
+                                            </p:txEl>
+                                          </p:spTgt>
+                                        </p:tgtEl>
+                                        <p:attrNameLst>
+                                          <p:attrName>style.visibility</p:attrName>
+                                        </p:attrNameLst>
+                                      </p:cBhvr>
+                                      <p:to>
+                                        <p:strVal val="visible"/>
+                                      </p:to>
+                                    </p:set>
+                                  </p:childTnLst>
+                                </p:cTn>
+                              </p:par>
+                            </p:childTnLst>
+                          </p:cTn>
+                        </p:par>
+                      </p:childTnLst>
+                    </p:cTn>
+                  </p:par>
+                </p:childTnLst>
+              </p:cTn>
+              <p:prevCondLst>
+                <p:cond evt="onPrev" delay="0">
+                  <p:tgtEl>
+                    <p:sldTgt/>
+                  </p:tgtEl>
+                </p:cond>
+              </p:prevCondLst>
+              <p:nextCondLst>
+                <p:cond evt="onNext" delay="0">
+                  <p:tgtEl>
+                    <p:sldTgt/>
+                  </p:tgtEl>
+                </p:cond>
+              </p:nextCondLst>
+            </p:seq>
+          </p:childTnLst>
+        </p:cTn>
+      </p:par>
+    </p:tnLst>
+    <p:bldLst>
+      <p:bldP spid="3" grpId="0" uiExpand="1" build="p"/>
+    </p:bldLst>
+  </p:timing>
+</p:sld>
+</file>
+
+<file path=ppt/slides/slide15.xml><?xml version="1.0" encoding="utf-8"?>
+<p:sld xmlns:a="http://schemas.openxmlformats.org/drawingml/2006/main" xmlns:r="http://schemas.openxmlformats.org/officeDocument/2006/relationships" xmlns:p="http://schemas.openxmlformats.org/presentationml/2006/main">
+  <p:cSld>
+    <p:spTree>
+      <p:nvGrpSpPr>
+        <p:cNvPr id="1" name=""/>
+        <p:cNvGrpSpPr/>
+        <p:nvPr/>
+      </p:nvGrpSpPr>
+      <p:grpSpPr>
+        <a:xfrm>
+          <a:off x="0" y="0"/>
+          <a:ext cx="0" cy="0"/>
+          <a:chOff x="0" y="0"/>
+          <a:chExt cx="0" cy="0"/>
+        </a:xfrm>
+      </p:grpSpPr>
+      <p:sp>
+        <p:nvSpPr>
+          <p:cNvPr id="2" name="Title 1"/>
+          <p:cNvSpPr>
+            <a:spLocks noGrp="1"/>
+          </p:cNvSpPr>
+          <p:nvPr>
+            <p:ph type="title"/>
+          </p:nvPr>
+        </p:nvSpPr>
+        <p:spPr/>
+        <p:txBody>
+          <a:bodyPr/>
+          <a:lstStyle/>
+          <a:p>
+            <a:pPr lvl="0" indent="0" marL="0">
+              <a:buNone/>
+            </a:pPr>
+            <a:r>
+              <a:rPr/>
+              <a:t>컴포넌트</a:t>
+            </a:r>
+          </a:p>
+        </p:txBody>
+      </p:sp>
+      <p:sp>
+        <p:nvSpPr>
+          <p:cNvPr id="3" name="Content Placeholder 2"/>
+          <p:cNvSpPr>
+            <a:spLocks noGrp="1"/>
+          </p:cNvSpPr>
+          <p:nvPr>
+            <p:ph idx="1"/>
+          </p:nvPr>
+        </p:nvSpPr>
+        <p:spPr/>
+        <p:txBody>
+          <a:bodyPr/>
+          <a:lstStyle/>
+          <a:p>
+            <a:pPr lvl="0"/>
+            <a:r>
+              <a:rPr/>
+              <a:t>피그마의 그것과 달리 컴포넌트의 인스턴스에서 변경될 수 있는 부분은 반드시 Property(Variable)의 형태로 만들어줘야 함.</a:t>
+            </a:r>
+          </a:p>
+          <a:p>
+            <a:pPr lvl="1"/>
+            <a:r>
+              <a:rPr/>
+              <a:t>피그마의 Component Properties 에 해당</a:t>
+            </a:r>
+          </a:p>
+          <a:p>
+            <a:pPr lvl="2"/>
+            <a:r>
+              <a:rPr/>
+              <a:t>Props</a:t>
+            </a:r>
+          </a:p>
+          <a:p>
+            <a:pPr lvl="0"/>
+            <a:r>
+              <a:rPr/>
+              <a:t>컴포넌트는 그 자체로 완결된 세계</a:t>
+            </a:r>
+          </a:p>
+          <a:p>
+            <a:pPr lvl="1"/>
+            <a:r>
+              <a:rPr/>
+              <a:t>외부와의 단절</a:t>
+            </a:r>
+          </a:p>
+          <a:p>
+            <a:pPr lvl="2"/>
+            <a:r>
+              <a:rPr/>
+              <a:t>그러나, 상위 컴포넌트로부터 값을 내려받는 것만 가능(Props, Properties)</a:t>
+            </a:r>
+          </a:p>
+          <a:p>
+            <a:pPr lvl="2"/>
+            <a:r>
+              <a:rPr/>
+              <a:t>또한 이벤트를 바깥으로 보낼 수 있다</a:t>
+            </a:r>
+          </a:p>
+        </p:txBody>
+      </p:sp>
+    </p:spTree>
+  </p:cSld>
+  <p:timing>
+    <p:tnLst>
+      <p:par>
+        <p:cTn id="1" dur="indefinite" restart="never" nodeType="tmRoot">
+          <p:childTnLst>
+            <p:seq concurrent="1" nextAc="seek">
+              <p:cTn id="2" dur="indefinite" nodeType="mainSeq">
+                <p:childTnLst>
+                  <p:par>
+                    <p:cTn id="3" fill="hold">
+                      <p:stCondLst>
+                        <p:cond delay="indefinite"/>
+                      </p:stCondLst>
+                      <p:childTnLst>
+                        <p:par>
+                          <p:cTn id="4" fill="hold">
+                            <p:stCondLst>
+                              <p:cond delay="0"/>
+                            </p:stCondLst>
+                            <p:childTnLst>
+                              <p:par>
+                                <p:cTn id="5" presetID="1" presetClass="entr" presetSubtype="0" fill="hold" grpId="0" nodeType="clickEffect">
+                                  <p:stCondLst>
+                                    <p:cond delay="0"/>
+                                  </p:stCondLst>
+                                  <p:childTnLst>
+                                    <p:set>
+                                      <p:cBhvr>
+                                        <p:cTn id="6" dur="1" fill="hold">
+                                          <p:stCondLst>
+                                            <p:cond delay="0"/>
+                                          </p:stCondLst>
+                                        </p:cTn>
+                                        <p:tgtEl>
+                                          <p:spTgt spid="3">
+                                            <p:txEl>
+                                              <p:pRg st="0" end="0"/>
+                                            </p:txEl>
+                                          </p:spTgt>
+                                        </p:tgtEl>
+                                        <p:attrNameLst>
+                                          <p:attrName>style.visibility</p:attrName>
+                                        </p:attrNameLst>
+                                      </p:cBhvr>
+                                      <p:to>
+                                        <p:strVal val="visible"/>
+                                      </p:to>
+                                    </p:set>
+                                  </p:childTnLst>
+                                </p:cTn>
+                              </p:par>
+                            </p:childTnLst>
+                          </p:cTn>
+                        </p:par>
+                      </p:childTnLst>
+                    </p:cTn>
+                  </p:par>
+                  <p:par>
+                    <p:cTn id="7" fill="hold">
+                      <p:stCondLst>
+                        <p:cond delay="indefinite"/>
+                      </p:stCondLst>
+                      <p:childTnLst>
+                        <p:par>
+                          <p:cTn id="8" fill="hold">
+                            <p:stCondLst>
+                              <p:cond delay="0"/>
+                            </p:stCondLst>
+                            <p:childTnLst>
+                              <p:par>
+                                <p:cTn id="9" presetID="1" presetClass="entr" presetSubtype="0" fill="hold" grpId="0" nodeType="clickEffect">
+                                  <p:stCondLst>
+                                    <p:cond delay="0"/>
+                                  </p:stCondLst>
+                                  <p:childTnLst>
+                                    <p:set>
+                                      <p:cBhvr>
+                                        <p:cTn id="10" dur="1" fill="hold">
+                                          <p:stCondLst>
+                                            <p:cond delay="0"/>
+                                          </p:stCondLst>
+                                        </p:cTn>
+                                        <p:tgtEl>
+                                          <p:spTgt spid="3">
+                                            <p:txEl>
+                                              <p:pRg st="1" end="1"/>
+                                            </p:txEl>
+                                          </p:spTgt>
+                                        </p:tgtEl>
+                                        <p:attrNameLst>
+                                          <p:attrName>style.visibility</p:attrName>
+                                        </p:attrNameLst>
+                                      </p:cBhvr>
+                                      <p:to>
+                                        <p:strVal val="visible"/>
+                                      </p:to>
+                                    </p:set>
+                                  </p:childTnLst>
+                                </p:cTn>
+                              </p:par>
+                            </p:childTnLst>
+                          </p:cTn>
+                        </p:par>
+                      </p:childTnLst>
+                    </p:cTn>
+                  </p:par>
+                  <p:par>
+                    <p:cTn id="11" fill="hold">
+                      <p:stCondLst>
+                        <p:cond delay="indefinite"/>
+                      </p:stCondLst>
+                      <p:childTnLst>
+                        <p:par>
+                          <p:cTn id="12" fill="hold">
+                            <p:stCondLst>
+                              <p:cond delay="0"/>
+                            </p:stCondLst>
+                            <p:childTnLst>
+                              <p:par>
+                                <p:cTn id="13" presetID="1" presetClass="entr" presetSubtype="0" fill="hold" grpId="0" nodeType="clickEffect">
+                                  <p:stCondLst>
+                                    <p:cond delay="0"/>
+                                  </p:stCondLst>
+                                  <p:childTnLst>
+                                    <p:set>
+                                      <p:cBhvr>
+                                        <p:cTn id="14" dur="1" fill="hold">
+                                          <p:stCondLst>
+                                            <p:cond delay="0"/>
+                                          </p:stCondLst>
+                                        </p:cTn>
+                                        <p:tgtEl>
+                                          <p:spTgt spid="3">
+                                            <p:txEl>
+                                              <p:pRg st="2" end="2"/>
+                                            </p:txEl>
+                                          </p:spTgt>
+                                        </p:tgtEl>
+                                        <p:attrNameLst>
+                                          <p:attrName>style.visibility</p:attrName>
+                                        </p:attrNameLst>
+                                      </p:cBhvr>
+                                      <p:to>
+                                        <p:strVal val="visible"/>
+                                      </p:to>
+                                    </p:set>
+                                  </p:childTnLst>
+                                </p:cTn>
+                              </p:par>
+                            </p:childTnLst>
+                          </p:cTn>
+                        </p:par>
+                      </p:childTnLst>
+                    </p:cTn>
+                  </p:par>
+                  <p:par>
+                    <p:cTn id="15" fill="hold">
+                      <p:stCondLst>
+                        <p:cond delay="indefinite"/>
+                      </p:stCondLst>
+                      <p:childTnLst>
+                        <p:par>
+                          <p:cTn id="16" fill="hold">
+                            <p:stCondLst>
+                              <p:cond delay="0"/>
+                            </p:stCondLst>
+                            <p:childTnLst>
+                              <p:par>
+                                <p:cTn id="17" presetID="1" presetClass="entr" presetSubtype="0" fill="hold" grpId="0" nodeType="clickEffect">
+                                  <p:stCondLst>
+                                    <p:cond delay="0"/>
+                                  </p:stCondLst>
+                                  <p:childTnLst>
+                                    <p:set>
+                                      <p:cBhvr>
+                                        <p:cTn id="18" dur="1" fill="hold">
+                                          <p:stCondLst>
+                                            <p:cond delay="0"/>
+                                          </p:stCondLst>
+                                        </p:cTn>
+                                        <p:tgtEl>
+                                          <p:spTgt spid="3">
+                                            <p:txEl>
+                                              <p:pRg st="3" end="3"/>
+                                            </p:txEl>
+                                          </p:spTgt>
+                                        </p:tgtEl>
+                                        <p:attrNameLst>
+                                          <p:attrName>style.visibility</p:attrName>
+                                        </p:attrNameLst>
+                                      </p:cBhvr>
+                                      <p:to>
+                                        <p:strVal val="visible"/>
+                                      </p:to>
+                                    </p:set>
+                                  </p:childTnLst>
+                                </p:cTn>
+                              </p:par>
+                            </p:childTnLst>
+                          </p:cTn>
+                        </p:par>
+                      </p:childTnLst>
+                    </p:cTn>
+                  </p:par>
+                  <p:par>
+                    <p:cTn id="19" fill="hold">
+                      <p:stCondLst>
+                        <p:cond delay="indefinite"/>
+                      </p:stCondLst>
+                      <p:childTnLst>
+                        <p:par>
+                          <p:cTn id="20" fill="hold">
+                            <p:stCondLst>
+                              <p:cond delay="0"/>
+                            </p:stCondLst>
+                            <p:childTnLst>
+                              <p:par>
+                                <p:cTn id="21" presetID="1" presetClass="entr" presetSubtype="0" fill="hold" grpId="0" nodeType="clickEffect">
+                                  <p:stCondLst>
+                                    <p:cond delay="0"/>
+                                  </p:stCondLst>
+                                  <p:childTnLst>
+                                    <p:set>
+                                      <p:cBhvr>
+                                        <p:cTn id="22" dur="1" fill="hold">
+                                          <p:stCondLst>
+                                            <p:cond delay="0"/>
+                                          </p:stCondLst>
+                                        </p:cTn>
+                                        <p:tgtEl>
+                                          <p:spTgt spid="3">
+                                            <p:txEl>
+                                              <p:pRg st="4" end="4"/>
+                                            </p:txEl>
+                                          </p:spTgt>
+                                        </p:tgtEl>
+                                        <p:attrNameLst>
+                                          <p:attrName>style.visibility</p:attrName>
+                                        </p:attrNameLst>
+                                      </p:cBhvr>
+                                      <p:to>
+                                        <p:strVal val="visible"/>
+                                      </p:to>
+                                    </p:set>
+                                  </p:childTnLst>
+                                </p:cTn>
+                              </p:par>
+                            </p:childTnLst>
+                          </p:cTn>
+                        </p:par>
+                      </p:childTnLst>
+                    </p:cTn>
+                  </p:par>
+                  <p:par>
+                    <p:cTn id="23" fill="hold">
+                      <p:stCondLst>
+                        <p:cond delay="indefinite"/>
+                      </p:stCondLst>
+                      <p:childTnLst>
+                        <p:par>
+                          <p:cTn id="24" fill="hold">
+                            <p:stCondLst>
+                              <p:cond delay="0"/>
+                            </p:stCondLst>
+                            <p:childTnLst>
+                              <p:par>
+                                <p:cTn id="25" presetID="1" presetClass="entr" presetSubtype="0" fill="hold" grpId="0" nodeType="clickEffect">
+                                  <p:stCondLst>
+                                    <p:cond delay="0"/>
+                                  </p:stCondLst>
+                                  <p:childTnLst>
+                                    <p:set>
+                                      <p:cBhvr>
+                                        <p:cTn id="26" dur="1" fill="hold">
+                                          <p:stCondLst>
+                                            <p:cond delay="0"/>
+                                          </p:stCondLst>
+                                        </p:cTn>
+                                        <p:tgtEl>
+                                          <p:spTgt spid="3">
+                                            <p:txEl>
+                                              <p:pRg st="5" end="5"/>
+                                            </p:txEl>
+                                          </p:spTgt>
+                                        </p:tgtEl>
+                                        <p:attrNameLst>
+                                          <p:attrName>style.visibility</p:attrName>
+                                        </p:attrNameLst>
+                                      </p:cBhvr>
+                                      <p:to>
+                                        <p:strVal val="visible"/>
+                                      </p:to>
+                                    </p:set>
+                                  </p:childTnLst>
+                                </p:cTn>
+                              </p:par>
+                            </p:childTnLst>
+                          </p:cTn>
+                        </p:par>
+                      </p:childTnLst>
+                    </p:cTn>
+                  </p:par>
+                  <p:par>
+                    <p:cTn id="27" fill="hold">
+                      <p:stCondLst>
+                        <p:cond delay="indefinite"/>
+                      </p:stCondLst>
+                      <p:childTnLst>
+                        <p:par>
+                          <p:cTn id="28" fill="hold">
+                            <p:stCondLst>
+                              <p:cond delay="0"/>
+                            </p:stCondLst>
+                            <p:childTnLst>
+                              <p:par>
+                                <p:cTn id="29" presetID="1" presetClass="entr" presetSubtype="0" fill="hold" grpId="0" nodeType="clickEffect">
+                                  <p:stCondLst>
+                                    <p:cond delay="0"/>
+                                  </p:stCondLst>
+                                  <p:childTnLst>
+                                    <p:set>
+                                      <p:cBhvr>
+                                        <p:cTn id="30" dur="1" fill="hold">
+                                          <p:stCondLst>
+                                            <p:cond delay="0"/>
+                                          </p:stCondLst>
+                                        </p:cTn>
+                                        <p:tgtEl>
+                                          <p:spTgt spid="3">
+                                            <p:txEl>
+                                              <p:pRg st="6" end="6"/>
+                                            </p:txEl>
+                                          </p:spTgt>
+                                        </p:tgtEl>
+                                        <p:attrNameLst>
+                                          <p:attrName>style.visibility</p:attrName>
+                                        </p:attrNameLst>
+                                      </p:cBhvr>
+                                      <p:to>
+                                        <p:strVal val="visible"/>
+                                      </p:to>
+                                    </p:set>
+                                  </p:childTnLst>
+                                </p:cTn>
+                              </p:par>
+                            </p:childTnLst>
+                          </p:cTn>
+                        </p:par>
+                      </p:childTnLst>
+                    </p:cTn>
+                  </p:par>
+                </p:childTnLst>
+              </p:cTn>
+              <p:prevCondLst>
+                <p:cond evt="onPrev" delay="0">
+                  <p:tgtEl>
+                    <p:sldTgt/>
+                  </p:tgtEl>
+                </p:cond>
+              </p:prevCondLst>
+              <p:nextCondLst>
+                <p:cond evt="onNext" delay="0">
+                  <p:tgtEl>
+                    <p:sldTgt/>
+                  </p:tgtEl>
+                </p:cond>
+              </p:nextCondLst>
+            </p:seq>
+          </p:childTnLst>
+        </p:cTn>
+      </p:par>
+    </p:tnLst>
+    <p:bldLst>
+      <p:bldP spid="3" grpId="0" uiExpand="1" build="p"/>
+    </p:bldLst>
+  </p:timing>
+</p:sld>
+</file>
+
+<file path=ppt/slides/slide16.xml><?xml version="1.0" encoding="utf-8"?>
+<p:sld xmlns:a="http://schemas.openxmlformats.org/drawingml/2006/main" xmlns:r="http://schemas.openxmlformats.org/officeDocument/2006/relationships" xmlns:p="http://schemas.openxmlformats.org/presentationml/2006/main">
+  <p:cSld>
+    <p:spTree>
+      <p:nvGrpSpPr>
+        <p:cNvPr id="1" name=""/>
+        <p:cNvGrpSpPr/>
+        <p:nvPr/>
+      </p:nvGrpSpPr>
+      <p:grpSpPr>
+        <a:xfrm>
+          <a:off x="0" y="0"/>
+          <a:ext cx="0" cy="0"/>
+          <a:chOff x="0" y="0"/>
+          <a:chExt cx="0" cy="0"/>
+        </a:xfrm>
+      </p:grpSpPr>
+      <p:sp>
+        <p:nvSpPr>
+          <p:cNvPr id="2" name="Title 1"/>
+          <p:cNvSpPr>
+            <a:spLocks noGrp="1"/>
+          </p:cNvSpPr>
+          <p:nvPr>
+            <p:ph type="title"/>
+          </p:nvPr>
+        </p:nvSpPr>
+        <p:spPr/>
+        <p:txBody>
+          <a:bodyPr/>
+          <a:lstStyle/>
+          <a:p>
+            <a:pPr lvl="0" indent="0" marL="0">
+              <a:buNone/>
+            </a:pPr>
+            <a:r>
+              <a:rPr/>
+              <a:t>Variables</a:t>
+            </a:r>
+          </a:p>
+        </p:txBody>
+      </p:sp>
+      <p:sp>
+        <p:nvSpPr>
+          <p:cNvPr id="3" name="Content Placeholder 2"/>
+          <p:cNvSpPr>
+            <a:spLocks noGrp="1"/>
+          </p:cNvSpPr>
+          <p:nvPr>
+            <p:ph idx="1"/>
+          </p:nvPr>
+        </p:nvSpPr>
+        <p:spPr/>
+        <p:txBody>
+          <a:bodyPr/>
+          <a:lstStyle/>
+          <a:p>
+            <a:pPr lvl="0"/>
+            <a:r>
+              <a:rPr/>
+              <a:t>Property를 컴포넌트의 내부에서는 Variable로 정의.</a:t>
+            </a:r>
+          </a:p>
+          <a:p>
+            <a:pPr lvl="1"/>
+            <a:r>
+              <a:rPr/>
+              <a:t>Variable을 정의하면 외부에서는 Property의 형태로 표현됨</a:t>
+            </a:r>
+          </a:p>
+          <a:p>
+            <a:pPr lvl="0"/>
+            <a:r>
+              <a:rPr/>
+              <a:t>컴포넌트의 내부에서 사용되는 </a:t>
+            </a:r>
+            <a:r>
+              <a:rPr b="1"/>
+              <a:t>값 또는 이벤트</a:t>
+            </a:r>
+            <a:r>
+              <a:rPr/>
+              <a:t>를 정의하여 내부에서 사용</a:t>
+            </a:r>
+          </a:p>
+          <a:p>
+            <a:pPr lvl="0"/>
+            <a:r>
+              <a:rPr/>
+              <a:t>Color 등 피그마보다 다양한 설정 값을 사용할 수 있다는 것이 장점</a:t>
+            </a:r>
+          </a:p>
+          <a:p>
+            <a:pPr lvl="1"/>
+            <a:r>
+              <a:rPr/>
+              <a:t>Variable의 정의가 좀 더 명시적이기 때문에, 다소 어렵게 느껴질 수 있음</a:t>
+            </a:r>
+          </a:p>
+          <a:p>
+            <a:pPr lvl="0" indent="0" marL="0">
+              <a:spcBef>
+                <a:spcPts val="3000"/>
+              </a:spcBef>
+              <a:buNone/>
+            </a:pPr>
+            <a:r>
+              <a:rPr b="1"/>
+              <a:t>Event</a:t>
+            </a:r>
+          </a:p>
+          <a:p>
+            <a:pPr lvl="0"/>
+            <a:r>
+              <a:rPr/>
+              <a:t>이벤트 또한 Variable로 만듦으로써, 인스턴스에서 발생한 이벤트를 상위 컴포넌트에 전달할 수 있다</a:t>
+            </a:r>
+          </a:p>
+          <a:p>
+            <a:pPr lvl="1"/>
+            <a:r>
+              <a:rPr/>
+              <a:t>그러나 노코드에 한정한 프레이머에서의 활용은 클릭 이벤트에 한함.</a:t>
+            </a:r>
+          </a:p>
+        </p:txBody>
+      </p:sp>
+    </p:spTree>
+  </p:cSld>
+  <p:timing>
+    <p:tnLst>
+      <p:par>
+        <p:cTn id="1" dur="indefinite" restart="never" nodeType="tmRoot">
+          <p:childTnLst>
+            <p:seq concurrent="1" nextAc="seek">
+              <p:cTn id="2" dur="indefinite" nodeType="mainSeq">
+                <p:childTnLst>
+                  <p:par>
+                    <p:cTn id="3" fill="hold">
+                      <p:stCondLst>
+                        <p:cond delay="indefinite"/>
+                      </p:stCondLst>
+                      <p:childTnLst>
+                        <p:par>
+                          <p:cTn id="4" fill="hold">
+                            <p:stCondLst>
+                              <p:cond delay="0"/>
+                            </p:stCondLst>
+                            <p:childTnLst>
+                              <p:par>
+                                <p:cTn id="5" presetID="1" presetClass="entr" presetSubtype="0" fill="hold" grpId="0" nodeType="clickEffect">
+                                  <p:stCondLst>
+                                    <p:cond delay="0"/>
+                                  </p:stCondLst>
+                                  <p:childTnLst>
+                                    <p:set>
+                                      <p:cBhvr>
+                                        <p:cTn id="6" dur="1" fill="hold">
+                                          <p:stCondLst>
+                                            <p:cond delay="0"/>
+                                          </p:stCondLst>
+                                        </p:cTn>
+                                        <p:tgtEl>
+                                          <p:spTgt spid="3">
+                                            <p:txEl>
+                                              <p:pRg st="0" end="0"/>
+                                            </p:txEl>
+                                          </p:spTgt>
+                                        </p:tgtEl>
+                                        <p:attrNameLst>
+                                          <p:attrName>style.visibility</p:attrName>
+                                        </p:attrNameLst>
+                                      </p:cBhvr>
+                                      <p:to>
+                                        <p:strVal val="visible"/>
+                                      </p:to>
+                                    </p:set>
+                                  </p:childTnLst>
+                                </p:cTn>
+                              </p:par>
+                            </p:childTnLst>
+                          </p:cTn>
+                        </p:par>
+                      </p:childTnLst>
+                    </p:cTn>
+                  </p:par>
+                  <p:par>
+                    <p:cTn id="7" fill="hold">
+                      <p:stCondLst>
+                        <p:cond delay="indefinite"/>
+                      </p:stCondLst>
+                      <p:childTnLst>
+                        <p:par>
+                          <p:cTn id="8" fill="hold">
+                            <p:stCondLst>
+                              <p:cond delay="0"/>
+                            </p:stCondLst>
+                            <p:childTnLst>
+                              <p:par>
+                                <p:cTn id="9" presetID="1" presetClass="entr" presetSubtype="0" fill="hold" grpId="0" nodeType="clickEffect">
+                                  <p:stCondLst>
+                                    <p:cond delay="0"/>
+                                  </p:stCondLst>
+                                  <p:childTnLst>
+                                    <p:set>
+                                      <p:cBhvr>
+                                        <p:cTn id="10" dur="1" fill="hold">
+                                          <p:stCondLst>
+                                            <p:cond delay="0"/>
+                                          </p:stCondLst>
+                                        </p:cTn>
+                                        <p:tgtEl>
+                                          <p:spTgt spid="3">
+                                            <p:txEl>
+                                              <p:pRg st="1" end="1"/>
+                                            </p:txEl>
+                                          </p:spTgt>
+                                        </p:tgtEl>
+                                        <p:attrNameLst>
+                                          <p:attrName>style.visibility</p:attrName>
+                                        </p:attrNameLst>
+                                      </p:cBhvr>
+                                      <p:to>
+                                        <p:strVal val="visible"/>
+                                      </p:to>
+                                    </p:set>
+                                  </p:childTnLst>
+                                </p:cTn>
+                              </p:par>
+                            </p:childTnLst>
+                          </p:cTn>
+                        </p:par>
+                      </p:childTnLst>
+                    </p:cTn>
+                  </p:par>
+                  <p:par>
+                    <p:cTn id="11" fill="hold">
+                      <p:stCondLst>
+                        <p:cond delay="indefinite"/>
+                      </p:stCondLst>
+                      <p:childTnLst>
+                        <p:par>
+                          <p:cTn id="12" fill="hold">
+                            <p:stCondLst>
+                              <p:cond delay="0"/>
+                            </p:stCondLst>
+                            <p:childTnLst>
+                              <p:par>
+                                <p:cTn id="13" presetID="1" presetClass="entr" presetSubtype="0" fill="hold" grpId="0" nodeType="clickEffect">
+                                  <p:stCondLst>
+                                    <p:cond delay="0"/>
+                                  </p:stCondLst>
+                                  <p:childTnLst>
+                                    <p:set>
+                                      <p:cBhvr>
+                                        <p:cTn id="14" dur="1" fill="hold">
+                                          <p:stCondLst>
+                                            <p:cond delay="0"/>
+                                          </p:stCondLst>
+                                        </p:cTn>
+                                        <p:tgtEl>
+                                          <p:spTgt spid="3">
+                                            <p:txEl>
+                                              <p:pRg st="2" end="2"/>
+                                            </p:txEl>
+                                          </p:spTgt>
+                                        </p:tgtEl>
+                                        <p:attrNameLst>
+                                          <p:attrName>style.visibility</p:attrName>
+                                        </p:attrNameLst>
+                                      </p:cBhvr>
+                                      <p:to>
+                                        <p:strVal val="visible"/>
+                                      </p:to>
+                                    </p:set>
+                                  </p:childTnLst>
+                                </p:cTn>
+                              </p:par>
+                            </p:childTnLst>
+                          </p:cTn>
+                        </p:par>
+                      </p:childTnLst>
+                    </p:cTn>
+                  </p:par>
+                  <p:par>
+                    <p:cTn id="15" fill="hold">
+                      <p:stCondLst>
+                        <p:cond delay="indefinite"/>
+                      </p:stCondLst>
+                      <p:childTnLst>
+                        <p:par>
+                          <p:cTn id="16" fill="hold">
+                            <p:stCondLst>
+                              <p:cond delay="0"/>
+                            </p:stCondLst>
+                            <p:childTnLst>
+                              <p:par>
+                                <p:cTn id="17" presetID="1" presetClass="entr" presetSubtype="0" fill="hold" grpId="0" nodeType="clickEffect">
+                                  <p:stCondLst>
+                                    <p:cond delay="0"/>
+                                  </p:stCondLst>
+                                  <p:childTnLst>
+                                    <p:set>
+                                      <p:cBhvr>
+                                        <p:cTn id="18" dur="1" fill="hold">
+                                          <p:stCondLst>
+                                            <p:cond delay="0"/>
+                                          </p:stCondLst>
+                                        </p:cTn>
+                                        <p:tgtEl>
+                                          <p:spTgt spid="3">
+                                            <p:txEl>
+                                              <p:pRg st="3" end="3"/>
+                                            </p:txEl>
+                                          </p:spTgt>
+                                        </p:tgtEl>
+                                        <p:attrNameLst>
+                                          <p:attrName>style.visibility</p:attrName>
+                                        </p:attrNameLst>
+                                      </p:cBhvr>
+                                      <p:to>
+                                        <p:strVal val="visible"/>
+                                      </p:to>
+                                    </p:set>
+                                  </p:childTnLst>
+                                </p:cTn>
+                              </p:par>
+                            </p:childTnLst>
+                          </p:cTn>
+                        </p:par>
+                      </p:childTnLst>
+                    </p:cTn>
+                  </p:par>
+                  <p:par>
+                    <p:cTn id="19" fill="hold">
+                      <p:stCondLst>
+                        <p:cond delay="indefinite"/>
+                      </p:stCondLst>
+                      <p:childTnLst>
+                        <p:par>
+                          <p:cTn id="20" fill="hold">
+                            <p:stCondLst>
+                              <p:cond delay="0"/>
+                            </p:stCondLst>
+                            <p:childTnLst>
+                              <p:par>
+                                <p:cTn id="21" presetID="1" presetClass="entr" presetSubtype="0" fill="hold" grpId="0" nodeType="clickEffect">
+                                  <p:stCondLst>
+                                    <p:cond delay="0"/>
+                                  </p:stCondLst>
+                                  <p:childTnLst>
+                                    <p:set>
+                                      <p:cBhvr>
+                                        <p:cTn id="22" dur="1" fill="hold">
+                                          <p:stCondLst>
+                                            <p:cond delay="0"/>
+                                          </p:stCondLst>
+                                        </p:cTn>
+                                        <p:tgtEl>
+                                          <p:spTgt spid="3">
+                                            <p:txEl>
+                                              <p:pRg st="4" end="4"/>
+                                            </p:txEl>
+                                          </p:spTgt>
+                                        </p:tgtEl>
+                                        <p:attrNameLst>
+                                          <p:attrName>style.visibility</p:attrName>
+                                        </p:attrNameLst>
+                                      </p:cBhvr>
+                                      <p:to>
+                                        <p:strVal val="visible"/>
+                                      </p:to>
+                                    </p:set>
+                                  </p:childTnLst>
+                                </p:cTn>
+                              </p:par>
+                            </p:childTnLst>
+                          </p:cTn>
+                        </p:par>
+                      </p:childTnLst>
+                    </p:cTn>
+                  </p:par>
+                  <p:par>
+                    <p:cTn id="23" fill="hold">
+                      <p:stCondLst>
+                        <p:cond delay="indefinite"/>
+                      </p:stCondLst>
+                      <p:childTnLst>
+                        <p:par>
+                          <p:cTn id="24" fill="hold">
+                            <p:stCondLst>
+                              <p:cond delay="0"/>
+                            </p:stCondLst>
+                            <p:childTnLst>
+                              <p:par>
+                                <p:cTn id="25" presetID="1" presetClass="entr" presetSubtype="0" fill="hold" grpId="0" nodeType="clickEffect">
+                                  <p:stCondLst>
+                                    <p:cond delay="0"/>
+                                  </p:stCondLst>
+                                  <p:childTnLst>
+                                    <p:set>
+                                      <p:cBhvr>
+                                        <p:cTn id="26" dur="1" fill="hold">
+                                          <p:stCondLst>
+                                            <p:cond delay="0"/>
+                                          </p:stCondLst>
+                                        </p:cTn>
+                                        <p:tgtEl>
+                                          <p:spTgt spid="3">
+                                            <p:txEl>
+                                              <p:pRg st="6" end="6"/>
+                                            </p:txEl>
+                                          </p:spTgt>
+                                        </p:tgtEl>
+                                        <p:attrNameLst>
+                                          <p:attrName>style.visibility</p:attrName>
+                                        </p:attrNameLst>
+                                      </p:cBhvr>
+                                      <p:to>
+                                        <p:strVal val="visible"/>
+                                      </p:to>
+                                    </p:set>
+                                  </p:childTnLst>
+                                </p:cTn>
+                              </p:par>
+                            </p:childTnLst>
+                          </p:cTn>
+                        </p:par>
+                      </p:childTnLst>
+                    </p:cTn>
+                  </p:par>
+                  <p:par>
+                    <p:cTn id="27" fill="hold">
+                      <p:stCondLst>
+                        <p:cond delay="indefinite"/>
+                      </p:stCondLst>
+                      <p:childTnLst>
+                        <p:par>
+                          <p:cTn id="28" fill="hold">
+                            <p:stCondLst>
+                              <p:cond delay="0"/>
+                            </p:stCondLst>
+                            <p:childTnLst>
+                              <p:par>
+                                <p:cTn id="29" presetID="1" presetClass="entr" presetSubtype="0" fill="hold" grpId="0" nodeType="clickEffect">
+                                  <p:stCondLst>
+                                    <p:cond delay="0"/>
+                                  </p:stCondLst>
+                                  <p:childTnLst>
+                                    <p:set>
+                                      <p:cBhvr>
+                                        <p:cTn id="30" dur="1" fill="hold">
+                                          <p:stCondLst>
+                                            <p:cond delay="0"/>
+                                          </p:stCondLst>
+                                        </p:cTn>
+                                        <p:tgtEl>
+                                          <p:spTgt spid="3">
+                                            <p:txEl>
+                                              <p:pRg st="7" end="7"/>
+                                            </p:txEl>
+                                          </p:spTgt>
+                                        </p:tgtEl>
+                                        <p:attrNameLst>
+                                          <p:attrName>style.visibility</p:attrName>
+                                        </p:attrNameLst>
+                                      </p:cBhvr>
+                                      <p:to>
+                                        <p:strVal val="visible"/>
+                                      </p:to>
+                                    </p:set>
+                                  </p:childTnLst>
+                                </p:cTn>
+                              </p:par>
+                            </p:childTnLst>
+                          </p:cTn>
+                        </p:par>
+                      </p:childTnLst>
+                    </p:cTn>
+                  </p:par>
+                </p:childTnLst>
+              </p:cTn>
+              <p:prevCondLst>
+                <p:cond evt="onPrev" delay="0">
+                  <p:tgtEl>
+                    <p:sldTgt/>
+                  </p:tgtEl>
+                </p:cond>
+              </p:prevCondLst>
+              <p:nextCondLst>
+                <p:cond evt="onNext" delay="0">
+                  <p:tgtEl>
+                    <p:sldTgt/>
+                  </p:tgtEl>
+                </p:cond>
+              </p:nextCondLst>
+            </p:seq>
+          </p:childTnLst>
+        </p:cTn>
+      </p:par>
+    </p:tnLst>
+    <p:bldLst>
+      <p:bldP spid="3" grpId="0" uiExpand="1" build="p"/>
+    </p:bldLst>
+  </p:timing>
+</p:sld>
+</file>
+
+<file path=ppt/slides/slide17.xml><?xml version="1.0" encoding="utf-8"?>
+<p:sld xmlns:a="http://schemas.openxmlformats.org/drawingml/2006/main" xmlns:r="http://schemas.openxmlformats.org/officeDocument/2006/relationships" xmlns:p="http://schemas.openxmlformats.org/presentationml/2006/main">
+  <p:cSld>
+    <p:spTree>
+      <p:nvGrpSpPr>
+        <p:cNvPr id="1" name=""/>
+        <p:cNvGrpSpPr/>
+        <p:nvPr/>
+      </p:nvGrpSpPr>
+      <p:grpSpPr>
+        <a:xfrm>
+          <a:off x="0" y="0"/>
+          <a:ext cx="0" cy="0"/>
+          <a:chOff x="0" y="0"/>
+          <a:chExt cx="0" cy="0"/>
+        </a:xfrm>
+      </p:grpSpPr>
+      <p:sp>
+        <p:nvSpPr>
+          <p:cNvPr id="2" name="Title 1"/>
+          <p:cNvSpPr>
+            <a:spLocks noGrp="1"/>
+          </p:cNvSpPr>
+          <p:nvPr>
+            <p:ph type="title"/>
+          </p:nvPr>
+        </p:nvSpPr>
+        <p:spPr/>
+        <p:txBody>
+          <a:bodyPr/>
+          <a:lstStyle/>
+          <a:p>
+            <a:pPr lvl="0" indent="0" marL="0">
+              <a:buNone/>
+            </a:pPr>
+            <a:r>
+              <a:rPr/>
+              <a:t>Variants</a:t>
+            </a:r>
+          </a:p>
+        </p:txBody>
+      </p:sp>
+      <p:sp>
+        <p:nvSpPr>
+          <p:cNvPr id="3" name="Content Placeholder 2"/>
+          <p:cNvSpPr>
+            <a:spLocks noGrp="1"/>
+          </p:cNvSpPr>
+          <p:nvPr>
+            <p:ph idx="1"/>
+          </p:nvPr>
+        </p:nvSpPr>
+        <p:spPr/>
+        <p:txBody>
+          <a:bodyPr/>
+          <a:lstStyle/>
+          <a:p>
+            <a:pPr lvl="0"/>
+            <a:r>
+              <a:rPr/>
+              <a:t>피그마와는 달리, 모든 하위 Variants는 또한 Primary Variant의 인스턴스임.</a:t>
+            </a:r>
+          </a:p>
+          <a:p>
+            <a:pPr lvl="1"/>
+            <a:r>
+              <a:rPr/>
+              <a:t>따라서 기본적으로 모든 Variant는 Primary Variant의 속성 값을 상속하며, 레이어 구조를 변경할 수 없음</a:t>
+            </a:r>
+          </a:p>
+          <a:p>
+            <a:pPr lvl="0"/>
+            <a:r>
+              <a:rPr/>
+              <a:t>클릭 이벤트를 위한 Hover/Pressed Variants는 별도의 차원(Dimension)으로 배치됨</a:t>
+            </a:r>
+          </a:p>
+          <a:p>
+            <a:pPr lvl="0"/>
+            <a:r>
+              <a:rPr/>
+              <a:t>상위 프레임의 Border는 모든 것의 위에(Z축 상) 있으므로, Variant를 활용할 때 주의</a:t>
+            </a:r>
+          </a:p>
+        </p:txBody>
+      </p:sp>
+    </p:spTree>
+  </p:cSld>
+  <p:timing>
+    <p:tnLst>
+      <p:par>
+        <p:cTn id="1" dur="indefinite" restart="never" nodeType="tmRoot">
+          <p:childTnLst>
+            <p:seq concurrent="1" nextAc="seek">
+              <p:cTn id="2" dur="indefinite" nodeType="mainSeq">
+                <p:childTnLst>
+                  <p:par>
+                    <p:cTn id="3" fill="hold">
+                      <p:stCondLst>
+                        <p:cond delay="indefinite"/>
+                      </p:stCondLst>
+                      <p:childTnLst>
+                        <p:par>
+                          <p:cTn id="4" fill="hold">
+                            <p:stCondLst>
+                              <p:cond delay="0"/>
+                            </p:stCondLst>
+                            <p:childTnLst>
+                              <p:par>
+                                <p:cTn id="5" presetID="1" presetClass="entr" presetSubtype="0" fill="hold" grpId="0" nodeType="clickEffect">
+                                  <p:stCondLst>
+                                    <p:cond delay="0"/>
+                                  </p:stCondLst>
+                                  <p:childTnLst>
+                                    <p:set>
+                                      <p:cBhvr>
+                                        <p:cTn id="6" dur="1" fill="hold">
+                                          <p:stCondLst>
+                                            <p:cond delay="0"/>
+                                          </p:stCondLst>
+                                        </p:cTn>
+                                        <p:tgtEl>
+                                          <p:spTgt spid="3">
+                                            <p:txEl>
+                                              <p:pRg st="0" end="0"/>
+                                            </p:txEl>
+                                          </p:spTgt>
+                                        </p:tgtEl>
+                                        <p:attrNameLst>
+                                          <p:attrName>style.visibility</p:attrName>
+                                        </p:attrNameLst>
+                                      </p:cBhvr>
+                                      <p:to>
+                                        <p:strVal val="visible"/>
+                                      </p:to>
+                                    </p:set>
+                                  </p:childTnLst>
+                                </p:cTn>
+                              </p:par>
+                            </p:childTnLst>
+                          </p:cTn>
+                        </p:par>
+                      </p:childTnLst>
+                    </p:cTn>
+                  </p:par>
+                  <p:par>
+                    <p:cTn id="7" fill="hold">
+                      <p:stCondLst>
+                        <p:cond delay="indefinite"/>
+                      </p:stCondLst>
+                      <p:childTnLst>
+                        <p:par>
+                          <p:cTn id="8" fill="hold">
+                            <p:stCondLst>
+                              <p:cond delay="0"/>
+                            </p:stCondLst>
+                            <p:childTnLst>
+                              <p:par>
+                                <p:cTn id="9" presetID="1" presetClass="entr" presetSubtype="0" fill="hold" grpId="0" nodeType="clickEffect">
+                                  <p:stCondLst>
+                                    <p:cond delay="0"/>
+                                  </p:stCondLst>
+                                  <p:childTnLst>
+                                    <p:set>
+                                      <p:cBhvr>
+                                        <p:cTn id="10" dur="1" fill="hold">
+                                          <p:stCondLst>
+                                            <p:cond delay="0"/>
+                                          </p:stCondLst>
+                                        </p:cTn>
+                                        <p:tgtEl>
+                                          <p:spTgt spid="3">
+                                            <p:txEl>
+                                              <p:pRg st="1" end="1"/>
+                                            </p:txEl>
+                                          </p:spTgt>
+                                        </p:tgtEl>
+                                        <p:attrNameLst>
+                                          <p:attrName>style.visibility</p:attrName>
+                                        </p:attrNameLst>
+                                      </p:cBhvr>
+                                      <p:to>
+                                        <p:strVal val="visible"/>
+                                      </p:to>
+                                    </p:set>
+                                  </p:childTnLst>
+                                </p:cTn>
+                              </p:par>
+                            </p:childTnLst>
+                          </p:cTn>
+                        </p:par>
+                      </p:childTnLst>
+                    </p:cTn>
+                  </p:par>
+                  <p:par>
+                    <p:cTn id="11" fill="hold">
+                      <p:stCondLst>
+                        <p:cond delay="indefinite"/>
+                      </p:stCondLst>
+                      <p:childTnLst>
+                        <p:par>
+                          <p:cTn id="12" fill="hold">
+                            <p:stCondLst>
+                              <p:cond delay="0"/>
+                            </p:stCondLst>
+                            <p:childTnLst>
+                              <p:par>
+                                <p:cTn id="13" presetID="1" presetClass="entr" presetSubtype="0" fill="hold" grpId="0" nodeType="clickEffect">
+                                  <p:stCondLst>
+                                    <p:cond delay="0"/>
+                                  </p:stCondLst>
+                                  <p:childTnLst>
+                                    <p:set>
+                                      <p:cBhvr>
+                                        <p:cTn id="14" dur="1" fill="hold">
+                                          <p:stCondLst>
+                                            <p:cond delay="0"/>
+                                          </p:stCondLst>
+                                        </p:cTn>
+                                        <p:tgtEl>
+                                          <p:spTgt spid="3">
+                                            <p:txEl>
+                                              <p:pRg st="2" end="2"/>
+                                            </p:txEl>
+                                          </p:spTgt>
+                                        </p:tgtEl>
+                                        <p:attrNameLst>
+                                          <p:attrName>style.visibility</p:attrName>
+                                        </p:attrNameLst>
+                                      </p:cBhvr>
+                                      <p:to>
+                                        <p:strVal val="visible"/>
+                                      </p:to>
+                                    </p:set>
+                                  </p:childTnLst>
+                                </p:cTn>
+                              </p:par>
+                            </p:childTnLst>
+                          </p:cTn>
+                        </p:par>
+                      </p:childTnLst>
+                    </p:cTn>
+                  </p:par>
+                  <p:par>
+                    <p:cTn id="15" fill="hold">
+                      <p:stCondLst>
+                        <p:cond delay="indefinite"/>
+                      </p:stCondLst>
+                      <p:childTnLst>
+                        <p:par>
+                          <p:cTn id="16" fill="hold">
+                            <p:stCondLst>
+                              <p:cond delay="0"/>
+                            </p:stCondLst>
+                            <p:childTnLst>
+                              <p:par>
+                                <p:cTn id="17" presetID="1" presetClass="entr" presetSubtype="0" fill="hold" grpId="0" nodeType="clickEffect">
+                                  <p:stCondLst>
+                                    <p:cond delay="0"/>
+                                  </p:stCondLst>
+                                  <p:childTnLst>
+                                    <p:set>
+                                      <p:cBhvr>
+                                        <p:cTn id="18" dur="1" fill="hold">
+                                          <p:stCondLst>
+                                            <p:cond delay="0"/>
+                                          </p:stCondLst>
+                                        </p:cTn>
+                                        <p:tgtEl>
+                                          <p:spTgt spid="3">
+                                            <p:txEl>
+                                              <p:pRg st="3" end="3"/>
+                                            </p:txEl>
+                                          </p:spTgt>
+                                        </p:tgtEl>
+                                        <p:attrNameLst>
+                                          <p:attrName>style.visibility</p:attrName>
+                                        </p:attrNameLst>
+                                      </p:cBhvr>
+                                      <p:to>
+                                        <p:strVal val="visible"/>
+                                      </p:to>
+                                    </p:set>
+                                  </p:childTnLst>
+                                </p:cTn>
+                              </p:par>
+                            </p:childTnLst>
+                          </p:cTn>
+                        </p:par>
+                      </p:childTnLst>
+                    </p:cTn>
+                  </p:par>
+                </p:childTnLst>
+              </p:cTn>
+              <p:prevCondLst>
+                <p:cond evt="onPrev" delay="0">
+                  <p:tgtEl>
+                    <p:sldTgt/>
+                  </p:tgtEl>
+                </p:cond>
+              </p:prevCondLst>
+              <p:nextCondLst>
+                <p:cond evt="onNext" delay="0">
+                  <p:tgtEl>
+                    <p:sldTgt/>
+                  </p:tgtEl>
+                </p:cond>
+              </p:nextCondLst>
+            </p:seq>
+          </p:childTnLst>
+        </p:cTn>
+      </p:par>
+    </p:tnLst>
+    <p:bldLst>
+      <p:bldP spid="3" grpId="0" uiExpand="1" build="p"/>
+    </p:bldLst>
+  </p:timing>
+</p:sld>
+</file>
+
+<file path=ppt/slides/slide18.xml><?xml version="1.0" encoding="utf-8"?>
+<p:sld xmlns:a="http://schemas.openxmlformats.org/drawingml/2006/main" xmlns:r="http://schemas.openxmlformats.org/officeDocument/2006/relationships" xmlns:p="http://schemas.openxmlformats.org/presentationml/2006/main">
+  <p:cSld>
+    <p:spTree>
+      <p:nvGrpSpPr>
+        <p:cNvPr id="1" name=""/>
+        <p:cNvGrpSpPr/>
+        <p:nvPr/>
+      </p:nvGrpSpPr>
+      <p:grpSpPr>
+        <a:xfrm>
+          <a:off x="0" y="0"/>
+          <a:ext cx="0" cy="0"/>
+          <a:chOff x="0" y="0"/>
+          <a:chExt cx="0" cy="0"/>
+        </a:xfrm>
+      </p:grpSpPr>
+      <p:sp>
+        <p:nvSpPr>
+          <p:cNvPr id="2" name="Title 1"/>
+          <p:cNvSpPr>
+            <a:spLocks noGrp="1"/>
+          </p:cNvSpPr>
+          <p:nvPr>
+            <p:ph type="title"/>
+          </p:nvPr>
+        </p:nvSpPr>
+        <p:spPr/>
+        <p:txBody>
+          <a:bodyPr/>
+          <a:lstStyle/>
+          <a:p>
+            <a:pPr lvl="0" indent="0" marL="0">
+              <a:buNone/>
+            </a:pPr>
+            <a:r>
+              <a:rPr/>
+              <a:t>Transitions</a:t>
+            </a:r>
+          </a:p>
+        </p:txBody>
+      </p:sp>
+      <p:sp>
+        <p:nvSpPr>
+          <p:cNvPr id="3" name="Content Placeholder 2"/>
+          <p:cNvSpPr>
+            <a:spLocks noGrp="1"/>
+          </p:cNvSpPr>
+          <p:nvPr>
+            <p:ph idx="1"/>
+          </p:nvPr>
+        </p:nvSpPr>
+        <p:spPr/>
+        <p:txBody>
+          <a:bodyPr/>
+          <a:lstStyle/>
+          <a:p>
+            <a:pPr lvl="0"/>
+            <a:r>
+              <a:rPr/>
+              <a:t>프레이머에서 애니메이션을 구현하는 방법은 요소 자체에 Transition 속성을 정의해놓고, 이 요소가 다음 프레임 또는 Variant에서 변경될 때 요소 자체적으로 가지고 있는 Transition 속성을 참고하여 애니메이트하는 것.</a:t>
+            </a:r>
+          </a:p>
+          <a:p>
+            <a:pPr lvl="1"/>
+            <a:r>
+              <a:rPr/>
+              <a:t>선언형(Declarative)이라고 한다</a:t>
+            </a:r>
+          </a:p>
+          <a:p>
+            <a:pPr lvl="1"/>
+            <a:r>
+              <a:rPr/>
+              <a:t>따라서 다음 프레임/Variant에서 두 개의 요소가 동일한 요소로 판정될 필요 있음.</a:t>
+            </a:r>
+          </a:p>
+          <a:p>
+            <a:pPr lvl="2"/>
+            <a:r>
+              <a:rPr/>
+              <a:t>Variant에서는 레이어 구조가 변경되지 않으니 문제가 없음.</a:t>
+            </a:r>
+          </a:p>
+          <a:p>
+            <a:pPr lvl="0"/>
+            <a:r>
+              <a:rPr/>
+              <a:t>즉 요소의 전후상태를 일종의 키프레임으로 만들어 사잇값을 요소의 프로퍼티를 사용해 생성하는 형태로 작동하게 된다. 이 때 Transition 속성이 요소에 종속되는 것에 주의</a:t>
+            </a:r>
+          </a:p>
+        </p:txBody>
+      </p:sp>
+    </p:spTree>
+  </p:cSld>
+  <p:timing>
+    <p:tnLst>
+      <p:par>
+        <p:cTn id="1" dur="indefinite" restart="never" nodeType="tmRoot">
+          <p:childTnLst>
+            <p:seq concurrent="1" nextAc="seek">
+              <p:cTn id="2" dur="indefinite" nodeType="mainSeq">
+                <p:childTnLst>
+                  <p:par>
+                    <p:cTn id="3" fill="hold">
+                      <p:stCondLst>
+                        <p:cond delay="indefinite"/>
+                      </p:stCondLst>
+                      <p:childTnLst>
+                        <p:par>
+                          <p:cTn id="4" fill="hold">
+                            <p:stCondLst>
+                              <p:cond delay="0"/>
+                            </p:stCondLst>
+                            <p:childTnLst>
+                              <p:par>
+                                <p:cTn id="5" presetID="1" presetClass="entr" presetSubtype="0" fill="hold" grpId="0" nodeType="clickEffect">
+                                  <p:stCondLst>
+                                    <p:cond delay="0"/>
+                                  </p:stCondLst>
+                                  <p:childTnLst>
+                                    <p:set>
+                                      <p:cBhvr>
+                                        <p:cTn id="6" dur="1" fill="hold">
+                                          <p:stCondLst>
+                                            <p:cond delay="0"/>
+                                          </p:stCondLst>
+                                        </p:cTn>
+                                        <p:tgtEl>
+                                          <p:spTgt spid="3">
+                                            <p:txEl>
+                                              <p:pRg st="0" end="0"/>
+                                            </p:txEl>
+                                          </p:spTgt>
+                                        </p:tgtEl>
+                                        <p:attrNameLst>
+                                          <p:attrName>style.visibility</p:attrName>
+                                        </p:attrNameLst>
+                                      </p:cBhvr>
+                                      <p:to>
+                                        <p:strVal val="visible"/>
+                                      </p:to>
+                                    </p:set>
+                                  </p:childTnLst>
+                                </p:cTn>
+                              </p:par>
+                            </p:childTnLst>
+                          </p:cTn>
+                        </p:par>
+                      </p:childTnLst>
+                    </p:cTn>
+                  </p:par>
+                  <p:par>
+                    <p:cTn id="7" fill="hold">
+                      <p:stCondLst>
+                        <p:cond delay="indefinite"/>
+                      </p:stCondLst>
+                      <p:childTnLst>
+                        <p:par>
+                          <p:cTn id="8" fill="hold">
+                            <p:stCondLst>
+                              <p:cond delay="0"/>
+                            </p:stCondLst>
+                            <p:childTnLst>
+                              <p:par>
+                                <p:cTn id="9" presetID="1" presetClass="entr" presetSubtype="0" fill="hold" grpId="0" nodeType="clickEffect">
+                                  <p:stCondLst>
+                                    <p:cond delay="0"/>
+                                  </p:stCondLst>
+                                  <p:childTnLst>
+                                    <p:set>
+                                      <p:cBhvr>
+                                        <p:cTn id="10" dur="1" fill="hold">
+                                          <p:stCondLst>
+                                            <p:cond delay="0"/>
+                                          </p:stCondLst>
+                                        </p:cTn>
+                                        <p:tgtEl>
+                                          <p:spTgt spid="3">
+                                            <p:txEl>
+                                              <p:pRg st="1" end="1"/>
+                                            </p:txEl>
+                                          </p:spTgt>
+                                        </p:tgtEl>
+                                        <p:attrNameLst>
+                                          <p:attrName>style.visibility</p:attrName>
+                                        </p:attrNameLst>
+                                      </p:cBhvr>
+                                      <p:to>
+                                        <p:strVal val="visible"/>
+                                      </p:to>
+                                    </p:set>
+                                  </p:childTnLst>
+                                </p:cTn>
+                              </p:par>
+                            </p:childTnLst>
+                          </p:cTn>
+                        </p:par>
+                      </p:childTnLst>
+                    </p:cTn>
+                  </p:par>
+                  <p:par>
+                    <p:cTn id="11" fill="hold">
+                      <p:stCondLst>
+                        <p:cond delay="indefinite"/>
+                      </p:stCondLst>
+                      <p:childTnLst>
+                        <p:par>
+                          <p:cTn id="12" fill="hold">
+                            <p:stCondLst>
+                              <p:cond delay="0"/>
+                            </p:stCondLst>
+                            <p:childTnLst>
+                              <p:par>
+                                <p:cTn id="13" presetID="1" presetClass="entr" presetSubtype="0" fill="hold" grpId="0" nodeType="clickEffect">
+                                  <p:stCondLst>
+                                    <p:cond delay="0"/>
+                                  </p:stCondLst>
+                                  <p:childTnLst>
+                                    <p:set>
+                                      <p:cBhvr>
+                                        <p:cTn id="14" dur="1" fill="hold">
+                                          <p:stCondLst>
+                                            <p:cond delay="0"/>
+                                          </p:stCondLst>
+                                        </p:cTn>
+                                        <p:tgtEl>
+                                          <p:spTgt spid="3">
+                                            <p:txEl>
+                                              <p:pRg st="2" end="2"/>
+                                            </p:txEl>
+                                          </p:spTgt>
+                                        </p:tgtEl>
+                                        <p:attrNameLst>
+                                          <p:attrName>style.visibility</p:attrName>
+                                        </p:attrNameLst>
+                                      </p:cBhvr>
+                                      <p:to>
+                                        <p:strVal val="visible"/>
+                                      </p:to>
+                                    </p:set>
+                                  </p:childTnLst>
+                                </p:cTn>
+                              </p:par>
+                            </p:childTnLst>
+                          </p:cTn>
+                        </p:par>
+                      </p:childTnLst>
+                    </p:cTn>
+                  </p:par>
+                  <p:par>
+                    <p:cTn id="15" fill="hold">
+                      <p:stCondLst>
+                        <p:cond delay="indefinite"/>
+                      </p:stCondLst>
+                      <p:childTnLst>
+                        <p:par>
+                          <p:cTn id="16" fill="hold">
+                            <p:stCondLst>
+                              <p:cond delay="0"/>
+                            </p:stCondLst>
+                            <p:childTnLst>
+                              <p:par>
+                                <p:cTn id="17" presetID="1" presetClass="entr" presetSubtype="0" fill="hold" grpId="0" nodeType="clickEffect">
+                                  <p:stCondLst>
+                                    <p:cond delay="0"/>
+                                  </p:stCondLst>
+                                  <p:childTnLst>
+                                    <p:set>
+                                      <p:cBhvr>
+                                        <p:cTn id="18" dur="1" fill="hold">
+                                          <p:stCondLst>
+                                            <p:cond delay="0"/>
+                                          </p:stCondLst>
+                                        </p:cTn>
+                                        <p:tgtEl>
+                                          <p:spTgt spid="3">
+                                            <p:txEl>
+                                              <p:pRg st="3" end="3"/>
+                                            </p:txEl>
+                                          </p:spTgt>
+                                        </p:tgtEl>
+                                        <p:attrNameLst>
+                                          <p:attrName>style.visibility</p:attrName>
+                                        </p:attrNameLst>
+                                      </p:cBhvr>
+                                      <p:to>
+                                        <p:strVal val="visible"/>
+                                      </p:to>
+                                    </p:set>
+                                  </p:childTnLst>
+                                </p:cTn>
+                              </p:par>
+                            </p:childTnLst>
+                          </p:cTn>
+                        </p:par>
+                      </p:childTnLst>
+                    </p:cTn>
+                  </p:par>
+                  <p:par>
+                    <p:cTn id="19" fill="hold">
+                      <p:stCondLst>
+                        <p:cond delay="indefinite"/>
+                      </p:stCondLst>
+                      <p:childTnLst>
+                        <p:par>
+                          <p:cTn id="20" fill="hold">
+                            <p:stCondLst>
+                              <p:cond delay="0"/>
+                            </p:stCondLst>
+                            <p:childTnLst>
+                              <p:par>
+                                <p:cTn id="21" presetID="1" presetClass="entr" presetSubtype="0" fill="hold" grpId="0" nodeType="clickEffect">
+                                  <p:stCondLst>
+                                    <p:cond delay="0"/>
+                                  </p:stCondLst>
+                                  <p:childTnLst>
+                                    <p:set>
+                                      <p:cBhvr>
+                                        <p:cTn id="22" dur="1" fill="hold">
+                                          <p:stCondLst>
+                                            <p:cond delay="0"/>
+                                          </p:stCondLst>
+                                        </p:cTn>
+                                        <p:tgtEl>
+                                          <p:spTgt spid="3">
+                                            <p:txEl>
+                                              <p:pRg st="4" end="4"/>
+                                            </p:txEl>
+                                          </p:spTgt>
+                                        </p:tgtEl>
+                                        <p:attrNameLst>
+                                          <p:attrName>style.visibility</p:attrName>
+                                        </p:attrNameLst>
+                                      </p:cBhvr>
+                                      <p:to>
+                                        <p:strVal val="visible"/>
+                                      </p:to>
+                                    </p:set>
+                                  </p:childTnLst>
+                                </p:cTn>
+                              </p:par>
+                            </p:childTnLst>
+                          </p:cTn>
+                        </p:par>
+                      </p:childTnLst>
+                    </p:cTn>
+                  </p:par>
+                </p:childTnLst>
+              </p:cTn>
+              <p:prevCondLst>
+                <p:cond evt="onPrev" delay="0">
+                  <p:tgtEl>
+                    <p:sldTgt/>
+                  </p:tgtEl>
+                </p:cond>
+              </p:prevCondLst>
+              <p:nextCondLst>
+                <p:cond evt="onNext" delay="0">
+                  <p:tgtEl>
+                    <p:sldTgt/>
+                  </p:tgtEl>
+                </p:cond>
+              </p:nextCondLst>
+            </p:seq>
+          </p:childTnLst>
+        </p:cTn>
+      </p:par>
+    </p:tnLst>
+    <p:bldLst>
+      <p:bldP spid="3" grpId="0" uiExpand="1" build="p"/>
+    </p:bldLst>
+  </p:timing>
+</p:sld>
+</file>
+
+<file path=ppt/slides/slide2.xml><?xml version="1.0" encoding="utf-8"?>
+<p:sld xmlns:a="http://schemas.openxmlformats.org/drawingml/2006/main" xmlns:r="http://schemas.openxmlformats.org/officeDocument/2006/relationships" xmlns:p="http://schemas.openxmlformats.org/presentationml/2006/main">
+  <p:cSld>
+    <p:spTree>
+      <p:nvGrpSpPr>
+        <p:cNvPr id="1" name=""/>
+        <p:cNvGrpSpPr/>
+        <p:nvPr/>
+      </p:nvGrpSpPr>
+      <p:grpSpPr>
+        <a:xfrm>
+          <a:off x="0" y="0"/>
+          <a:ext cx="0" cy="0"/>
+          <a:chOff x="0" y="0"/>
+          <a:chExt cx="0" cy="0"/>
+        </a:xfrm>
+      </p:grpSpPr>
+      <p:sp>
+        <p:nvSpPr>
+          <p:cNvPr id="2" name="Title 1"/>
+          <p:cNvSpPr>
+            <a:spLocks noGrp="1"/>
+          </p:cNvSpPr>
+          <p:nvPr>
+            <p:ph type="title"/>
+          </p:nvPr>
+        </p:nvSpPr>
+        <p:spPr/>
+        <p:txBody>
+          <a:bodyPr/>
+          <a:lstStyle/>
+          <a:p>
+            <a:pPr lvl="0" indent="0" marL="0">
+              <a:buNone/>
+            </a:pPr>
+            <a:r>
+              <a:rPr/>
+              <a:t>프레이머</a:t>
+            </a:r>
+          </a:p>
+        </p:txBody>
+      </p:sp>
+      <p:sp>
+        <p:nvSpPr>
+          <p:cNvPr id="3" name="Content Placeholder 2"/>
+          <p:cNvSpPr>
+            <a:spLocks noGrp="1"/>
+          </p:cNvSpPr>
+          <p:nvPr>
+            <p:ph idx="1"/>
+          </p:nvPr>
+        </p:nvSpPr>
+        <p:spPr/>
+        <p:txBody>
+          <a:bodyPr/>
+          <a:lstStyle/>
+          <a:p>
+            <a:pPr lvl="0"/>
+            <a:r>
+              <a:rPr/>
+              <a:t>Framer.js</a:t>
+            </a:r>
+          </a:p>
+          <a:p>
+            <a:pPr lvl="1"/>
+            <a:r>
+              <a:rPr/>
+              <a:t>Framer Studio (Coffee Script)</a:t>
+            </a:r>
+          </a:p>
+          <a:p>
+            <a:pPr lvl="1"/>
+            <a:r>
+              <a:rPr/>
+              <a:t>Framer Classic</a:t>
+            </a:r>
+          </a:p>
+          <a:p>
+            <a:pPr lvl="1"/>
+            <a:r>
+              <a:rPr/>
+              <a:t>Framer Web</a:t>
+            </a:r>
+          </a:p>
+          <a:p>
+            <a:pPr lvl="0"/>
+            <a:r>
+              <a:rPr/>
+              <a:t>피그마와 같은 프로토타이핑 도구였음</a:t>
+            </a:r>
+          </a:p>
+          <a:p>
+            <a:pPr lvl="0"/>
+            <a:r>
+              <a:rPr/>
+              <a:t>React.js 기반 컴포넌트를 사용하는 프로토타이핑 도구</a:t>
+            </a:r>
+          </a:p>
+          <a:p>
+            <a:pPr lvl="1"/>
+            <a:r>
+              <a:rPr/>
+              <a:t>따라서 노코드이면서 로우코드</a:t>
+            </a:r>
+          </a:p>
+        </p:txBody>
+      </p:sp>
+    </p:spTree>
+  </p:cSld>
+  <p:timing>
+    <p:tnLst>
+      <p:par>
+        <p:cTn id="1" dur="indefinite" restart="never" nodeType="tmRoot">
+          <p:childTnLst>
+            <p:seq concurrent="1" nextAc="seek">
+              <p:cTn id="2" dur="indefinite" nodeType="mainSeq">
+                <p:childTnLst>
+                  <p:par>
+                    <p:cTn id="3" fill="hold">
+                      <p:stCondLst>
+                        <p:cond delay="indefinite"/>
+                      </p:stCondLst>
+                      <p:childTnLst>
+                        <p:par>
+                          <p:cTn id="4" fill="hold">
+                            <p:stCondLst>
+                              <p:cond delay="0"/>
+                            </p:stCondLst>
+                            <p:childTnLst>
+                              <p:par>
+                                <p:cTn id="5" presetID="1" presetClass="entr" presetSubtype="0" fill="hold" grpId="0" nodeType="clickEffect">
+                                  <p:stCondLst>
+                                    <p:cond delay="0"/>
+                                  </p:stCondLst>
+                                  <p:childTnLst>
+                                    <p:set>
+                                      <p:cBhvr>
+                                        <p:cTn id="6" dur="1" fill="hold">
+                                          <p:stCondLst>
+                                            <p:cond delay="0"/>
+                                          </p:stCondLst>
+                                        </p:cTn>
+                                        <p:tgtEl>
+                                          <p:spTgt spid="3">
+                                            <p:txEl>
+                                              <p:pRg st="0" end="0"/>
+                                            </p:txEl>
+                                          </p:spTgt>
+                                        </p:tgtEl>
+                                        <p:attrNameLst>
+                                          <p:attrName>style.visibility</p:attrName>
+                                        </p:attrNameLst>
+                                      </p:cBhvr>
+                                      <p:to>
+                                        <p:strVal val="visible"/>
+                                      </p:to>
+                                    </p:set>
+                                  </p:childTnLst>
+                                </p:cTn>
+                              </p:par>
+                            </p:childTnLst>
+                          </p:cTn>
+                        </p:par>
+                      </p:childTnLst>
+                    </p:cTn>
+                  </p:par>
+                  <p:par>
+                    <p:cTn id="7" fill="hold">
+                      <p:stCondLst>
+                        <p:cond delay="indefinite"/>
+                      </p:stCondLst>
+                      <p:childTnLst>
+                        <p:par>
+                          <p:cTn id="8" fill="hold">
+                            <p:stCondLst>
+                              <p:cond delay="0"/>
+                            </p:stCondLst>
+                            <p:childTnLst>
+                              <p:par>
+                                <p:cTn id="9" presetID="1" presetClass="entr" presetSubtype="0" fill="hold" grpId="0" nodeType="clickEffect">
+                                  <p:stCondLst>
+                                    <p:cond delay="0"/>
+                                  </p:stCondLst>
+                                  <p:childTnLst>
+                                    <p:set>
+                                      <p:cBhvr>
+                                        <p:cTn id="10" dur="1" fill="hold">
+                                          <p:stCondLst>
+                                            <p:cond delay="0"/>
+                                          </p:stCondLst>
+                                        </p:cTn>
+                                        <p:tgtEl>
+                                          <p:spTgt spid="3">
+                                            <p:txEl>
+                                              <p:pRg st="1" end="1"/>
+                                            </p:txEl>
+                                          </p:spTgt>
+                                        </p:tgtEl>
+                                        <p:attrNameLst>
+                                          <p:attrName>style.visibility</p:attrName>
+                                        </p:attrNameLst>
+                                      </p:cBhvr>
+                                      <p:to>
+                                        <p:strVal val="visible"/>
+                                      </p:to>
+                                    </p:set>
+                                  </p:childTnLst>
+                                </p:cTn>
+                              </p:par>
+                            </p:childTnLst>
+                          </p:cTn>
+                        </p:par>
+                      </p:childTnLst>
+                    </p:cTn>
+                  </p:par>
+                  <p:par>
+                    <p:cTn id="11" fill="hold">
+                      <p:stCondLst>
+                        <p:cond delay="indefinite"/>
+                      </p:stCondLst>
+                      <p:childTnLst>
+                        <p:par>
+                          <p:cTn id="12" fill="hold">
+                            <p:stCondLst>
+                              <p:cond delay="0"/>
+                            </p:stCondLst>
+                            <p:childTnLst>
+                              <p:par>
+                                <p:cTn id="13" presetID="1" presetClass="entr" presetSubtype="0" fill="hold" grpId="0" nodeType="clickEffect">
+                                  <p:stCondLst>
+                                    <p:cond delay="0"/>
+                                  </p:stCondLst>
+                                  <p:childTnLst>
+                                    <p:set>
+                                      <p:cBhvr>
+                                        <p:cTn id="14" dur="1" fill="hold">
+                                          <p:stCondLst>
+                                            <p:cond delay="0"/>
+                                          </p:stCondLst>
+                                        </p:cTn>
+                                        <p:tgtEl>
+                                          <p:spTgt spid="3">
+                                            <p:txEl>
+                                              <p:pRg st="2" end="2"/>
+                                            </p:txEl>
+                                          </p:spTgt>
+                                        </p:tgtEl>
+                                        <p:attrNameLst>
+                                          <p:attrName>style.visibility</p:attrName>
+                                        </p:attrNameLst>
+                                      </p:cBhvr>
+                                      <p:to>
+                                        <p:strVal val="visible"/>
+                                      </p:to>
+                                    </p:set>
+                                  </p:childTnLst>
+                                </p:cTn>
+                              </p:par>
+                            </p:childTnLst>
+                          </p:cTn>
+                        </p:par>
+                      </p:childTnLst>
+                    </p:cTn>
+                  </p:par>
+                  <p:par>
+                    <p:cTn id="15" fill="hold">
+                      <p:stCondLst>
+                        <p:cond delay="indefinite"/>
+                      </p:stCondLst>
+                      <p:childTnLst>
+                        <p:par>
+                          <p:cTn id="16" fill="hold">
+                            <p:stCondLst>
+                              <p:cond delay="0"/>
+                            </p:stCondLst>
+                            <p:childTnLst>
+                              <p:par>
+                                <p:cTn id="17" presetID="1" presetClass="entr" presetSubtype="0" fill="hold" grpId="0" nodeType="clickEffect">
+                                  <p:stCondLst>
+                                    <p:cond delay="0"/>
+                                  </p:stCondLst>
+                                  <p:childTnLst>
+                                    <p:set>
+                                      <p:cBhvr>
+                                        <p:cTn id="18" dur="1" fill="hold">
+                                          <p:stCondLst>
+                                            <p:cond delay="0"/>
+                                          </p:stCondLst>
+                                        </p:cTn>
+                                        <p:tgtEl>
+                                          <p:spTgt spid="3">
+                                            <p:txEl>
+                                              <p:pRg st="3" end="3"/>
+                                            </p:txEl>
+                                          </p:spTgt>
+                                        </p:tgtEl>
+                                        <p:attrNameLst>
+                                          <p:attrName>style.visibility</p:attrName>
+                                        </p:attrNameLst>
+                                      </p:cBhvr>
+                                      <p:to>
+                                        <p:strVal val="visible"/>
+                                      </p:to>
+                                    </p:set>
+                                  </p:childTnLst>
+                                </p:cTn>
+                              </p:par>
+                            </p:childTnLst>
+                          </p:cTn>
+                        </p:par>
+                      </p:childTnLst>
+                    </p:cTn>
+                  </p:par>
+                  <p:par>
+                    <p:cTn id="19" fill="hold">
+                      <p:stCondLst>
+                        <p:cond delay="indefinite"/>
+                      </p:stCondLst>
+                      <p:childTnLst>
+                        <p:par>
+                          <p:cTn id="20" fill="hold">
+                            <p:stCondLst>
+                              <p:cond delay="0"/>
+                            </p:stCondLst>
+                            <p:childTnLst>
+                              <p:par>
+                                <p:cTn id="21" presetID="1" presetClass="entr" presetSubtype="0" fill="hold" grpId="0" nodeType="clickEffect">
+                                  <p:stCondLst>
+                                    <p:cond delay="0"/>
+                                  </p:stCondLst>
+                                  <p:childTnLst>
+                                    <p:set>
+                                      <p:cBhvr>
+                                        <p:cTn id="22" dur="1" fill="hold">
+                                          <p:stCondLst>
+                                            <p:cond delay="0"/>
+                                          </p:stCondLst>
+                                        </p:cTn>
+                                        <p:tgtEl>
+                                          <p:spTgt spid="3">
+                                            <p:txEl>
+                                              <p:pRg st="4" end="4"/>
+                                            </p:txEl>
+                                          </p:spTgt>
+                                        </p:tgtEl>
+                                        <p:attrNameLst>
+                                          <p:attrName>style.visibility</p:attrName>
+                                        </p:attrNameLst>
+                                      </p:cBhvr>
+                                      <p:to>
+                                        <p:strVal val="visible"/>
+                                      </p:to>
+                                    </p:set>
+                                  </p:childTnLst>
+                                </p:cTn>
+                              </p:par>
+                            </p:childTnLst>
+                          </p:cTn>
+                        </p:par>
+                      </p:childTnLst>
+                    </p:cTn>
+                  </p:par>
+                  <p:par>
+                    <p:cTn id="23" fill="hold">
+                      <p:stCondLst>
+                        <p:cond delay="indefinite"/>
+                      </p:stCondLst>
+                      <p:childTnLst>
+                        <p:par>
+                          <p:cTn id="24" fill="hold">
+                            <p:stCondLst>
+                              <p:cond delay="0"/>
+                            </p:stCondLst>
+                            <p:childTnLst>
+                              <p:par>
+                                <p:cTn id="25" presetID="1" presetClass="entr" presetSubtype="0" fill="hold" grpId="0" nodeType="clickEffect">
+                                  <p:stCondLst>
+                                    <p:cond delay="0"/>
+                                  </p:stCondLst>
+                                  <p:childTnLst>
+                                    <p:set>
+                                      <p:cBhvr>
+                                        <p:cTn id="26" dur="1" fill="hold">
+                                          <p:stCondLst>
+                                            <p:cond delay="0"/>
+                                          </p:stCondLst>
+                                        </p:cTn>
+                                        <p:tgtEl>
+                                          <p:spTgt spid="3">
+                                            <p:txEl>
+                                              <p:pRg st="5" end="5"/>
+                                            </p:txEl>
+                                          </p:spTgt>
+                                        </p:tgtEl>
+                                        <p:attrNameLst>
+                                          <p:attrName>style.visibility</p:attrName>
+                                        </p:attrNameLst>
+                                      </p:cBhvr>
+                                      <p:to>
+                                        <p:strVal val="visible"/>
+                                      </p:to>
+                                    </p:set>
+                                  </p:childTnLst>
+                                </p:cTn>
+                              </p:par>
+                            </p:childTnLst>
+                          </p:cTn>
+                        </p:par>
+                      </p:childTnLst>
+                    </p:cTn>
+                  </p:par>
+                  <p:par>
+                    <p:cTn id="27" fill="hold">
+                      <p:stCondLst>
+                        <p:cond delay="indefinite"/>
+                      </p:stCondLst>
+                      <p:childTnLst>
+                        <p:par>
+                          <p:cTn id="28" fill="hold">
+                            <p:stCondLst>
+                              <p:cond delay="0"/>
+                            </p:stCondLst>
+                            <p:childTnLst>
+                              <p:par>
+                                <p:cTn id="29" presetID="1" presetClass="entr" presetSubtype="0" fill="hold" grpId="0" nodeType="clickEffect">
+                                  <p:stCondLst>
+                                    <p:cond delay="0"/>
+                                  </p:stCondLst>
+                                  <p:childTnLst>
+                                    <p:set>
+                                      <p:cBhvr>
+                                        <p:cTn id="30" dur="1" fill="hold">
+                                          <p:stCondLst>
+                                            <p:cond delay="0"/>
+                                          </p:stCondLst>
+                                        </p:cTn>
+                                        <p:tgtEl>
+                                          <p:spTgt spid="3">
+                                            <p:txEl>
+                                              <p:pRg st="6" end="6"/>
                                             </p:txEl>
                                           </p:spTgt>
                                         </p:tgtEl>
@@ -6540,6 +10146,13 @@
               <a:t>외부 API와 같은 연결 불가</a:t>
             </a:r>
           </a:p>
+          <a:p>
+            <a:pPr lvl="2"/>
+            <a:r>
+              <a:rPr/>
+              <a:t>팀의 애착과 고집이 느껴지는 부분</a:t>
+            </a:r>
+          </a:p>
         </p:txBody>
       </p:sp>
     </p:spTree>
@@ -7042,6 +10655,55 @@
                       </p:childTnLst>
                     </p:cTn>
                   </p:par>
+                  <p:par>
+                    <p:cTn id="43" fill="hold">
+                      <p:stCondLst>
+                        <p:cond delay="indefinite"/>
+                      </p:stCondLst>
+                      <p:childTnLst>
+                        <p:par>
+                          <p:cTn id="44" fill="hold">
+                            <p:stCondLst>
+                              <p:cond delay="0"/>
+                            </p:stCondLst>
+                            <p:childTnLst>
+                              <p:par>
+                                <p:cTn id="45" presetID="1" presetClass="entr" presetSubtype="0" fill="hold" grpId="0" nodeType="clickEffect">
+                                  <p:stCondLst>
+                                    <p:cond delay="0"/>
+                                  </p:stCondLst>
+                                  <p:childTnLst>
+                                    <p:set>
+                                      <p:cBhvr>
+                                        <p:cTn id="46" dur="1" fill="hold">
+                                          <p:stCondLst>
+                                            <p:cond delay="0"/>
+                                          </p:stCondLst>
+                                        </p:cTn>
+                                        <p:tgtEl>
+                                          <p:spTgt spid="3">
+                                            <p:txEl>
+                                              <p:pRg st="10" end="10"/>
+                                            </p:txEl>
+                                          </p:spTgt>
+                                        </p:tgtEl>
+                                        <p:attrNameLst>
+                                          <p:attrName>style.visibility</p:attrName>
+                                        </p:attrNameLst>
+                                      </p:cBhvr>
+                                      <p:to>
+                                        <p:strVal val="visible"/>
+                                      </p:to>
+                                    </p:set>
+                                  </p:childTnLst>
+                                </p:cTn>
+                              </p:par>
+                            </p:childTnLst>
+                          </p:cTn>
+                        </p:par>
+                      </p:childTnLst>
+                    </p:cTn>
+                  </p:par>
                 </p:childTnLst>
               </p:cTn>
               <p:prevCondLst>
@@ -7595,7 +11257,7 @@
             </a:pPr>
             <a:r>
               <a:rPr/>
-              <a:t>Layout (Stack)</a:t>
+              <a:t>팀</a:t>
             </a:r>
           </a:p>
         </p:txBody>
@@ -7618,63 +11280,21 @@
             <a:pPr lvl="0"/>
             <a:r>
               <a:rPr/>
-              <a:t>피그마의 Auto Layout에 해당</a:t>
+              <a:t>모든 프레이머 문서(프로젝트)는 팀에 귀속됨.</a:t>
             </a:r>
           </a:p>
           <a:p>
             <a:pPr lvl="0"/>
             <a:r>
               <a:rPr/>
-              <a:t>Row / Column / Grid 로 나뉘고</a:t>
+              <a:t>다른 사람들과의 협업을 위해서는 결제가 필수</a:t>
             </a:r>
           </a:p>
           <a:p>
             <a:pPr lvl="0"/>
             <a:r>
               <a:rPr/>
-              <a:t>Fit / Fill Layout</a:t>
-            </a:r>
-          </a:p>
-          <a:p>
-            <a:pPr lvl="1"/>
-            <a:r>
-              <a:rPr/>
-              <a:t>부모가 자식 크기에 맞추거나</a:t>
-            </a:r>
-          </a:p>
-          <a:p>
-            <a:pPr lvl="1"/>
-            <a:r>
-              <a:rPr/>
-              <a:t>자식이 부모 크기에 맞추거나</a:t>
-            </a:r>
-          </a:p>
-          <a:p>
-            <a:pPr lvl="1"/>
-            <a:r>
-              <a:rPr/>
-              <a:t>둘 다 상관없든가.</a:t>
-            </a:r>
-          </a:p>
-          <a:p>
-            <a:pPr lvl="0"/>
-            <a:r>
-              <a:rPr/>
-              <a:t>Fraction</a:t>
-            </a:r>
-          </a:p>
-          <a:p>
-            <a:pPr lvl="1"/>
-            <a:r>
-              <a:rPr/>
-              <a:t>자식을 배치하는 경우, 자식이 차지하는 부모 컨테이너 영역에서의 비율.</a:t>
-            </a:r>
-          </a:p>
-          <a:p>
-            <a:pPr lvl="1"/>
-            <a:r>
-              <a:rPr/>
-              <a:t>이 비율에 따라 자식이 부모의 영역을 나눠갖게 됨</a:t>
+              <a:t>특이하게도 프레이머 문서는 삭제가 불가능</a:t>
             </a:r>
           </a:p>
         </p:txBody>
@@ -7836,300 +11456,6 @@
                       </p:childTnLst>
                     </p:cTn>
                   </p:par>
-                  <p:par>
-                    <p:cTn id="15" fill="hold">
-                      <p:stCondLst>
-                        <p:cond delay="indefinite"/>
-                      </p:stCondLst>
-                      <p:childTnLst>
-                        <p:par>
-                          <p:cTn id="16" fill="hold">
-                            <p:stCondLst>
-                              <p:cond delay="0"/>
-                            </p:stCondLst>
-                            <p:childTnLst>
-                              <p:par>
-                                <p:cTn id="17" presetID="1" presetClass="entr" presetSubtype="0" fill="hold" grpId="0" nodeType="clickEffect">
-                                  <p:stCondLst>
-                                    <p:cond delay="0"/>
-                                  </p:stCondLst>
-                                  <p:childTnLst>
-                                    <p:set>
-                                      <p:cBhvr>
-                                        <p:cTn id="18" dur="1" fill="hold">
-                                          <p:stCondLst>
-                                            <p:cond delay="0"/>
-                                          </p:stCondLst>
-                                        </p:cTn>
-                                        <p:tgtEl>
-                                          <p:spTgt spid="3">
-                                            <p:txEl>
-                                              <p:pRg st="3" end="3"/>
-                                            </p:txEl>
-                                          </p:spTgt>
-                                        </p:tgtEl>
-                                        <p:attrNameLst>
-                                          <p:attrName>style.visibility</p:attrName>
-                                        </p:attrNameLst>
-                                      </p:cBhvr>
-                                      <p:to>
-                                        <p:strVal val="visible"/>
-                                      </p:to>
-                                    </p:set>
-                                  </p:childTnLst>
-                                </p:cTn>
-                              </p:par>
-                            </p:childTnLst>
-                          </p:cTn>
-                        </p:par>
-                      </p:childTnLst>
-                    </p:cTn>
-                  </p:par>
-                  <p:par>
-                    <p:cTn id="19" fill="hold">
-                      <p:stCondLst>
-                        <p:cond delay="indefinite"/>
-                      </p:stCondLst>
-                      <p:childTnLst>
-                        <p:par>
-                          <p:cTn id="20" fill="hold">
-                            <p:stCondLst>
-                              <p:cond delay="0"/>
-                            </p:stCondLst>
-                            <p:childTnLst>
-                              <p:par>
-                                <p:cTn id="21" presetID="1" presetClass="entr" presetSubtype="0" fill="hold" grpId="0" nodeType="clickEffect">
-                                  <p:stCondLst>
-                                    <p:cond delay="0"/>
-                                  </p:stCondLst>
-                                  <p:childTnLst>
-                                    <p:set>
-                                      <p:cBhvr>
-                                        <p:cTn id="22" dur="1" fill="hold">
-                                          <p:stCondLst>
-                                            <p:cond delay="0"/>
-                                          </p:stCondLst>
-                                        </p:cTn>
-                                        <p:tgtEl>
-                                          <p:spTgt spid="3">
-                                            <p:txEl>
-                                              <p:pRg st="4" end="4"/>
-                                            </p:txEl>
-                                          </p:spTgt>
-                                        </p:tgtEl>
-                                        <p:attrNameLst>
-                                          <p:attrName>style.visibility</p:attrName>
-                                        </p:attrNameLst>
-                                      </p:cBhvr>
-                                      <p:to>
-                                        <p:strVal val="visible"/>
-                                      </p:to>
-                                    </p:set>
-                                  </p:childTnLst>
-                                </p:cTn>
-                              </p:par>
-                            </p:childTnLst>
-                          </p:cTn>
-                        </p:par>
-                      </p:childTnLst>
-                    </p:cTn>
-                  </p:par>
-                  <p:par>
-                    <p:cTn id="23" fill="hold">
-                      <p:stCondLst>
-                        <p:cond delay="indefinite"/>
-                      </p:stCondLst>
-                      <p:childTnLst>
-                        <p:par>
-                          <p:cTn id="24" fill="hold">
-                            <p:stCondLst>
-                              <p:cond delay="0"/>
-                            </p:stCondLst>
-                            <p:childTnLst>
-                              <p:par>
-                                <p:cTn id="25" presetID="1" presetClass="entr" presetSubtype="0" fill="hold" grpId="0" nodeType="clickEffect">
-                                  <p:stCondLst>
-                                    <p:cond delay="0"/>
-                                  </p:stCondLst>
-                                  <p:childTnLst>
-                                    <p:set>
-                                      <p:cBhvr>
-                                        <p:cTn id="26" dur="1" fill="hold">
-                                          <p:stCondLst>
-                                            <p:cond delay="0"/>
-                                          </p:stCondLst>
-                                        </p:cTn>
-                                        <p:tgtEl>
-                                          <p:spTgt spid="3">
-                                            <p:txEl>
-                                              <p:pRg st="5" end="5"/>
-                                            </p:txEl>
-                                          </p:spTgt>
-                                        </p:tgtEl>
-                                        <p:attrNameLst>
-                                          <p:attrName>style.visibility</p:attrName>
-                                        </p:attrNameLst>
-                                      </p:cBhvr>
-                                      <p:to>
-                                        <p:strVal val="visible"/>
-                                      </p:to>
-                                    </p:set>
-                                  </p:childTnLst>
-                                </p:cTn>
-                              </p:par>
-                            </p:childTnLst>
-                          </p:cTn>
-                        </p:par>
-                      </p:childTnLst>
-                    </p:cTn>
-                  </p:par>
-                  <p:par>
-                    <p:cTn id="27" fill="hold">
-                      <p:stCondLst>
-                        <p:cond delay="indefinite"/>
-                      </p:stCondLst>
-                      <p:childTnLst>
-                        <p:par>
-                          <p:cTn id="28" fill="hold">
-                            <p:stCondLst>
-                              <p:cond delay="0"/>
-                            </p:stCondLst>
-                            <p:childTnLst>
-                              <p:par>
-                                <p:cTn id="29" presetID="1" presetClass="entr" presetSubtype="0" fill="hold" grpId="0" nodeType="clickEffect">
-                                  <p:stCondLst>
-                                    <p:cond delay="0"/>
-                                  </p:stCondLst>
-                                  <p:childTnLst>
-                                    <p:set>
-                                      <p:cBhvr>
-                                        <p:cTn id="30" dur="1" fill="hold">
-                                          <p:stCondLst>
-                                            <p:cond delay="0"/>
-                                          </p:stCondLst>
-                                        </p:cTn>
-                                        <p:tgtEl>
-                                          <p:spTgt spid="3">
-                                            <p:txEl>
-                                              <p:pRg st="6" end="6"/>
-                                            </p:txEl>
-                                          </p:spTgt>
-                                        </p:tgtEl>
-                                        <p:attrNameLst>
-                                          <p:attrName>style.visibility</p:attrName>
-                                        </p:attrNameLst>
-                                      </p:cBhvr>
-                                      <p:to>
-                                        <p:strVal val="visible"/>
-                                      </p:to>
-                                    </p:set>
-                                  </p:childTnLst>
-                                </p:cTn>
-                              </p:par>
-                            </p:childTnLst>
-                          </p:cTn>
-                        </p:par>
-                      </p:childTnLst>
-                    </p:cTn>
-                  </p:par>
-                  <p:par>
-                    <p:cTn id="31" fill="hold">
-                      <p:stCondLst>
-                        <p:cond delay="indefinite"/>
-                      </p:stCondLst>
-                      <p:childTnLst>
-                        <p:par>
-                          <p:cTn id="32" fill="hold">
-                            <p:stCondLst>
-                              <p:cond delay="0"/>
-                            </p:stCondLst>
-                            <p:childTnLst>
-                              <p:par>
-                                <p:cTn id="33" presetID="1" presetClass="entr" presetSubtype="0" fill="hold" grpId="0" nodeType="clickEffect">
-                                  <p:stCondLst>
-                                    <p:cond delay="0"/>
-                                  </p:stCondLst>
-                                  <p:childTnLst>
-                                    <p:set>
-                                      <p:cBhvr>
-                                        <p:cTn id="34" dur="1" fill="hold">
-                                          <p:stCondLst>
-                                            <p:cond delay="0"/>
-                                          </p:stCondLst>
-                                        </p:cTn>
-                                        <p:tgtEl>
-                                          <p:spTgt spid="3">
-                                            <p:txEl>
-                                              <p:pRg st="7" end="7"/>
-                                            </p:txEl>
-                                          </p:spTgt>
-                                        </p:tgtEl>
-                                        <p:attrNameLst>
-                                          <p:attrName>style.visibility</p:attrName>
-                                        </p:attrNameLst>
-                                      </p:cBhvr>
-                                      <p:to>
-                                        <p:strVal val="visible"/>
-                                      </p:to>
-                                    </p:set>
-                                  </p:childTnLst>
-                                </p:cTn>
-                              </p:par>
-                            </p:childTnLst>
-                          </p:cTn>
-                        </p:par>
-                      </p:childTnLst>
-                    </p:cTn>
-                  </p:par>
-                  <p:par>
-                    <p:cTn id="35" fill="hold">
-                      <p:stCondLst>
-                        <p:cond delay="indefinite"/>
-                      </p:stCondLst>
-                      <p:childTnLst>
-                        <p:par>
-                          <p:cTn id="36" fill="hold">
-                            <p:stCondLst>
-                              <p:cond delay="0"/>
-                            </p:stCondLst>
-                            <p:childTnLst>
-                              <p:par>
-                                <p:cTn id="37" presetID="1" presetClass="entr" presetSubtype="0" fill="hold" grpId="0" nodeType="clickEffect">
-                                  <p:stCondLst>
-                                    <p:cond delay="0"/>
-                                  </p:stCondLst>
-                                  <p:childTnLst>
-                                    <p:set>
-                                      <p:cBhvr>
-                                        <p:cTn id="38" dur="1" fill="hold">
-                                          <p:stCondLst>
-                                            <p:cond delay="0"/>
-                                          </p:stCondLst>
-                                        </p:cTn>
-                                        <p:tgtEl>
-                                          <p:spTgt spid="3">
-                                            <p:txEl>
-                                              <p:pRg st="8" end="8"/>
-                                            </p:txEl>
-                                          </p:spTgt>
-                                        </p:tgtEl>
-                                        <p:attrNameLst>
-                                          <p:attrName>style.visibility</p:attrName>
-                                        </p:attrNameLst>
-                                      </p:cBhvr>
-                                      <p:to>
-                                        <p:strVal val="visible"/>
-                                      </p:to>
-                                    </p:set>
-                                  </p:childTnLst>
-                                </p:cTn>
-                              </p:par>
-                            </p:childTnLst>
-                          </p:cTn>
-                        </p:par>
-                      </p:childTnLst>
-                    </p:cTn>
-                  </p:par>
                 </p:childTnLst>
               </p:cTn>
               <p:prevCondLst>
@@ -8195,7 +11521,7 @@
             </a:pPr>
             <a:r>
               <a:rPr/>
-              <a:t>프레이머의 단위</a:t>
+              <a:t>에디터</a:t>
             </a:r>
           </a:p>
         </p:txBody>
@@ -8215,73 +11541,50 @@
           <a:bodyPr/>
           <a:lstStyle/>
           <a:p>
+            <a:pPr lvl="0" indent="0" marL="0">
+              <a:spcBef>
+                <a:spcPts val="3000"/>
+              </a:spcBef>
+              <a:buNone/>
+            </a:pPr>
+            <a:r>
+              <a:rPr b="1"/>
+              <a:t>페이지(Pages)</a:t>
+            </a:r>
+          </a:p>
+          <a:p>
             <a:pPr lvl="0"/>
             <a:r>
               <a:rPr/>
-              <a:t>길이의 단위</a:t>
+              <a:t>말 그대로 페이지</a:t>
+            </a:r>
+          </a:p>
+          <a:p>
+            <a:pPr lvl="0"/>
+            <a:r>
+              <a:rPr/>
+              <a:t>웹 / CMS / 캔버스</a:t>
             </a:r>
           </a:p>
           <a:p>
             <a:pPr lvl="1"/>
             <a:r>
               <a:rPr/>
-              <a:t>Pixel</a:t>
+              <a:t>웹: Publish 했을 때 인터넷에 배포되어서 주소로 접근할 수 있는 페이지</a:t>
             </a:r>
           </a:p>
           <a:p>
             <a:pPr lvl="1"/>
             <a:r>
               <a:rPr/>
-              <a:t>em</a:t>
+              <a:t>CMS: CMS 컬렉션으로 자동 구성되는 웹 페이지</a:t>
             </a:r>
           </a:p>
           <a:p>
             <a:pPr lvl="1"/>
             <a:r>
               <a:rPr/>
-              <a:t>vh, vw</a:t>
-            </a:r>
-          </a:p>
-          <a:p>
-            <a:pPr lvl="0"/>
-            <a:r>
-              <a:rPr/>
-              <a:t>Resizing</a:t>
-            </a:r>
-          </a:p>
-          <a:p>
-            <a:pPr lvl="1"/>
-            <a:r>
-              <a:rPr/>
-              <a:t>Fixed: 피그마와 동일. px 단위로 고정값 입력</a:t>
-            </a:r>
-          </a:p>
-          <a:p>
-            <a:pPr lvl="1"/>
-            <a:r>
-              <a:rPr/>
-              <a:t>Relative: 부모 크기의 %</a:t>
-            </a:r>
-          </a:p>
-          <a:p>
-            <a:pPr lvl="1"/>
-            <a:r>
-              <a:rPr/>
-              <a:t>Fill: 피그마의 Fill Container에 해당</a:t>
-            </a:r>
-          </a:p>
-          <a:p>
-            <a:pPr lvl="0"/>
-            <a:r>
-              <a:rPr/>
-              <a:t>프레이머의 화면 구성</a:t>
-            </a:r>
-          </a:p>
-          <a:p>
-            <a:pPr lvl="0"/>
-            <a:r>
-              <a:rPr/>
-              <a:t>웹의 레이아웃 복습</a:t>
+              <a:t>캔버스: 프로토타이핑을 위한 페이지, React.js 컴포넌트를 Hand off로 개발자에게 전달 가능</a:t>
             </a:r>
           </a:p>
         </p:txBody>
@@ -8324,7 +11627,7 @@
                                         <p:tgtEl>
                                           <p:spTgt spid="3">
                                             <p:txEl>
-                                              <p:pRg st="0" end="0"/>
+                                              <p:pRg st="1" end="1"/>
                                             </p:txEl>
                                           </p:spTgt>
                                         </p:tgtEl>
@@ -8373,7 +11676,7 @@
                                         <p:tgtEl>
                                           <p:spTgt spid="3">
                                             <p:txEl>
-                                              <p:pRg st="1" end="1"/>
+                                              <p:pRg st="2" end="2"/>
                                             </p:txEl>
                                           </p:spTgt>
                                         </p:tgtEl>
@@ -8422,7 +11725,7 @@
                                         <p:tgtEl>
                                           <p:spTgt spid="3">
                                             <p:txEl>
-                                              <p:pRg st="2" end="2"/>
+                                              <p:pRg st="3" end="3"/>
                                             </p:txEl>
                                           </p:spTgt>
                                         </p:tgtEl>
@@ -8471,7 +11774,7 @@
                                         <p:tgtEl>
                                           <p:spTgt spid="3">
                                             <p:txEl>
-                                              <p:pRg st="3" end="3"/>
+                                              <p:pRg st="4" end="4"/>
                                             </p:txEl>
                                           </p:spTgt>
                                         </p:tgtEl>
@@ -8520,252 +11823,7 @@
                                         <p:tgtEl>
                                           <p:spTgt spid="3">
                                             <p:txEl>
-                                              <p:pRg st="4" end="4"/>
-                                            </p:txEl>
-                                          </p:spTgt>
-                                        </p:tgtEl>
-                                        <p:attrNameLst>
-                                          <p:attrName>style.visibility</p:attrName>
-                                        </p:attrNameLst>
-                                      </p:cBhvr>
-                                      <p:to>
-                                        <p:strVal val="visible"/>
-                                      </p:to>
-                                    </p:set>
-                                  </p:childTnLst>
-                                </p:cTn>
-                              </p:par>
-                            </p:childTnLst>
-                          </p:cTn>
-                        </p:par>
-                      </p:childTnLst>
-                    </p:cTn>
-                  </p:par>
-                  <p:par>
-                    <p:cTn id="23" fill="hold">
-                      <p:stCondLst>
-                        <p:cond delay="indefinite"/>
-                      </p:stCondLst>
-                      <p:childTnLst>
-                        <p:par>
-                          <p:cTn id="24" fill="hold">
-                            <p:stCondLst>
-                              <p:cond delay="0"/>
-                            </p:stCondLst>
-                            <p:childTnLst>
-                              <p:par>
-                                <p:cTn id="25" presetID="1" presetClass="entr" presetSubtype="0" fill="hold" grpId="0" nodeType="clickEffect">
-                                  <p:stCondLst>
-                                    <p:cond delay="0"/>
-                                  </p:stCondLst>
-                                  <p:childTnLst>
-                                    <p:set>
-                                      <p:cBhvr>
-                                        <p:cTn id="26" dur="1" fill="hold">
-                                          <p:stCondLst>
-                                            <p:cond delay="0"/>
-                                          </p:stCondLst>
-                                        </p:cTn>
-                                        <p:tgtEl>
-                                          <p:spTgt spid="3">
-                                            <p:txEl>
                                               <p:pRg st="5" end="5"/>
-                                            </p:txEl>
-                                          </p:spTgt>
-                                        </p:tgtEl>
-                                        <p:attrNameLst>
-                                          <p:attrName>style.visibility</p:attrName>
-                                        </p:attrNameLst>
-                                      </p:cBhvr>
-                                      <p:to>
-                                        <p:strVal val="visible"/>
-                                      </p:to>
-                                    </p:set>
-                                  </p:childTnLst>
-                                </p:cTn>
-                              </p:par>
-                            </p:childTnLst>
-                          </p:cTn>
-                        </p:par>
-                      </p:childTnLst>
-                    </p:cTn>
-                  </p:par>
-                  <p:par>
-                    <p:cTn id="27" fill="hold">
-                      <p:stCondLst>
-                        <p:cond delay="indefinite"/>
-                      </p:stCondLst>
-                      <p:childTnLst>
-                        <p:par>
-                          <p:cTn id="28" fill="hold">
-                            <p:stCondLst>
-                              <p:cond delay="0"/>
-                            </p:stCondLst>
-                            <p:childTnLst>
-                              <p:par>
-                                <p:cTn id="29" presetID="1" presetClass="entr" presetSubtype="0" fill="hold" grpId="0" nodeType="clickEffect">
-                                  <p:stCondLst>
-                                    <p:cond delay="0"/>
-                                  </p:stCondLst>
-                                  <p:childTnLst>
-                                    <p:set>
-                                      <p:cBhvr>
-                                        <p:cTn id="30" dur="1" fill="hold">
-                                          <p:stCondLst>
-                                            <p:cond delay="0"/>
-                                          </p:stCondLst>
-                                        </p:cTn>
-                                        <p:tgtEl>
-                                          <p:spTgt spid="3">
-                                            <p:txEl>
-                                              <p:pRg st="6" end="6"/>
-                                            </p:txEl>
-                                          </p:spTgt>
-                                        </p:tgtEl>
-                                        <p:attrNameLst>
-                                          <p:attrName>style.visibility</p:attrName>
-                                        </p:attrNameLst>
-                                      </p:cBhvr>
-                                      <p:to>
-                                        <p:strVal val="visible"/>
-                                      </p:to>
-                                    </p:set>
-                                  </p:childTnLst>
-                                </p:cTn>
-                              </p:par>
-                            </p:childTnLst>
-                          </p:cTn>
-                        </p:par>
-                      </p:childTnLst>
-                    </p:cTn>
-                  </p:par>
-                  <p:par>
-                    <p:cTn id="31" fill="hold">
-                      <p:stCondLst>
-                        <p:cond delay="indefinite"/>
-                      </p:stCondLst>
-                      <p:childTnLst>
-                        <p:par>
-                          <p:cTn id="32" fill="hold">
-                            <p:stCondLst>
-                              <p:cond delay="0"/>
-                            </p:stCondLst>
-                            <p:childTnLst>
-                              <p:par>
-                                <p:cTn id="33" presetID="1" presetClass="entr" presetSubtype="0" fill="hold" grpId="0" nodeType="clickEffect">
-                                  <p:stCondLst>
-                                    <p:cond delay="0"/>
-                                  </p:stCondLst>
-                                  <p:childTnLst>
-                                    <p:set>
-                                      <p:cBhvr>
-                                        <p:cTn id="34" dur="1" fill="hold">
-                                          <p:stCondLst>
-                                            <p:cond delay="0"/>
-                                          </p:stCondLst>
-                                        </p:cTn>
-                                        <p:tgtEl>
-                                          <p:spTgt spid="3">
-                                            <p:txEl>
-                                              <p:pRg st="7" end="7"/>
-                                            </p:txEl>
-                                          </p:spTgt>
-                                        </p:tgtEl>
-                                        <p:attrNameLst>
-                                          <p:attrName>style.visibility</p:attrName>
-                                        </p:attrNameLst>
-                                      </p:cBhvr>
-                                      <p:to>
-                                        <p:strVal val="visible"/>
-                                      </p:to>
-                                    </p:set>
-                                  </p:childTnLst>
-                                </p:cTn>
-                              </p:par>
-                            </p:childTnLst>
-                          </p:cTn>
-                        </p:par>
-                      </p:childTnLst>
-                    </p:cTn>
-                  </p:par>
-                  <p:par>
-                    <p:cTn id="35" fill="hold">
-                      <p:stCondLst>
-                        <p:cond delay="indefinite"/>
-                      </p:stCondLst>
-                      <p:childTnLst>
-                        <p:par>
-                          <p:cTn id="36" fill="hold">
-                            <p:stCondLst>
-                              <p:cond delay="0"/>
-                            </p:stCondLst>
-                            <p:childTnLst>
-                              <p:par>
-                                <p:cTn id="37" presetID="1" presetClass="entr" presetSubtype="0" fill="hold" grpId="0" nodeType="clickEffect">
-                                  <p:stCondLst>
-                                    <p:cond delay="0"/>
-                                  </p:stCondLst>
-                                  <p:childTnLst>
-                                    <p:set>
-                                      <p:cBhvr>
-                                        <p:cTn id="38" dur="1" fill="hold">
-                                          <p:stCondLst>
-                                            <p:cond delay="0"/>
-                                          </p:stCondLst>
-                                        </p:cTn>
-                                        <p:tgtEl>
-                                          <p:spTgt spid="3">
-                                            <p:txEl>
-                                              <p:pRg st="8" end="8"/>
-                                            </p:txEl>
-                                          </p:spTgt>
-                                        </p:tgtEl>
-                                        <p:attrNameLst>
-                                          <p:attrName>style.visibility</p:attrName>
-                                        </p:attrNameLst>
-                                      </p:cBhvr>
-                                      <p:to>
-                                        <p:strVal val="visible"/>
-                                      </p:to>
-                                    </p:set>
-                                  </p:childTnLst>
-                                </p:cTn>
-                              </p:par>
-                            </p:childTnLst>
-                          </p:cTn>
-                        </p:par>
-                      </p:childTnLst>
-                    </p:cTn>
-                  </p:par>
-                  <p:par>
-                    <p:cTn id="39" fill="hold">
-                      <p:stCondLst>
-                        <p:cond delay="indefinite"/>
-                      </p:stCondLst>
-                      <p:childTnLst>
-                        <p:par>
-                          <p:cTn id="40" fill="hold">
-                            <p:stCondLst>
-                              <p:cond delay="0"/>
-                            </p:stCondLst>
-                            <p:childTnLst>
-                              <p:par>
-                                <p:cTn id="41" presetID="1" presetClass="entr" presetSubtype="0" fill="hold" grpId="0" nodeType="clickEffect">
-                                  <p:stCondLst>
-                                    <p:cond delay="0"/>
-                                  </p:stCondLst>
-                                  <p:childTnLst>
-                                    <p:set>
-                                      <p:cBhvr>
-                                        <p:cTn id="42" dur="1" fill="hold">
-                                          <p:stCondLst>
-                                            <p:cond delay="0"/>
-                                          </p:stCondLst>
-                                        </p:cTn>
-                                        <p:tgtEl>
-                                          <p:spTgt spid="3">
-                                            <p:txEl>
-                                              <p:pRg st="9" end="9"/>
                                             </p:txEl>
                                           </p:spTgt>
                                         </p:tgtEl>
@@ -8833,31 +11891,6 @@
       </p:grpSpPr>
       <p:sp>
         <p:nvSpPr>
-          <p:cNvPr id="2" name="Title 1"/>
-          <p:cNvSpPr>
-            <a:spLocks noGrp="1"/>
-          </p:cNvSpPr>
-          <p:nvPr>
-            <p:ph type="title"/>
-          </p:nvPr>
-        </p:nvSpPr>
-        <p:spPr/>
-        <p:txBody>
-          <a:bodyPr/>
-          <a:lstStyle/>
-          <a:p>
-            <a:pPr lvl="0" indent="0" marL="0">
-              <a:buNone/>
-            </a:pPr>
-            <a:r>
-              <a:rPr/>
-              <a:t>팀</a:t>
-            </a:r>
-          </a:p>
-        </p:txBody>
-      </p:sp>
-      <p:sp>
-        <p:nvSpPr>
           <p:cNvPr id="3" name="Content Placeholder 2"/>
           <p:cNvSpPr>
             <a:spLocks noGrp="1"/>
@@ -8871,24 +11904,60 @@
           <a:bodyPr/>
           <a:lstStyle/>
           <a:p>
+            <a:pPr lvl="0" indent="0" marL="0">
+              <a:spcBef>
+                <a:spcPts val="3000"/>
+              </a:spcBef>
+              <a:buNone/>
+            </a:pPr>
+            <a:r>
+              <a:rPr b="1"/>
+              <a:t>레이어(Layers)</a:t>
+            </a:r>
+          </a:p>
+          <a:p>
             <a:pPr lvl="0"/>
             <a:r>
               <a:rPr/>
-              <a:t>모든 프레이머 문서(프로젝트)는 팀에 귀속됨.</a:t>
+              <a:t>캔버스 상의 하나의 요소(Elements)</a:t>
+            </a:r>
+          </a:p>
+          <a:p>
+            <a:pPr lvl="0" indent="0" marL="0">
+              <a:spcBef>
+                <a:spcPts val="3000"/>
+              </a:spcBef>
+              <a:buNone/>
+            </a:pPr>
+            <a:r>
+              <a:rPr b="1"/>
+              <a:t>브레이크포인트(Breakpoint)</a:t>
             </a:r>
           </a:p>
           <a:p>
             <a:pPr lvl="0"/>
             <a:r>
               <a:rPr/>
-              <a:t>다른 사람들과의 협업을 위해서는 결제가 필수</a:t>
+              <a:t>실제로 웹에 보여지게 되는 프레임</a:t>
+            </a:r>
+          </a:p>
+          <a:p>
+            <a:pPr lvl="0" indent="0" marL="0">
+              <a:spcBef>
+                <a:spcPts val="3000"/>
+              </a:spcBef>
+              <a:buNone/>
+            </a:pPr>
+            <a:r>
+              <a:rPr b="1"/>
+              <a:t>에셋(Assets)</a:t>
             </a:r>
           </a:p>
           <a:p>
             <a:pPr lvl="0"/>
             <a:r>
               <a:rPr/>
-              <a:t>특이하게도 프레이머 문서는 삭제가 불가능</a:t>
+              <a:t>반복해서 사용하게 되는 페이지의 구성 요소(Components)</a:t>
             </a:r>
           </a:p>
         </p:txBody>
@@ -8931,7 +12000,7 @@
                                         <p:tgtEl>
                                           <p:spTgt spid="3">
                                             <p:txEl>
-                                              <p:pRg st="0" end="0"/>
+                                              <p:pRg st="1" end="1"/>
                                             </p:txEl>
                                           </p:spTgt>
                                         </p:tgtEl>
@@ -8980,7 +12049,7 @@
                                         <p:tgtEl>
                                           <p:spTgt spid="3">
                                             <p:txEl>
-                                              <p:pRg st="1" end="1"/>
+                                              <p:pRg st="3" end="3"/>
                                             </p:txEl>
                                           </p:spTgt>
                                         </p:tgtEl>
@@ -9029,7 +12098,7 @@
                                         <p:tgtEl>
                                           <p:spTgt spid="3">
                                             <p:txEl>
-                                              <p:pRg st="2" end="2"/>
+                                              <p:pRg st="5" end="5"/>
                                             </p:txEl>
                                           </p:spTgt>
                                         </p:tgtEl>

--- a/노코드 엔지니어링/프레이머로 블로그 만들기.pptx
+++ b/노코드 엔지니어링/프레이머로 블로그 만들기.pptx
@@ -4917,13 +4917,6 @@
               <a:t>자식을 배치하는 경우, 자식이 차지하는 부모 컨테이너 영역에서의 비율.</a:t>
             </a:r>
           </a:p>
-          <a:p>
-            <a:pPr lvl="1"/>
-            <a:r>
-              <a:rPr/>
-              <a:t>이 비율에 따라 자식이 부모의 영역을 나눠갖게 됨</a:t>
-            </a:r>
-          </a:p>
         </p:txBody>
       </p:sp>
     </p:spTree>
@@ -5308,55 +5301,6 @@
                                           <p:spTgt spid="3">
                                             <p:txEl>
                                               <p:pRg st="7" end="7"/>
-                                            </p:txEl>
-                                          </p:spTgt>
-                                        </p:tgtEl>
-                                        <p:attrNameLst>
-                                          <p:attrName>style.visibility</p:attrName>
-                                        </p:attrNameLst>
-                                      </p:cBhvr>
-                                      <p:to>
-                                        <p:strVal val="visible"/>
-                                      </p:to>
-                                    </p:set>
-                                  </p:childTnLst>
-                                </p:cTn>
-                              </p:par>
-                            </p:childTnLst>
-                          </p:cTn>
-                        </p:par>
-                      </p:childTnLst>
-                    </p:cTn>
-                  </p:par>
-                  <p:par>
-                    <p:cTn id="35" fill="hold">
-                      <p:stCondLst>
-                        <p:cond delay="indefinite"/>
-                      </p:stCondLst>
-                      <p:childTnLst>
-                        <p:par>
-                          <p:cTn id="36" fill="hold">
-                            <p:stCondLst>
-                              <p:cond delay="0"/>
-                            </p:stCondLst>
-                            <p:childTnLst>
-                              <p:par>
-                                <p:cTn id="37" presetID="1" presetClass="entr" presetSubtype="0" fill="hold" grpId="0" nodeType="clickEffect">
-                                  <p:stCondLst>
-                                    <p:cond delay="0"/>
-                                  </p:stCondLst>
-                                  <p:childTnLst>
-                                    <p:set>
-                                      <p:cBhvr>
-                                        <p:cTn id="38" dur="1" fill="hold">
-                                          <p:stCondLst>
-                                            <p:cond delay="0"/>
-                                          </p:stCondLst>
-                                        </p:cTn>
-                                        <p:tgtEl>
-                                          <p:spTgt spid="3">
-                                            <p:txEl>
-                                              <p:pRg st="8" end="8"/>
                                             </p:txEl>
                                           </p:spTgt>
                                         </p:tgtEl>
@@ -6003,7 +5947,7 @@
             <a:pPr lvl="0"/>
             <a:r>
               <a:rPr/>
-              <a:t>vw는 사용할 수 없으나, 텍스트를 부모 컨테이너에 Relative한 크기로 만들 수 있음.</a:t>
+              <a:t>vw(Viewport Width)는 사용할 수 없으나, 텍스트를 부모 컨테이너에 Relative한 크기로 만들 수 있음.</a:t>
             </a:r>
           </a:p>
           <a:p>
